--- a/PowerVBA/icon.pptx
+++ b/PowerVBA/icon.pptx
@@ -4,6 +4,9 @@
   <p:sldMasterIdLst>
     <p:sldMasterId id="2147483648" r:id="rId1"/>
   </p:sldMasterIdLst>
+  <p:notesMasterIdLst>
+    <p:notesMasterId r:id="rId3"/>
+  </p:notesMasterIdLst>
   <p:sldIdLst>
     <p:sldId id="256" r:id="rId2"/>
   </p:sldIdLst>
@@ -123,8 +126,468 @@
 </p:presentation>
 </file>
 
+<file path=ppt/commentAuthors.xml><?xml version="1.0" encoding="utf-8"?>
+<p:cmAuthorLst xmlns:a="http://schemas.openxmlformats.org/drawingml/2006/main" xmlns:r="http://schemas.openxmlformats.org/officeDocument/2006/relationships" xmlns:p="http://schemas.openxmlformats.org/presentationml/2006/main">
+  <p:cmAuthor id="1" name="장유탁" initials="장" lastIdx="2" clrIdx="0">
+    <p:extLst>
+      <p:ext uri="{19B8F6BF-5375-455C-9EA6-DF929625EA0E}">
+        <p15:presenceInfo xmlns:p15="http://schemas.microsoft.com/office/powerpoint/2012/main" userId="bd74ff08e6f91815" providerId="Windows Live"/>
+      </p:ext>
+    </p:extLst>
+  </p:cmAuthor>
+</p:cmAuthorLst>
+</file>
+
 <file path=ppt/activeX/activeX1.xml><?xml version="1.0" encoding="utf-8"?>
 <ax:ocx xmlns:ax="http://schemas.microsoft.com/office/2006/activeX" xmlns:r="http://schemas.openxmlformats.org/officeDocument/2006/relationships" ax:classid="{8BD21D10-EC42-11CE-9E0D-00AA006002F3}" ax:persistence="persistStorage" r:id="rId1"/>
+</file>
+
+<file path=ppt/comments/comment1.xml><?xml version="1.0" encoding="utf-8"?>
+<p:cmLst xmlns:a="http://schemas.openxmlformats.org/drawingml/2006/main" xmlns:r="http://schemas.openxmlformats.org/officeDocument/2006/relationships" xmlns:p="http://schemas.openxmlformats.org/presentationml/2006/main">
+  <p:cm authorId="1" dt="2017-01-29T13:17:47.526" idx="1">
+    <p:pos x="586" y="-291"/>
+    <p:text>메에모</p:text>
+    <p:extLst>
+      <p:ext uri="{C676402C-5697-4E1C-873F-D02D1690AC5C}">
+        <p15:threadingInfo xmlns:p15="http://schemas.microsoft.com/office/powerpoint/2012/main" timeZoneBias="-540"/>
+      </p:ext>
+    </p:extLst>
+  </p:cm>
+</p:cmLst>
+</file>
+
+<file path=ppt/notesMasters/notesMaster1.xml><?xml version="1.0" encoding="utf-8"?>
+<p:notesMaster xmlns:a="http://schemas.openxmlformats.org/drawingml/2006/main" xmlns:r="http://schemas.openxmlformats.org/officeDocument/2006/relationships" xmlns:p="http://schemas.openxmlformats.org/presentationml/2006/main">
+  <p:cSld>
+    <p:bg>
+      <p:bgRef idx="1001">
+        <a:schemeClr val="bg1"/>
+      </p:bgRef>
+    </p:bg>
+    <p:spTree>
+      <p:nvGrpSpPr>
+        <p:cNvPr id="1" name=""/>
+        <p:cNvGrpSpPr/>
+        <p:nvPr/>
+      </p:nvGrpSpPr>
+      <p:grpSpPr>
+        <a:xfrm>
+          <a:off x="0" y="0"/>
+          <a:ext cx="0" cy="0"/>
+          <a:chOff x="0" y="0"/>
+          <a:chExt cx="0" cy="0"/>
+        </a:xfrm>
+      </p:grpSpPr>
+      <p:sp>
+        <p:nvSpPr>
+          <p:cNvPr id="2" name="머리글 개체 틀 1"/>
+          <p:cNvSpPr>
+            <a:spLocks noGrp="1"/>
+          </p:cNvSpPr>
+          <p:nvPr>
+            <p:ph type="hdr" sz="quarter"/>
+          </p:nvPr>
+        </p:nvSpPr>
+        <p:spPr>
+          <a:xfrm>
+            <a:off x="0" y="0"/>
+            <a:ext cx="2971800" cy="458788"/>
+          </a:xfrm>
+          <a:prstGeom prst="rect">
+            <a:avLst/>
+          </a:prstGeom>
+        </p:spPr>
+        <p:txBody>
+          <a:bodyPr vert="horz" lIns="91440" tIns="45720" rIns="91440" bIns="45720" rtlCol="0"/>
+          <a:lstStyle>
+            <a:lvl1pPr algn="l">
+              <a:defRPr sz="1200"/>
+            </a:lvl1pPr>
+          </a:lstStyle>
+          <a:p>
+            <a:endParaRPr lang="ko-KR" altLang="en-US"/>
+          </a:p>
+        </p:txBody>
+      </p:sp>
+      <p:sp>
+        <p:nvSpPr>
+          <p:cNvPr id="3" name="날짜 개체 틀 2"/>
+          <p:cNvSpPr>
+            <a:spLocks noGrp="1"/>
+          </p:cNvSpPr>
+          <p:nvPr>
+            <p:ph type="dt" idx="1"/>
+          </p:nvPr>
+        </p:nvSpPr>
+        <p:spPr>
+          <a:xfrm>
+            <a:off x="3884613" y="0"/>
+            <a:ext cx="2971800" cy="458788"/>
+          </a:xfrm>
+          <a:prstGeom prst="rect">
+            <a:avLst/>
+          </a:prstGeom>
+        </p:spPr>
+        <p:txBody>
+          <a:bodyPr vert="horz" lIns="91440" tIns="45720" rIns="91440" bIns="45720" rtlCol="0"/>
+          <a:lstStyle>
+            <a:lvl1pPr algn="r">
+              <a:defRPr sz="1200"/>
+            </a:lvl1pPr>
+          </a:lstStyle>
+          <a:p>
+            <a:fld id="{B045565A-A785-44DC-8D16-DDB6C7028967}" type="datetimeFigureOut">
+              <a:rPr lang="ko-KR" altLang="en-US" smtClean="0"/>
+              <a:t>2017-01-29</a:t>
+            </a:fld>
+            <a:endParaRPr lang="ko-KR" altLang="en-US"/>
+          </a:p>
+        </p:txBody>
+      </p:sp>
+      <p:sp>
+        <p:nvSpPr>
+          <p:cNvPr id="4" name="슬라이드 이미지 개체 틀 3"/>
+          <p:cNvSpPr>
+            <a:spLocks noGrp="1" noRot="1" noChangeAspect="1"/>
+          </p:cNvSpPr>
+          <p:nvPr>
+            <p:ph type="sldImg" idx="2"/>
+          </p:nvPr>
+        </p:nvSpPr>
+        <p:spPr>
+          <a:xfrm>
+            <a:off x="685800" y="1143000"/>
+            <a:ext cx="5486400" cy="3086100"/>
+          </a:xfrm>
+          <a:prstGeom prst="rect">
+            <a:avLst/>
+          </a:prstGeom>
+          <a:noFill/>
+          <a:ln w="12700">
+            <a:solidFill>
+              <a:prstClr val="black"/>
+            </a:solidFill>
+          </a:ln>
+        </p:spPr>
+        <p:txBody>
+          <a:bodyPr vert="horz" lIns="91440" tIns="45720" rIns="91440" bIns="45720" rtlCol="0" anchor="ctr"/>
+          <a:lstStyle/>
+          <a:p>
+            <a:endParaRPr lang="ko-KR" altLang="en-US"/>
+          </a:p>
+        </p:txBody>
+      </p:sp>
+      <p:sp>
+        <p:nvSpPr>
+          <p:cNvPr id="5" name="슬라이드 노트 개체 틀 4"/>
+          <p:cNvSpPr>
+            <a:spLocks noGrp="1"/>
+          </p:cNvSpPr>
+          <p:nvPr>
+            <p:ph type="body" sz="quarter" idx="3"/>
+          </p:nvPr>
+        </p:nvSpPr>
+        <p:spPr>
+          <a:xfrm>
+            <a:off x="685800" y="4400550"/>
+            <a:ext cx="5486400" cy="3600450"/>
+          </a:xfrm>
+          <a:prstGeom prst="rect">
+            <a:avLst/>
+          </a:prstGeom>
+        </p:spPr>
+        <p:txBody>
+          <a:bodyPr vert="horz" lIns="91440" tIns="45720" rIns="91440" bIns="45720" rtlCol="0"/>
+          <a:lstStyle/>
+          <a:p>
+            <a:pPr lvl="0"/>
+            <a:r>
+              <a:rPr lang="ko-KR" altLang="en-US" smtClean="0"/>
+              <a:t>마스터 텍스트 스타일을 편집합니다</a:t>
+            </a:r>
+          </a:p>
+          <a:p>
+            <a:pPr lvl="1"/>
+            <a:r>
+              <a:rPr lang="ko-KR" altLang="en-US" smtClean="0"/>
+              <a:t>둘째 수준</a:t>
+            </a:r>
+          </a:p>
+          <a:p>
+            <a:pPr lvl="2"/>
+            <a:r>
+              <a:rPr lang="ko-KR" altLang="en-US" smtClean="0"/>
+              <a:t>셋째 수준</a:t>
+            </a:r>
+          </a:p>
+          <a:p>
+            <a:pPr lvl="3"/>
+            <a:r>
+              <a:rPr lang="ko-KR" altLang="en-US" smtClean="0"/>
+              <a:t>넷째 수준</a:t>
+            </a:r>
+          </a:p>
+          <a:p>
+            <a:pPr lvl="4"/>
+            <a:r>
+              <a:rPr lang="ko-KR" altLang="en-US" smtClean="0"/>
+              <a:t>다섯째 수준</a:t>
+            </a:r>
+            <a:endParaRPr lang="ko-KR" altLang="en-US"/>
+          </a:p>
+        </p:txBody>
+      </p:sp>
+      <p:sp>
+        <p:nvSpPr>
+          <p:cNvPr id="6" name="바닥글 개체 틀 5"/>
+          <p:cNvSpPr>
+            <a:spLocks noGrp="1"/>
+          </p:cNvSpPr>
+          <p:nvPr>
+            <p:ph type="ftr" sz="quarter" idx="4"/>
+          </p:nvPr>
+        </p:nvSpPr>
+        <p:spPr>
+          <a:xfrm>
+            <a:off x="0" y="8685213"/>
+            <a:ext cx="2971800" cy="458787"/>
+          </a:xfrm>
+          <a:prstGeom prst="rect">
+            <a:avLst/>
+          </a:prstGeom>
+        </p:spPr>
+        <p:txBody>
+          <a:bodyPr vert="horz" lIns="91440" tIns="45720" rIns="91440" bIns="45720" rtlCol="0" anchor="b"/>
+          <a:lstStyle>
+            <a:lvl1pPr algn="l">
+              <a:defRPr sz="1200"/>
+            </a:lvl1pPr>
+          </a:lstStyle>
+          <a:p>
+            <a:endParaRPr lang="ko-KR" altLang="en-US"/>
+          </a:p>
+        </p:txBody>
+      </p:sp>
+      <p:sp>
+        <p:nvSpPr>
+          <p:cNvPr id="7" name="슬라이드 번호 개체 틀 6"/>
+          <p:cNvSpPr>
+            <a:spLocks noGrp="1"/>
+          </p:cNvSpPr>
+          <p:nvPr>
+            <p:ph type="sldNum" sz="quarter" idx="5"/>
+          </p:nvPr>
+        </p:nvSpPr>
+        <p:spPr>
+          <a:xfrm>
+            <a:off x="3884613" y="8685213"/>
+            <a:ext cx="2971800" cy="458787"/>
+          </a:xfrm>
+          <a:prstGeom prst="rect">
+            <a:avLst/>
+          </a:prstGeom>
+        </p:spPr>
+        <p:txBody>
+          <a:bodyPr vert="horz" lIns="91440" tIns="45720" rIns="91440" bIns="45720" rtlCol="0" anchor="b"/>
+          <a:lstStyle>
+            <a:lvl1pPr algn="r">
+              <a:defRPr sz="1200"/>
+            </a:lvl1pPr>
+          </a:lstStyle>
+          <a:p>
+            <a:fld id="{83A79DCC-E28D-4764-AEF5-DE5E5237D8B8}" type="slidenum">
+              <a:rPr lang="ko-KR" altLang="en-US" smtClean="0"/>
+              <a:t>‹#›</a:t>
+            </a:fld>
+            <a:endParaRPr lang="ko-KR" altLang="en-US"/>
+          </a:p>
+        </p:txBody>
+      </p:sp>
+    </p:spTree>
+    <p:extLst>
+      <p:ext uri="{BB962C8B-B14F-4D97-AF65-F5344CB8AC3E}">
+        <p14:creationId xmlns:p14="http://schemas.microsoft.com/office/powerpoint/2010/main" val="2443409014"/>
+      </p:ext>
+    </p:extLst>
+  </p:cSld>
+  <p:clrMap bg1="lt1" tx1="dk1" bg2="lt2" tx2="dk2" accent1="accent1" accent2="accent2" accent3="accent3" accent4="accent4" accent5="accent5" accent6="accent6" hlink="hlink" folHlink="folHlink"/>
+  <p:notesStyle>
+    <a:lvl1pPr marL="0" algn="l" defTabSz="914400" rtl="0" eaLnBrk="1" latinLnBrk="1" hangingPunct="1">
+      <a:defRPr sz="1200" kern="1200">
+        <a:solidFill>
+          <a:schemeClr val="tx1"/>
+        </a:solidFill>
+        <a:latin typeface="+mn-lt"/>
+        <a:ea typeface="+mn-ea"/>
+        <a:cs typeface="+mn-cs"/>
+      </a:defRPr>
+    </a:lvl1pPr>
+    <a:lvl2pPr marL="457200" algn="l" defTabSz="914400" rtl="0" eaLnBrk="1" latinLnBrk="1" hangingPunct="1">
+      <a:defRPr sz="1200" kern="1200">
+        <a:solidFill>
+          <a:schemeClr val="tx1"/>
+        </a:solidFill>
+        <a:latin typeface="+mn-lt"/>
+        <a:ea typeface="+mn-ea"/>
+        <a:cs typeface="+mn-cs"/>
+      </a:defRPr>
+    </a:lvl2pPr>
+    <a:lvl3pPr marL="914400" algn="l" defTabSz="914400" rtl="0" eaLnBrk="1" latinLnBrk="1" hangingPunct="1">
+      <a:defRPr sz="1200" kern="1200">
+        <a:solidFill>
+          <a:schemeClr val="tx1"/>
+        </a:solidFill>
+        <a:latin typeface="+mn-lt"/>
+        <a:ea typeface="+mn-ea"/>
+        <a:cs typeface="+mn-cs"/>
+      </a:defRPr>
+    </a:lvl3pPr>
+    <a:lvl4pPr marL="1371600" algn="l" defTabSz="914400" rtl="0" eaLnBrk="1" latinLnBrk="1" hangingPunct="1">
+      <a:defRPr sz="1200" kern="1200">
+        <a:solidFill>
+          <a:schemeClr val="tx1"/>
+        </a:solidFill>
+        <a:latin typeface="+mn-lt"/>
+        <a:ea typeface="+mn-ea"/>
+        <a:cs typeface="+mn-cs"/>
+      </a:defRPr>
+    </a:lvl4pPr>
+    <a:lvl5pPr marL="1828800" algn="l" defTabSz="914400" rtl="0" eaLnBrk="1" latinLnBrk="1" hangingPunct="1">
+      <a:defRPr sz="1200" kern="1200">
+        <a:solidFill>
+          <a:schemeClr val="tx1"/>
+        </a:solidFill>
+        <a:latin typeface="+mn-lt"/>
+        <a:ea typeface="+mn-ea"/>
+        <a:cs typeface="+mn-cs"/>
+      </a:defRPr>
+    </a:lvl5pPr>
+    <a:lvl6pPr marL="2286000" algn="l" defTabSz="914400" rtl="0" eaLnBrk="1" latinLnBrk="1" hangingPunct="1">
+      <a:defRPr sz="1200" kern="1200">
+        <a:solidFill>
+          <a:schemeClr val="tx1"/>
+        </a:solidFill>
+        <a:latin typeface="+mn-lt"/>
+        <a:ea typeface="+mn-ea"/>
+        <a:cs typeface="+mn-cs"/>
+      </a:defRPr>
+    </a:lvl6pPr>
+    <a:lvl7pPr marL="2743200" algn="l" defTabSz="914400" rtl="0" eaLnBrk="1" latinLnBrk="1" hangingPunct="1">
+      <a:defRPr sz="1200" kern="1200">
+        <a:solidFill>
+          <a:schemeClr val="tx1"/>
+        </a:solidFill>
+        <a:latin typeface="+mn-lt"/>
+        <a:ea typeface="+mn-ea"/>
+        <a:cs typeface="+mn-cs"/>
+      </a:defRPr>
+    </a:lvl7pPr>
+    <a:lvl8pPr marL="3200400" algn="l" defTabSz="914400" rtl="0" eaLnBrk="1" latinLnBrk="1" hangingPunct="1">
+      <a:defRPr sz="1200" kern="1200">
+        <a:solidFill>
+          <a:schemeClr val="tx1"/>
+        </a:solidFill>
+        <a:latin typeface="+mn-lt"/>
+        <a:ea typeface="+mn-ea"/>
+        <a:cs typeface="+mn-cs"/>
+      </a:defRPr>
+    </a:lvl8pPr>
+    <a:lvl9pPr marL="3657600" algn="l" defTabSz="914400" rtl="0" eaLnBrk="1" latinLnBrk="1" hangingPunct="1">
+      <a:defRPr sz="1200" kern="1200">
+        <a:solidFill>
+          <a:schemeClr val="tx1"/>
+        </a:solidFill>
+        <a:latin typeface="+mn-lt"/>
+        <a:ea typeface="+mn-ea"/>
+        <a:cs typeface="+mn-cs"/>
+      </a:defRPr>
+    </a:lvl9pPr>
+  </p:notesStyle>
+</p:notesMaster>
+</file>
+
+<file path=ppt/notesSlides/notesSlide1.xml><?xml version="1.0" encoding="utf-8"?>
+<p:notes xmlns:a="http://schemas.openxmlformats.org/drawingml/2006/main" xmlns:r="http://schemas.openxmlformats.org/officeDocument/2006/relationships" xmlns:p="http://schemas.openxmlformats.org/presentationml/2006/main">
+  <p:cSld>
+    <p:spTree>
+      <p:nvGrpSpPr>
+        <p:cNvPr id="1" name=""/>
+        <p:cNvGrpSpPr/>
+        <p:nvPr/>
+      </p:nvGrpSpPr>
+      <p:grpSpPr>
+        <a:xfrm>
+          <a:off x="0" y="0"/>
+          <a:ext cx="0" cy="0"/>
+          <a:chOff x="0" y="0"/>
+          <a:chExt cx="0" cy="0"/>
+        </a:xfrm>
+      </p:grpSpPr>
+      <p:sp>
+        <p:nvSpPr>
+          <p:cNvPr id="2" name="슬라이드 이미지 개체 틀 1"/>
+          <p:cNvSpPr>
+            <a:spLocks noGrp="1" noRot="1" noChangeAspect="1"/>
+          </p:cNvSpPr>
+          <p:nvPr>
+            <p:ph type="sldImg"/>
+          </p:nvPr>
+        </p:nvSpPr>
+        <p:spPr/>
+      </p:sp>
+      <p:sp>
+        <p:nvSpPr>
+          <p:cNvPr id="3" name="슬라이드 노트 개체 틀 2"/>
+          <p:cNvSpPr>
+            <a:spLocks noGrp="1"/>
+          </p:cNvSpPr>
+          <p:nvPr>
+            <p:ph type="body" idx="1"/>
+          </p:nvPr>
+        </p:nvSpPr>
+        <p:spPr/>
+        <p:txBody>
+          <a:bodyPr/>
+          <a:lstStyle/>
+          <a:p>
+            <a:endParaRPr lang="ko-KR" altLang="en-US" dirty="0"/>
+          </a:p>
+        </p:txBody>
+      </p:sp>
+      <p:sp>
+        <p:nvSpPr>
+          <p:cNvPr id="4" name="슬라이드 번호 개체 틀 3"/>
+          <p:cNvSpPr>
+            <a:spLocks noGrp="1"/>
+          </p:cNvSpPr>
+          <p:nvPr>
+            <p:ph type="sldNum" sz="quarter" idx="10"/>
+          </p:nvPr>
+        </p:nvSpPr>
+        <p:spPr/>
+        <p:txBody>
+          <a:bodyPr/>
+          <a:lstStyle/>
+          <a:p>
+            <a:fld id="{83A79DCC-E28D-4764-AEF5-DE5E5237D8B8}" type="slidenum">
+              <a:rPr lang="ko-KR" altLang="en-US" smtClean="0"/>
+              <a:t>1</a:t>
+            </a:fld>
+            <a:endParaRPr lang="ko-KR" altLang="en-US"/>
+          </a:p>
+        </p:txBody>
+      </p:sp>
+    </p:spTree>
+    <p:extLst>
+      <p:ext uri="{BB962C8B-B14F-4D97-AF65-F5344CB8AC3E}">
+        <p14:creationId xmlns:p14="http://schemas.microsoft.com/office/powerpoint/2010/main" val="3793832776"/>
+      </p:ext>
+    </p:extLst>
+  </p:cSld>
+  <p:clrMapOvr>
+    <a:masterClrMapping/>
+  </p:clrMapOvr>
+</p:notes>
 </file>
 
 <file path=ppt/slideLayouts/slideLayout1.xml><?xml version="1.0" encoding="utf-8"?>
@@ -258,7 +721,7 @@
           <a:p>
             <a:fld id="{BC4F1EEB-1AF6-4291-B2BF-5AD1B89561F1}" type="datetimeFigureOut">
               <a:rPr lang="ko-KR" altLang="en-US" smtClean="0"/>
-              <a:t>2017-01-28</a:t>
+              <a:t>2017-01-29</a:t>
             </a:fld>
             <a:endParaRPr lang="ko-KR" altLang="en-US"/>
           </a:p>
@@ -428,7 +891,7 @@
           <a:p>
             <a:fld id="{BC4F1EEB-1AF6-4291-B2BF-5AD1B89561F1}" type="datetimeFigureOut">
               <a:rPr lang="ko-KR" altLang="en-US" smtClean="0"/>
-              <a:t>2017-01-28</a:t>
+              <a:t>2017-01-29</a:t>
             </a:fld>
             <a:endParaRPr lang="ko-KR" altLang="en-US"/>
           </a:p>
@@ -608,7 +1071,7 @@
           <a:p>
             <a:fld id="{BC4F1EEB-1AF6-4291-B2BF-5AD1B89561F1}" type="datetimeFigureOut">
               <a:rPr lang="ko-KR" altLang="en-US" smtClean="0"/>
-              <a:t>2017-01-28</a:t>
+              <a:t>2017-01-29</a:t>
             </a:fld>
             <a:endParaRPr lang="ko-KR" altLang="en-US"/>
           </a:p>
@@ -778,7 +1241,7 @@
           <a:p>
             <a:fld id="{BC4F1EEB-1AF6-4291-B2BF-5AD1B89561F1}" type="datetimeFigureOut">
               <a:rPr lang="ko-KR" altLang="en-US" smtClean="0"/>
-              <a:t>2017-01-28</a:t>
+              <a:t>2017-01-29</a:t>
             </a:fld>
             <a:endParaRPr lang="ko-KR" altLang="en-US"/>
           </a:p>
@@ -1024,7 +1487,7 @@
           <a:p>
             <a:fld id="{BC4F1EEB-1AF6-4291-B2BF-5AD1B89561F1}" type="datetimeFigureOut">
               <a:rPr lang="ko-KR" altLang="en-US" smtClean="0"/>
-              <a:t>2017-01-28</a:t>
+              <a:t>2017-01-29</a:t>
             </a:fld>
             <a:endParaRPr lang="ko-KR" altLang="en-US"/>
           </a:p>
@@ -1256,7 +1719,7 @@
           <a:p>
             <a:fld id="{BC4F1EEB-1AF6-4291-B2BF-5AD1B89561F1}" type="datetimeFigureOut">
               <a:rPr lang="ko-KR" altLang="en-US" smtClean="0"/>
-              <a:t>2017-01-28</a:t>
+              <a:t>2017-01-29</a:t>
             </a:fld>
             <a:endParaRPr lang="ko-KR" altLang="en-US"/>
           </a:p>
@@ -1623,7 +2086,7 @@
           <a:p>
             <a:fld id="{BC4F1EEB-1AF6-4291-B2BF-5AD1B89561F1}" type="datetimeFigureOut">
               <a:rPr lang="ko-KR" altLang="en-US" smtClean="0"/>
-              <a:t>2017-01-28</a:t>
+              <a:t>2017-01-29</a:t>
             </a:fld>
             <a:endParaRPr lang="ko-KR" altLang="en-US"/>
           </a:p>
@@ -1741,7 +2204,7 @@
           <a:p>
             <a:fld id="{BC4F1EEB-1AF6-4291-B2BF-5AD1B89561F1}" type="datetimeFigureOut">
               <a:rPr lang="ko-KR" altLang="en-US" smtClean="0"/>
-              <a:t>2017-01-28</a:t>
+              <a:t>2017-01-29</a:t>
             </a:fld>
             <a:endParaRPr lang="ko-KR" altLang="en-US"/>
           </a:p>
@@ -1836,7 +2299,7 @@
           <a:p>
             <a:fld id="{BC4F1EEB-1AF6-4291-B2BF-5AD1B89561F1}" type="datetimeFigureOut">
               <a:rPr lang="ko-KR" altLang="en-US" smtClean="0"/>
-              <a:t>2017-01-28</a:t>
+              <a:t>2017-01-29</a:t>
             </a:fld>
             <a:endParaRPr lang="ko-KR" altLang="en-US"/>
           </a:p>
@@ -2113,7 +2576,7 @@
           <a:p>
             <a:fld id="{BC4F1EEB-1AF6-4291-B2BF-5AD1B89561F1}" type="datetimeFigureOut">
               <a:rPr lang="ko-KR" altLang="en-US" smtClean="0"/>
-              <a:t>2017-01-28</a:t>
+              <a:t>2017-01-29</a:t>
             </a:fld>
             <a:endParaRPr lang="ko-KR" altLang="en-US"/>
           </a:p>
@@ -2366,7 +2829,7 @@
           <a:p>
             <a:fld id="{BC4F1EEB-1AF6-4291-B2BF-5AD1B89561F1}" type="datetimeFigureOut">
               <a:rPr lang="ko-KR" altLang="en-US" smtClean="0"/>
-              <a:t>2017-01-28</a:t>
+              <a:t>2017-01-29</a:t>
             </a:fld>
             <a:endParaRPr lang="ko-KR" altLang="en-US"/>
           </a:p>
@@ -2579,7 +3042,7 @@
           <a:p>
             <a:fld id="{BC4F1EEB-1AF6-4291-B2BF-5AD1B89561F1}" type="datetimeFigureOut">
               <a:rPr lang="ko-KR" altLang="en-US" smtClean="0"/>
-              <a:t>2017-01-28</a:t>
+              <a:t>2017-01-29</a:t>
             </a:fld>
             <a:endParaRPr lang="ko-KR" altLang="en-US"/>
           </a:p>
@@ -2993,9 +3456,9 @@
         <p:grpSpPr>
           <a:xfrm>
             <a:off x="5275293" y="2511520"/>
-            <a:ext cx="3968086" cy="2026626"/>
+            <a:ext cx="3968086" cy="2775462"/>
             <a:chOff x="6970743" y="1081692"/>
-            <a:chExt cx="3968086" cy="2026626"/>
+            <a:chExt cx="3968086" cy="2775462"/>
           </a:xfrm>
           <a:effectLst>
             <a:glow rad="63500">
@@ -4110,6 +4573,374 @@
             </a:p>
           </p:txBody>
         </p:sp>
+        <p:sp>
+          <p:nvSpPr>
+            <p:cNvPr id="195" name="직사각형 194"/>
+            <p:cNvSpPr/>
+            <p:nvPr/>
+          </p:nvSpPr>
+          <p:spPr>
+            <a:xfrm>
+              <a:off x="8028855" y="3354528"/>
+              <a:ext cx="180000" cy="180000"/>
+            </a:xfrm>
+            <a:prstGeom prst="rect">
+              <a:avLst/>
+            </a:prstGeom>
+            <a:solidFill>
+              <a:schemeClr val="bg1"/>
+            </a:solidFill>
+            <a:ln>
+              <a:noFill/>
+            </a:ln>
+          </p:spPr>
+          <p:style>
+            <a:lnRef idx="2">
+              <a:schemeClr val="accent1">
+                <a:shade val="50000"/>
+              </a:schemeClr>
+            </a:lnRef>
+            <a:fillRef idx="1">
+              <a:schemeClr val="accent1"/>
+            </a:fillRef>
+            <a:effectRef idx="0">
+              <a:schemeClr val="accent1"/>
+            </a:effectRef>
+            <a:fontRef idx="minor">
+              <a:schemeClr val="lt1"/>
+            </a:fontRef>
+          </p:style>
+          <p:txBody>
+            <a:bodyPr rtlCol="0" anchor="ctr"/>
+            <a:lstStyle/>
+            <a:p>
+              <a:pPr algn="ctr"/>
+              <a:endParaRPr lang="ko-KR" altLang="en-US"/>
+            </a:p>
+          </p:txBody>
+        </p:sp>
+        <p:sp>
+          <p:nvSpPr>
+            <p:cNvPr id="196" name="직사각형 195"/>
+            <p:cNvSpPr/>
+            <p:nvPr/>
+          </p:nvSpPr>
+          <p:spPr>
+            <a:xfrm>
+              <a:off x="8319979" y="3354528"/>
+              <a:ext cx="502626" cy="502626"/>
+            </a:xfrm>
+            <a:prstGeom prst="rect">
+              <a:avLst/>
+            </a:prstGeom>
+            <a:solidFill>
+              <a:schemeClr val="bg1"/>
+            </a:solidFill>
+            <a:ln>
+              <a:noFill/>
+            </a:ln>
+          </p:spPr>
+          <p:style>
+            <a:lnRef idx="2">
+              <a:schemeClr val="accent1">
+                <a:shade val="50000"/>
+              </a:schemeClr>
+            </a:lnRef>
+            <a:fillRef idx="1">
+              <a:schemeClr val="accent1"/>
+            </a:fillRef>
+            <a:effectRef idx="0">
+              <a:schemeClr val="accent1"/>
+            </a:effectRef>
+            <a:fontRef idx="minor">
+              <a:schemeClr val="lt1"/>
+            </a:fontRef>
+          </p:style>
+          <p:txBody>
+            <a:bodyPr rtlCol="0" anchor="ctr"/>
+            <a:lstStyle/>
+            <a:p>
+              <a:pPr algn="ctr"/>
+              <a:endParaRPr lang="ko-KR" altLang="en-US"/>
+            </a:p>
+          </p:txBody>
+        </p:sp>
+        <p:sp>
+          <p:nvSpPr>
+            <p:cNvPr id="197" name="직사각형 196"/>
+            <p:cNvSpPr/>
+            <p:nvPr/>
+          </p:nvSpPr>
+          <p:spPr>
+            <a:xfrm>
+              <a:off x="9086967" y="3354528"/>
+              <a:ext cx="180000" cy="180000"/>
+            </a:xfrm>
+            <a:prstGeom prst="rect">
+              <a:avLst/>
+            </a:prstGeom>
+            <a:solidFill>
+              <a:schemeClr val="bg1"/>
+            </a:solidFill>
+            <a:ln>
+              <a:noFill/>
+            </a:ln>
+          </p:spPr>
+          <p:style>
+            <a:lnRef idx="2">
+              <a:schemeClr val="accent1">
+                <a:shade val="50000"/>
+              </a:schemeClr>
+            </a:lnRef>
+            <a:fillRef idx="1">
+              <a:schemeClr val="accent1"/>
+            </a:fillRef>
+            <a:effectRef idx="0">
+              <a:schemeClr val="accent1"/>
+            </a:effectRef>
+            <a:fontRef idx="minor">
+              <a:schemeClr val="lt1"/>
+            </a:fontRef>
+          </p:style>
+          <p:txBody>
+            <a:bodyPr rtlCol="0" anchor="ctr"/>
+            <a:lstStyle/>
+            <a:p>
+              <a:pPr algn="ctr"/>
+              <a:endParaRPr lang="ko-KR" altLang="en-US"/>
+            </a:p>
+          </p:txBody>
+        </p:sp>
+        <p:sp>
+          <p:nvSpPr>
+            <p:cNvPr id="198" name="직사각형 197"/>
+            <p:cNvSpPr/>
+            <p:nvPr/>
+          </p:nvSpPr>
+          <p:spPr>
+            <a:xfrm>
+              <a:off x="9378091" y="3354528"/>
+              <a:ext cx="502626" cy="502626"/>
+            </a:xfrm>
+            <a:prstGeom prst="rect">
+              <a:avLst/>
+            </a:prstGeom>
+            <a:solidFill>
+              <a:schemeClr val="bg1"/>
+            </a:solidFill>
+            <a:ln>
+              <a:noFill/>
+            </a:ln>
+          </p:spPr>
+          <p:style>
+            <a:lnRef idx="2">
+              <a:schemeClr val="accent1">
+                <a:shade val="50000"/>
+              </a:schemeClr>
+            </a:lnRef>
+            <a:fillRef idx="1">
+              <a:schemeClr val="accent1"/>
+            </a:fillRef>
+            <a:effectRef idx="0">
+              <a:schemeClr val="accent1"/>
+            </a:effectRef>
+            <a:fontRef idx="minor">
+              <a:schemeClr val="lt1"/>
+            </a:fontRef>
+          </p:style>
+          <p:txBody>
+            <a:bodyPr rtlCol="0" anchor="ctr"/>
+            <a:lstStyle/>
+            <a:p>
+              <a:pPr algn="ctr"/>
+              <a:endParaRPr lang="ko-KR" altLang="en-US"/>
+            </a:p>
+          </p:txBody>
+        </p:sp>
+        <p:sp>
+          <p:nvSpPr>
+            <p:cNvPr id="199" name="직사각형 198"/>
+            <p:cNvSpPr/>
+            <p:nvPr/>
+          </p:nvSpPr>
+          <p:spPr>
+            <a:xfrm>
+              <a:off x="10145079" y="3354528"/>
+              <a:ext cx="180000" cy="180000"/>
+            </a:xfrm>
+            <a:prstGeom prst="rect">
+              <a:avLst/>
+            </a:prstGeom>
+            <a:solidFill>
+              <a:schemeClr val="bg1"/>
+            </a:solidFill>
+            <a:ln>
+              <a:noFill/>
+            </a:ln>
+          </p:spPr>
+          <p:style>
+            <a:lnRef idx="2">
+              <a:schemeClr val="accent1">
+                <a:shade val="50000"/>
+              </a:schemeClr>
+            </a:lnRef>
+            <a:fillRef idx="1">
+              <a:schemeClr val="accent1"/>
+            </a:fillRef>
+            <a:effectRef idx="0">
+              <a:schemeClr val="accent1"/>
+            </a:effectRef>
+            <a:fontRef idx="minor">
+              <a:schemeClr val="lt1"/>
+            </a:fontRef>
+          </p:style>
+          <p:txBody>
+            <a:bodyPr rtlCol="0" anchor="ctr"/>
+            <a:lstStyle/>
+            <a:p>
+              <a:pPr algn="ctr"/>
+              <a:endParaRPr lang="ko-KR" altLang="en-US"/>
+            </a:p>
+          </p:txBody>
+        </p:sp>
+        <p:sp>
+          <p:nvSpPr>
+            <p:cNvPr id="200" name="직사각형 199"/>
+            <p:cNvSpPr/>
+            <p:nvPr/>
+          </p:nvSpPr>
+          <p:spPr>
+            <a:xfrm>
+              <a:off x="10436203" y="3354528"/>
+              <a:ext cx="502626" cy="502626"/>
+            </a:xfrm>
+            <a:prstGeom prst="rect">
+              <a:avLst/>
+            </a:prstGeom>
+            <a:solidFill>
+              <a:schemeClr val="bg1"/>
+            </a:solidFill>
+            <a:ln>
+              <a:noFill/>
+            </a:ln>
+          </p:spPr>
+          <p:style>
+            <a:lnRef idx="2">
+              <a:schemeClr val="accent1">
+                <a:shade val="50000"/>
+              </a:schemeClr>
+            </a:lnRef>
+            <a:fillRef idx="1">
+              <a:schemeClr val="accent1"/>
+            </a:fillRef>
+            <a:effectRef idx="0">
+              <a:schemeClr val="accent1"/>
+            </a:effectRef>
+            <a:fontRef idx="minor">
+              <a:schemeClr val="lt1"/>
+            </a:fontRef>
+          </p:style>
+          <p:txBody>
+            <a:bodyPr rtlCol="0" anchor="ctr"/>
+            <a:lstStyle/>
+            <a:p>
+              <a:pPr algn="ctr"/>
+              <a:endParaRPr lang="ko-KR" altLang="en-US"/>
+            </a:p>
+          </p:txBody>
+        </p:sp>
+        <p:sp>
+          <p:nvSpPr>
+            <p:cNvPr id="201" name="직사각형 200"/>
+            <p:cNvSpPr/>
+            <p:nvPr/>
+          </p:nvSpPr>
+          <p:spPr>
+            <a:xfrm>
+              <a:off x="6970743" y="3354528"/>
+              <a:ext cx="180000" cy="180000"/>
+            </a:xfrm>
+            <a:prstGeom prst="rect">
+              <a:avLst/>
+            </a:prstGeom>
+            <a:solidFill>
+              <a:schemeClr val="bg1"/>
+            </a:solidFill>
+            <a:ln>
+              <a:noFill/>
+            </a:ln>
+          </p:spPr>
+          <p:style>
+            <a:lnRef idx="2">
+              <a:schemeClr val="accent1">
+                <a:shade val="50000"/>
+              </a:schemeClr>
+            </a:lnRef>
+            <a:fillRef idx="1">
+              <a:schemeClr val="accent1"/>
+            </a:fillRef>
+            <a:effectRef idx="0">
+              <a:schemeClr val="accent1"/>
+            </a:effectRef>
+            <a:fontRef idx="minor">
+              <a:schemeClr val="lt1"/>
+            </a:fontRef>
+          </p:style>
+          <p:txBody>
+            <a:bodyPr rtlCol="0" anchor="ctr"/>
+            <a:lstStyle/>
+            <a:p>
+              <a:pPr algn="ctr"/>
+              <a:endParaRPr lang="ko-KR" altLang="en-US"/>
+            </a:p>
+          </p:txBody>
+        </p:sp>
+        <p:sp>
+          <p:nvSpPr>
+            <p:cNvPr id="202" name="직사각형 201"/>
+            <p:cNvSpPr/>
+            <p:nvPr/>
+          </p:nvSpPr>
+          <p:spPr>
+            <a:xfrm>
+              <a:off x="7261867" y="3354528"/>
+              <a:ext cx="502626" cy="502626"/>
+            </a:xfrm>
+            <a:prstGeom prst="rect">
+              <a:avLst/>
+            </a:prstGeom>
+            <a:solidFill>
+              <a:schemeClr val="bg1"/>
+            </a:solidFill>
+            <a:ln>
+              <a:noFill/>
+            </a:ln>
+          </p:spPr>
+          <p:style>
+            <a:lnRef idx="2">
+              <a:schemeClr val="accent1">
+                <a:shade val="50000"/>
+              </a:schemeClr>
+            </a:lnRef>
+            <a:fillRef idx="1">
+              <a:schemeClr val="accent1"/>
+            </a:fillRef>
+            <a:effectRef idx="0">
+              <a:schemeClr val="accent1"/>
+            </a:effectRef>
+            <a:fontRef idx="minor">
+              <a:schemeClr val="lt1"/>
+            </a:fontRef>
+          </p:style>
+          <p:txBody>
+            <a:bodyPr rtlCol="0" anchor="ctr"/>
+            <a:lstStyle/>
+            <a:p>
+              <a:pPr algn="ctr"/>
+              <a:endParaRPr lang="ko-KR" altLang="en-US"/>
+            </a:p>
+          </p:txBody>
+        </p:sp>
       </p:grpSp>
       <p:pic>
         <p:nvPicPr>
@@ -4120,7 +4951,7 @@
           <p:nvPr/>
         </p:nvPicPr>
         <p:blipFill rotWithShape="1">
-          <a:blip r:embed="rId4">
+          <a:blip r:embed="rId9">
             <a:extLst>
               <a:ext uri="{28A0092B-C50C-407E-A947-70E740481C1C}">
                 <a14:useLocalDpi xmlns:a14="http://schemas.microsoft.com/office/drawing/2010/main" val="0"/>
@@ -4149,7 +4980,7 @@
           <p:nvPr/>
         </p:nvPicPr>
         <p:blipFill>
-          <a:blip r:embed="rId5">
+          <a:blip r:embed="rId10">
             <a:extLst>
               <a:ext uri="{28A0092B-C50C-407E-A947-70E740481C1C}">
                 <a14:useLocalDpi xmlns:a14="http://schemas.microsoft.com/office/drawing/2010/main" val="0"/>
@@ -6561,7 +7392,7 @@
           <p:nvPr/>
         </p:nvPicPr>
         <p:blipFill rotWithShape="1">
-          <a:blip r:embed="rId6"/>
+          <a:blip r:embed="rId11"/>
           <a:srcRect l="80" t="4674" r="36270" b="86296"/>
           <a:stretch/>
         </p:blipFill>
@@ -7008,9 +7839,9 @@
           <p:grpSpPr>
             <a:xfrm>
               <a:off x="1730155" y="2843359"/>
-              <a:ext cx="2629638" cy="814242"/>
+              <a:ext cx="2433439" cy="814242"/>
               <a:chOff x="1730155" y="3063727"/>
-              <a:chExt cx="2629638" cy="562941"/>
+              <a:chExt cx="2433439" cy="562941"/>
             </a:xfrm>
           </p:grpSpPr>
           <p:sp>
@@ -7067,8 +7898,8 @@
             </p:nvSpPr>
             <p:spPr>
               <a:xfrm>
-                <a:off x="2279703" y="3063727"/>
-                <a:ext cx="2080090" cy="217375"/>
+                <a:off x="2771009" y="3063727"/>
+                <a:ext cx="1392585" cy="217374"/>
               </a:xfrm>
               <a:prstGeom prst="rect">
                 <a:avLst/>
@@ -7159,8 +7990,8 @@
             </p:nvSpPr>
             <p:spPr>
               <a:xfrm>
-                <a:off x="2279703" y="3409293"/>
-                <a:ext cx="2080090" cy="217375"/>
+                <a:off x="2771009" y="3409294"/>
+                <a:ext cx="1392585" cy="217374"/>
               </a:xfrm>
               <a:prstGeom prst="rect">
                 <a:avLst/>
@@ -7207,7 +8038,7 @@
         </p:nvSpPr>
         <p:spPr>
           <a:xfrm>
-            <a:off x="2614342" y="1108025"/>
+            <a:off x="732193" y="1108025"/>
             <a:ext cx="6096000" cy="5001369"/>
           </a:xfrm>
           <a:prstGeom prst="rect">
@@ -7319,6 +8150,16 @@
           </a:p>
           <a:p>
             <a:r>
+              <a:rPr lang="en-US" altLang="ko-KR" sz="1100" dirty="0" err="1" smtClean="0">
+                <a:solidFill>
+                  <a:srgbClr val="000000"/>
+                </a:solidFill>
+                <a:latin typeface="돋움체" panose="020B0609000101010101" pitchFamily="49" charset="-127"/>
+                <a:ea typeface="돋움체" panose="020B0609000101010101" pitchFamily="49" charset="-127"/>
+              </a:rPr>
+              <a:t>msoFreeform</a:t>
+            </a:r>
+            <a:r>
               <a:rPr lang="en-US" altLang="ko-KR" sz="1100" dirty="0" smtClean="0">
                 <a:solidFill>
                   <a:srgbClr val="000000"/>
@@ -7326,7 +8167,57 @@
                 <a:latin typeface="돋움체" panose="020B0609000101010101" pitchFamily="49" charset="-127"/>
                 <a:ea typeface="돋움체" panose="020B0609000101010101" pitchFamily="49" charset="-127"/>
               </a:rPr>
-              <a:t>msoFreeform </a:t>
+              <a:t> (</a:t>
+            </a:r>
+            <a:r>
+              <a:rPr lang="ko-KR" altLang="en-US" sz="1100" dirty="0" smtClean="0">
+                <a:solidFill>
+                  <a:srgbClr val="000000"/>
+                </a:solidFill>
+                <a:latin typeface="돋움체" panose="020B0609000101010101" pitchFamily="49" charset="-127"/>
+                <a:ea typeface="돋움체" panose="020B0609000101010101" pitchFamily="49" charset="-127"/>
+              </a:rPr>
+              <a:t>자유형 </a:t>
+            </a:r>
+            <a:r>
+              <a:rPr lang="en-US" altLang="ko-KR" sz="1100" dirty="0" smtClean="0">
+                <a:solidFill>
+                  <a:srgbClr val="000000"/>
+                </a:solidFill>
+                <a:latin typeface="돋움체" panose="020B0609000101010101" pitchFamily="49" charset="-127"/>
+                <a:ea typeface="돋움체" panose="020B0609000101010101" pitchFamily="49" charset="-127"/>
+              </a:rPr>
+              <a:t>– </a:t>
+            </a:r>
+            <a:r>
+              <a:rPr lang="ko-KR" altLang="en-US" sz="1100" dirty="0" err="1" smtClean="0">
+                <a:solidFill>
+                  <a:srgbClr val="000000"/>
+                </a:solidFill>
+                <a:latin typeface="돋움체" panose="020B0609000101010101" pitchFamily="49" charset="-127"/>
+                <a:ea typeface="돋움체" panose="020B0609000101010101" pitchFamily="49" charset="-127"/>
+              </a:rPr>
+              <a:t>쉐이프</a:t>
+            </a:r>
+            <a:r>
+              <a:rPr lang="ko-KR" altLang="en-US" sz="1100" dirty="0" smtClean="0">
+                <a:solidFill>
+                  <a:srgbClr val="000000"/>
+                </a:solidFill>
+                <a:latin typeface="돋움체" panose="020B0609000101010101" pitchFamily="49" charset="-127"/>
+                <a:ea typeface="돋움체" panose="020B0609000101010101" pitchFamily="49" charset="-127"/>
+              </a:rPr>
+              <a:t> 포함</a:t>
+            </a:r>
+            <a:r>
+              <a:rPr lang="en-US" altLang="ko-KR" sz="1100" dirty="0" smtClean="0">
+                <a:solidFill>
+                  <a:srgbClr val="000000"/>
+                </a:solidFill>
+                <a:latin typeface="돋움체" panose="020B0609000101010101" pitchFamily="49" charset="-127"/>
+                <a:ea typeface="돋움체" panose="020B0609000101010101" pitchFamily="49" charset="-127"/>
+              </a:rPr>
+              <a:t>) </a:t>
             </a:r>
             <a:r>
               <a:rPr lang="en-US" altLang="ko-KR" sz="1100" dirty="0">
@@ -7341,14 +8232,24 @@
           </a:p>
           <a:p>
             <a:r>
-              <a:rPr lang="en-US" altLang="ko-KR" sz="1100" dirty="0" smtClean="0">
+              <a:rPr lang="en-US" altLang="ko-KR" sz="1100" b="1" dirty="0" smtClean="0">
                 <a:solidFill>
-                  <a:srgbClr val="000000"/>
+                  <a:srgbClr val="FF0000"/>
                 </a:solidFill>
                 <a:latin typeface="돋움체" panose="020B0609000101010101" pitchFamily="49" charset="-127"/>
                 <a:ea typeface="돋움체" panose="020B0609000101010101" pitchFamily="49" charset="-127"/>
               </a:rPr>
               <a:t>msoGroup </a:t>
+            </a:r>
+            <a:r>
+              <a:rPr lang="en-US" altLang="ko-KR" sz="1100" b="1" dirty="0">
+                <a:solidFill>
+                  <a:srgbClr val="FF0000"/>
+                </a:solidFill>
+                <a:latin typeface="돋움체" panose="020B0609000101010101" pitchFamily="49" charset="-127"/>
+                <a:ea typeface="돋움체" panose="020B0609000101010101" pitchFamily="49" charset="-127"/>
+              </a:rPr>
+              <a:t>= 6</a:t>
             </a:r>
             <a:r>
               <a:rPr lang="en-US" altLang="ko-KR" sz="1100" dirty="0">
@@ -7358,19 +8259,79 @@
                 <a:latin typeface="돋움체" panose="020B0609000101010101" pitchFamily="49" charset="-127"/>
                 <a:ea typeface="돋움체" panose="020B0609000101010101" pitchFamily="49" charset="-127"/>
               </a:rPr>
-              <a:t>= 6,</a:t>
-            </a:r>
-          </a:p>
-          <a:p>
-            <a:r>
-              <a:rPr lang="en-US" altLang="ko-KR" sz="1100" dirty="0" smtClean="0">
+              <a:t>,</a:t>
+            </a:r>
+          </a:p>
+          <a:p>
+            <a:r>
+              <a:rPr lang="en-US" altLang="ko-KR" sz="1100" b="1" dirty="0" err="1" smtClean="0">
                 <a:solidFill>
-                  <a:srgbClr val="000000"/>
+                  <a:srgbClr val="FF0000"/>
                 </a:solidFill>
                 <a:latin typeface="돋움체" panose="020B0609000101010101" pitchFamily="49" charset="-127"/>
                 <a:ea typeface="돋움체" panose="020B0609000101010101" pitchFamily="49" charset="-127"/>
               </a:rPr>
-              <a:t>msoEmbeddedOLEObject </a:t>
+              <a:t>msoEmbeddedOLEObject</a:t>
+            </a:r>
+            <a:r>
+              <a:rPr lang="en-US" altLang="ko-KR" sz="1100" b="1" dirty="0" smtClean="0">
+                <a:solidFill>
+                  <a:srgbClr val="FF0000"/>
+                </a:solidFill>
+                <a:latin typeface="돋움체" panose="020B0609000101010101" pitchFamily="49" charset="-127"/>
+                <a:ea typeface="돋움체" panose="020B0609000101010101" pitchFamily="49" charset="-127"/>
+              </a:rPr>
+              <a:t> </a:t>
+            </a:r>
+            <a:r>
+              <a:rPr lang="en-US" altLang="ko-KR" sz="1100" b="1" dirty="0">
+                <a:solidFill>
+                  <a:srgbClr val="FF0000"/>
+                </a:solidFill>
+                <a:latin typeface="돋움체" panose="020B0609000101010101" pitchFamily="49" charset="-127"/>
+                <a:ea typeface="돋움체" panose="020B0609000101010101" pitchFamily="49" charset="-127"/>
+              </a:rPr>
+              <a:t>(</a:t>
+            </a:r>
+            <a:r>
+              <a:rPr lang="ko-KR" altLang="en-US" sz="1100" b="1" dirty="0">
+                <a:solidFill>
+                  <a:srgbClr val="FF0000"/>
+                </a:solidFill>
+                <a:latin typeface="돋움체" panose="020B0609000101010101" pitchFamily="49" charset="-127"/>
+                <a:ea typeface="돋움체" panose="020B0609000101010101" pitchFamily="49" charset="-127"/>
+              </a:rPr>
+              <a:t>텍스트 </a:t>
+            </a:r>
+            <a:r>
+              <a:rPr lang="en-US" altLang="ko-KR" sz="1100" b="1" dirty="0">
+                <a:solidFill>
+                  <a:srgbClr val="FF0000"/>
+                </a:solidFill>
+                <a:latin typeface="돋움체" panose="020B0609000101010101" pitchFamily="49" charset="-127"/>
+                <a:ea typeface="돋움체" panose="020B0609000101010101" pitchFamily="49" charset="-127"/>
+              </a:rPr>
+              <a:t>– </a:t>
+            </a:r>
+            <a:r>
+              <a:rPr lang="ko-KR" altLang="en-US" sz="1100" b="1" dirty="0">
+                <a:solidFill>
+                  <a:srgbClr val="FF0000"/>
+                </a:solidFill>
+                <a:latin typeface="돋움체" panose="020B0609000101010101" pitchFamily="49" charset="-127"/>
+                <a:ea typeface="돋움체" panose="020B0609000101010101" pitchFamily="49" charset="-127"/>
+              </a:rPr>
+              <a:t>개체</a:t>
+            </a:r>
+            <a:r>
+              <a:rPr lang="en-US" altLang="ko-KR" sz="1100" b="1" dirty="0">
+                <a:solidFill>
+                  <a:srgbClr val="FF0000"/>
+                </a:solidFill>
+                <a:latin typeface="돋움체" panose="020B0609000101010101" pitchFamily="49" charset="-127"/>
+                <a:ea typeface="돋움체" panose="020B0609000101010101" pitchFamily="49" charset="-127"/>
+              </a:rPr>
+              <a:t>) </a:t>
             </a:r>
             <a:r>
               <a:rPr lang="en-US" altLang="ko-KR" sz="1100" dirty="0">
@@ -7385,6 +8346,16 @@
           </a:p>
           <a:p>
             <a:r>
+              <a:rPr lang="en-US" altLang="ko-KR" sz="1100" dirty="0" err="1" smtClean="0">
+                <a:solidFill>
+                  <a:srgbClr val="000000"/>
+                </a:solidFill>
+                <a:latin typeface="돋움체" panose="020B0609000101010101" pitchFamily="49" charset="-127"/>
+                <a:ea typeface="돋움체" panose="020B0609000101010101" pitchFamily="49" charset="-127"/>
+              </a:rPr>
+              <a:t>msoFormControl</a:t>
+            </a:r>
+            <a:r>
               <a:rPr lang="en-US" altLang="ko-KR" sz="1100" dirty="0" smtClean="0">
                 <a:solidFill>
                   <a:srgbClr val="000000"/>
@@ -7392,7 +8363,7 @@
                 <a:latin typeface="돋움체" panose="020B0609000101010101" pitchFamily="49" charset="-127"/>
                 <a:ea typeface="돋움체" panose="020B0609000101010101" pitchFamily="49" charset="-127"/>
               </a:rPr>
-              <a:t>msoFormControl </a:t>
+              <a:t> = </a:t>
             </a:r>
             <a:r>
               <a:rPr lang="en-US" altLang="ko-KR" sz="1100" dirty="0">
@@ -7402,8 +8373,25 @@
                 <a:latin typeface="돋움체" panose="020B0609000101010101" pitchFamily="49" charset="-127"/>
                 <a:ea typeface="돋움체" panose="020B0609000101010101" pitchFamily="49" charset="-127"/>
               </a:rPr>
-              <a:t>= 8,</a:t>
-            </a:r>
+              <a:t>8</a:t>
+            </a:r>
+            <a:r>
+              <a:rPr lang="en-US" altLang="ko-KR" sz="1100" dirty="0" smtClean="0">
+                <a:solidFill>
+                  <a:srgbClr val="000000"/>
+                </a:solidFill>
+                <a:latin typeface="돋움체" panose="020B0609000101010101" pitchFamily="49" charset="-127"/>
+                <a:ea typeface="돋움체" panose="020B0609000101010101" pitchFamily="49" charset="-127"/>
+              </a:rPr>
+              <a:t>,</a:t>
+            </a:r>
+            <a:endParaRPr lang="en-US" altLang="ko-KR" sz="1100" dirty="0">
+              <a:solidFill>
+                <a:srgbClr val="000000"/>
+              </a:solidFill>
+              <a:latin typeface="돋움체" panose="020B0609000101010101" pitchFamily="49" charset="-127"/>
+              <a:ea typeface="돋움체" panose="020B0609000101010101" pitchFamily="49" charset="-127"/>
+            </a:endParaRPr>
           </a:p>
           <a:p>
             <a:r>
@@ -7439,14 +8427,78 @@
           </a:p>
           <a:p>
             <a:r>
-              <a:rPr lang="en-US" altLang="ko-KR" sz="1100" dirty="0" smtClean="0">
+              <a:rPr lang="en-US" altLang="ko-KR" sz="1100" b="1" dirty="0" smtClean="0">
                 <a:solidFill>
-                  <a:srgbClr val="000000"/>
+                  <a:srgbClr val="FF0000"/>
                 </a:solidFill>
                 <a:latin typeface="돋움체" panose="020B0609000101010101" pitchFamily="49" charset="-127"/>
                 <a:ea typeface="돋움체" panose="020B0609000101010101" pitchFamily="49" charset="-127"/>
               </a:rPr>
               <a:t>msoLinkedOLEObject </a:t>
+            </a:r>
+            <a:r>
+              <a:rPr lang="en-US" altLang="ko-KR" sz="1100" b="1" dirty="0">
+                <a:solidFill>
+                  <a:srgbClr val="FF0000"/>
+                </a:solidFill>
+                <a:latin typeface="돋움체" panose="020B0609000101010101" pitchFamily="49" charset="-127"/>
+                <a:ea typeface="돋움체" panose="020B0609000101010101" pitchFamily="49" charset="-127"/>
+              </a:rPr>
+              <a:t>= 10,</a:t>
+            </a:r>
+          </a:p>
+          <a:p>
+            <a:r>
+              <a:rPr lang="en-US" altLang="ko-KR" sz="1100" b="1" dirty="0" smtClean="0">
+                <a:solidFill>
+                  <a:srgbClr val="FF0000"/>
+                </a:solidFill>
+                <a:latin typeface="돋움체" panose="020B0609000101010101" pitchFamily="49" charset="-127"/>
+                <a:ea typeface="돋움체" panose="020B0609000101010101" pitchFamily="49" charset="-127"/>
+              </a:rPr>
+              <a:t>msoLinkedPicture </a:t>
+            </a:r>
+            <a:r>
+              <a:rPr lang="en-US" altLang="ko-KR" sz="1100" b="1" dirty="0">
+                <a:solidFill>
+                  <a:srgbClr val="FF0000"/>
+                </a:solidFill>
+                <a:latin typeface="돋움체" panose="020B0609000101010101" pitchFamily="49" charset="-127"/>
+                <a:ea typeface="돋움체" panose="020B0609000101010101" pitchFamily="49" charset="-127"/>
+              </a:rPr>
+              <a:t>= 11,</a:t>
+            </a:r>
+          </a:p>
+          <a:p>
+            <a:r>
+              <a:rPr lang="en-US" altLang="ko-KR" sz="1100" b="1" dirty="0" err="1" smtClean="0">
+                <a:solidFill>
+                  <a:srgbClr val="FF0000"/>
+                </a:solidFill>
+                <a:latin typeface="돋움체" panose="020B0609000101010101" pitchFamily="49" charset="-127"/>
+                <a:ea typeface="돋움체" panose="020B0609000101010101" pitchFamily="49" charset="-127"/>
+              </a:rPr>
+              <a:t>msoOLEControlObject</a:t>
+            </a:r>
+            <a:r>
+              <a:rPr lang="en-US" altLang="ko-KR" sz="1100" b="1" dirty="0" smtClean="0">
+                <a:solidFill>
+                  <a:srgbClr val="FF0000"/>
+                </a:solidFill>
+                <a:latin typeface="돋움체" panose="020B0609000101010101" pitchFamily="49" charset="-127"/>
+                <a:ea typeface="돋움체" panose="020B0609000101010101" pitchFamily="49" charset="-127"/>
+              </a:rPr>
+              <a:t> (VBA Control) </a:t>
+            </a:r>
+            <a:r>
+              <a:rPr lang="en-US" altLang="ko-KR" sz="1100" b="1" dirty="0">
+                <a:solidFill>
+                  <a:srgbClr val="FF0000"/>
+                </a:solidFill>
+                <a:latin typeface="돋움체" panose="020B0609000101010101" pitchFamily="49" charset="-127"/>
+                <a:ea typeface="돋움체" panose="020B0609000101010101" pitchFamily="49" charset="-127"/>
+              </a:rPr>
+              <a:t>= 12</a:t>
             </a:r>
             <a:r>
               <a:rPr lang="en-US" altLang="ko-KR" sz="1100" dirty="0">
@@ -7456,61 +8508,7 @@
                 <a:latin typeface="돋움체" panose="020B0609000101010101" pitchFamily="49" charset="-127"/>
                 <a:ea typeface="돋움체" panose="020B0609000101010101" pitchFamily="49" charset="-127"/>
               </a:rPr>
-              <a:t>= 10,</a:t>
-            </a:r>
-          </a:p>
-          <a:p>
-            <a:r>
-              <a:rPr lang="en-US" altLang="ko-KR" sz="1100" dirty="0" smtClean="0">
-                <a:solidFill>
-                  <a:srgbClr val="000000"/>
-                </a:solidFill>
-                <a:latin typeface="돋움체" panose="020B0609000101010101" pitchFamily="49" charset="-127"/>
-                <a:ea typeface="돋움체" panose="020B0609000101010101" pitchFamily="49" charset="-127"/>
-              </a:rPr>
-              <a:t>msoLinkedPicture </a:t>
-            </a:r>
-            <a:r>
-              <a:rPr lang="en-US" altLang="ko-KR" sz="1100" dirty="0">
-                <a:solidFill>
-                  <a:srgbClr val="000000"/>
-                </a:solidFill>
-                <a:latin typeface="돋움체" panose="020B0609000101010101" pitchFamily="49" charset="-127"/>
-                <a:ea typeface="돋움체" panose="020B0609000101010101" pitchFamily="49" charset="-127"/>
-              </a:rPr>
-              <a:t>= 11,</a:t>
-            </a:r>
-          </a:p>
-          <a:p>
-            <a:r>
-              <a:rPr lang="en-US" altLang="ko-KR" sz="1100" dirty="0" err="1" smtClean="0">
-                <a:solidFill>
-                  <a:srgbClr val="000000"/>
-                </a:solidFill>
-                <a:latin typeface="돋움체" panose="020B0609000101010101" pitchFamily="49" charset="-127"/>
-                <a:ea typeface="돋움체" panose="020B0609000101010101" pitchFamily="49" charset="-127"/>
-              </a:rPr>
-              <a:t>msoOLEControlObject</a:t>
-            </a:r>
-            <a:r>
-              <a:rPr lang="en-US" altLang="ko-KR" sz="1100" dirty="0" smtClean="0">
-                <a:solidFill>
-                  <a:srgbClr val="000000"/>
-                </a:solidFill>
-                <a:latin typeface="돋움체" panose="020B0609000101010101" pitchFamily="49" charset="-127"/>
-                <a:ea typeface="돋움체" panose="020B0609000101010101" pitchFamily="49" charset="-127"/>
-              </a:rPr>
-              <a:t> (VBA Control) </a:t>
-            </a:r>
-            <a:r>
-              <a:rPr lang="en-US" altLang="ko-KR" sz="1100" dirty="0">
-                <a:solidFill>
-                  <a:srgbClr val="000000"/>
-                </a:solidFill>
-                <a:latin typeface="돋움체" panose="020B0609000101010101" pitchFamily="49" charset="-127"/>
-                <a:ea typeface="돋움체" panose="020B0609000101010101" pitchFamily="49" charset="-127"/>
-              </a:rPr>
-              <a:t>= 12,</a:t>
+              <a:t>,</a:t>
             </a:r>
           </a:p>
           <a:p>
@@ -7547,14 +8545,124 @@
           </a:p>
           <a:p>
             <a:r>
-              <a:rPr lang="en-US" altLang="ko-KR" sz="1100" dirty="0" smtClean="0">
+              <a:rPr lang="en-US" altLang="ko-KR" sz="1100" b="1" dirty="0" err="1" smtClean="0">
                 <a:solidFill>
-                  <a:srgbClr val="000000"/>
+                  <a:srgbClr val="FF0000"/>
                 </a:solidFill>
                 <a:latin typeface="돋움체" panose="020B0609000101010101" pitchFamily="49" charset="-127"/>
                 <a:ea typeface="돋움체" panose="020B0609000101010101" pitchFamily="49" charset="-127"/>
               </a:rPr>
-              <a:t>msoPlaceholder </a:t>
+              <a:t>msoPlaceholder</a:t>
+            </a:r>
+            <a:r>
+              <a:rPr lang="en-US" altLang="ko-KR" sz="1100" b="1" dirty="0" smtClean="0">
+                <a:solidFill>
+                  <a:srgbClr val="FF0000"/>
+                </a:solidFill>
+                <a:latin typeface="돋움체" panose="020B0609000101010101" pitchFamily="49" charset="-127"/>
+                <a:ea typeface="돋움체" panose="020B0609000101010101" pitchFamily="49" charset="-127"/>
+              </a:rPr>
+              <a:t> (</a:t>
+            </a:r>
+            <a:r>
+              <a:rPr lang="ko-KR" altLang="en-US" sz="1100" b="1" dirty="0" smtClean="0">
+                <a:solidFill>
+                  <a:srgbClr val="FF0000"/>
+                </a:solidFill>
+                <a:latin typeface="돋움체" panose="020B0609000101010101" pitchFamily="49" charset="-127"/>
+                <a:ea typeface="돋움체" panose="020B0609000101010101" pitchFamily="49" charset="-127"/>
+              </a:rPr>
+              <a:t>레이아웃 제목</a:t>
+            </a:r>
+            <a:r>
+              <a:rPr lang="en-US" altLang="ko-KR" sz="1100" b="1" dirty="0">
+                <a:solidFill>
+                  <a:srgbClr val="FF0000"/>
+                </a:solidFill>
+                <a:latin typeface="돋움체" panose="020B0609000101010101" pitchFamily="49" charset="-127"/>
+                <a:ea typeface="돋움체" panose="020B0609000101010101" pitchFamily="49" charset="-127"/>
+              </a:rPr>
+              <a:t> </a:t>
+            </a:r>
+            <a:r>
+              <a:rPr lang="en-US" altLang="ko-KR" sz="1100" b="1" dirty="0" smtClean="0">
+                <a:solidFill>
+                  <a:srgbClr val="FF0000"/>
+                </a:solidFill>
+                <a:latin typeface="돋움체" panose="020B0609000101010101" pitchFamily="49" charset="-127"/>
+                <a:ea typeface="돋움체" panose="020B0609000101010101" pitchFamily="49" charset="-127"/>
+              </a:rPr>
+              <a:t>or </a:t>
+            </a:r>
+            <a:r>
+              <a:rPr lang="ko-KR" altLang="en-US" sz="1100" b="1" dirty="0" smtClean="0">
+                <a:solidFill>
+                  <a:srgbClr val="FF0000"/>
+                </a:solidFill>
+                <a:latin typeface="돋움체" panose="020B0609000101010101" pitchFamily="49" charset="-127"/>
+                <a:ea typeface="돋움체" panose="020B0609000101010101" pitchFamily="49" charset="-127"/>
+              </a:rPr>
+              <a:t>부제 </a:t>
+            </a:r>
+            <a:r>
+              <a:rPr lang="en-US" altLang="ko-KR" sz="1100" b="1" dirty="0" smtClean="0">
+                <a:solidFill>
+                  <a:srgbClr val="FF0000"/>
+                </a:solidFill>
+                <a:latin typeface="돋움체" panose="020B0609000101010101" pitchFamily="49" charset="-127"/>
+                <a:ea typeface="돋움체" panose="020B0609000101010101" pitchFamily="49" charset="-127"/>
+              </a:rPr>
+              <a:t>or </a:t>
+            </a:r>
+            <a:r>
+              <a:rPr lang="ko-KR" altLang="en-US" sz="1100" b="1" dirty="0" smtClean="0">
+                <a:solidFill>
+                  <a:srgbClr val="FF0000"/>
+                </a:solidFill>
+                <a:latin typeface="돋움체" panose="020B0609000101010101" pitchFamily="49" charset="-127"/>
+                <a:ea typeface="돋움체" panose="020B0609000101010101" pitchFamily="49" charset="-127"/>
+              </a:rPr>
+              <a:t>날짜 </a:t>
+            </a:r>
+            <a:r>
+              <a:rPr lang="ko-KR" altLang="en-US" sz="1100" b="1" dirty="0" err="1" smtClean="0">
+                <a:solidFill>
+                  <a:srgbClr val="FF0000"/>
+                </a:solidFill>
+                <a:latin typeface="돋움체" panose="020B0609000101010101" pitchFamily="49" charset="-127"/>
+                <a:ea typeface="돋움체" panose="020B0609000101010101" pitchFamily="49" charset="-127"/>
+              </a:rPr>
+              <a:t>개채</a:t>
+            </a:r>
+            <a:r>
+              <a:rPr lang="ko-KR" altLang="en-US" sz="1100" b="1" dirty="0" smtClean="0">
+                <a:solidFill>
+                  <a:srgbClr val="FF0000"/>
+                </a:solidFill>
+                <a:latin typeface="돋움체" panose="020B0609000101010101" pitchFamily="49" charset="-127"/>
+                <a:ea typeface="돋움체" panose="020B0609000101010101" pitchFamily="49" charset="-127"/>
+              </a:rPr>
+              <a:t> 틀</a:t>
+            </a:r>
+            <a:r>
+              <a:rPr lang="en-US" altLang="ko-KR" sz="1100" b="1" dirty="0" smtClean="0">
+                <a:solidFill>
+                  <a:srgbClr val="FF0000"/>
+                </a:solidFill>
+                <a:latin typeface="돋움체" panose="020B0609000101010101" pitchFamily="49" charset="-127"/>
+                <a:ea typeface="돋움체" panose="020B0609000101010101" pitchFamily="49" charset="-127"/>
+              </a:rPr>
+              <a:t>) </a:t>
+            </a:r>
+            <a:r>
+              <a:rPr lang="en-US" altLang="ko-KR" sz="1100" b="1" dirty="0">
+                <a:solidFill>
+                  <a:srgbClr val="FF0000"/>
+                </a:solidFill>
+                <a:latin typeface="돋움체" panose="020B0609000101010101" pitchFamily="49" charset="-127"/>
+                <a:ea typeface="돋움체" panose="020B0609000101010101" pitchFamily="49" charset="-127"/>
+              </a:rPr>
+              <a:t>= 14</a:t>
             </a:r>
             <a:r>
               <a:rPr lang="en-US" altLang="ko-KR" sz="1100" dirty="0">
@@ -7564,7 +8672,7 @@
                 <a:latin typeface="돋움체" panose="020B0609000101010101" pitchFamily="49" charset="-127"/>
                 <a:ea typeface="돋움체" panose="020B0609000101010101" pitchFamily="49" charset="-127"/>
               </a:rPr>
-              <a:t>= 14,</a:t>
+              <a:t>,</a:t>
             </a:r>
           </a:p>
           <a:p>
@@ -7591,6 +8699,16 @@
           </a:p>
           <a:p>
             <a:r>
+              <a:rPr lang="en-US" altLang="ko-KR" sz="1100" dirty="0" err="1" smtClean="0">
+                <a:solidFill>
+                  <a:srgbClr val="000000"/>
+                </a:solidFill>
+                <a:latin typeface="돋움체" panose="020B0609000101010101" pitchFamily="49" charset="-127"/>
+                <a:ea typeface="돋움체" panose="020B0609000101010101" pitchFamily="49" charset="-127"/>
+              </a:rPr>
+              <a:t>msoMedia</a:t>
+            </a:r>
+            <a:r>
               <a:rPr lang="en-US" altLang="ko-KR" sz="1100" dirty="0" smtClean="0">
                 <a:solidFill>
                   <a:srgbClr val="000000"/>
@@ -7598,7 +8716,47 @@
                 <a:latin typeface="돋움체" panose="020B0609000101010101" pitchFamily="49" charset="-127"/>
                 <a:ea typeface="돋움체" panose="020B0609000101010101" pitchFamily="49" charset="-127"/>
               </a:rPr>
-              <a:t>msoMedia </a:t>
+              <a:t> (</a:t>
+            </a:r>
+            <a:r>
+              <a:rPr lang="ko-KR" altLang="en-US" sz="1100" dirty="0" smtClean="0">
+                <a:solidFill>
+                  <a:srgbClr val="000000"/>
+                </a:solidFill>
+                <a:latin typeface="돋움체" panose="020B0609000101010101" pitchFamily="49" charset="-127"/>
+                <a:ea typeface="돋움체" panose="020B0609000101010101" pitchFamily="49" charset="-127"/>
+              </a:rPr>
+              <a:t>동영상 </a:t>
+            </a:r>
+            <a:r>
+              <a:rPr lang="en-US" altLang="ko-KR" sz="1100" dirty="0" smtClean="0">
+                <a:solidFill>
+                  <a:srgbClr val="000000"/>
+                </a:solidFill>
+                <a:latin typeface="돋움체" panose="020B0609000101010101" pitchFamily="49" charset="-127"/>
+                <a:ea typeface="돋움체" panose="020B0609000101010101" pitchFamily="49" charset="-127"/>
+              </a:rPr>
+              <a:t>+ </a:t>
+            </a:r>
+            <a:r>
+              <a:rPr lang="ko-KR" altLang="en-US" sz="1100" dirty="0" smtClean="0">
+                <a:solidFill>
+                  <a:srgbClr val="000000"/>
+                </a:solidFill>
+                <a:latin typeface="돋움체" panose="020B0609000101010101" pitchFamily="49" charset="-127"/>
+                <a:ea typeface="돋움체" panose="020B0609000101010101" pitchFamily="49" charset="-127"/>
+              </a:rPr>
+              <a:t>소리</a:t>
+            </a:r>
+            <a:r>
+              <a:rPr lang="en-US" altLang="ko-KR" sz="1100" dirty="0" smtClean="0">
+                <a:solidFill>
+                  <a:srgbClr val="000000"/>
+                </a:solidFill>
+                <a:latin typeface="돋움체" panose="020B0609000101010101" pitchFamily="49" charset="-127"/>
+                <a:ea typeface="돋움체" panose="020B0609000101010101" pitchFamily="49" charset="-127"/>
+              </a:rPr>
+              <a:t>) </a:t>
             </a:r>
             <a:r>
               <a:rPr lang="en-US" altLang="ko-KR" sz="1100" dirty="0">
@@ -8836,14 +9994,4082 @@
           </p:txBody>
         </p:sp>
       </p:grpSp>
+      <p:sp>
+        <p:nvSpPr>
+          <p:cNvPr id="150" name="자유형 149"/>
+          <p:cNvSpPr/>
+          <p:nvPr/>
+        </p:nvSpPr>
+        <p:spPr>
+          <a:xfrm rot="16200000">
+            <a:off x="8826773" y="3351737"/>
+            <a:ext cx="330586" cy="327642"/>
+          </a:xfrm>
+          <a:custGeom>
+            <a:avLst/>
+            <a:gdLst>
+              <a:gd name="connsiteX0" fmla="*/ 870097 w 2162380"/>
+              <a:gd name="connsiteY0" fmla="*/ 1230077 h 2143126"/>
+              <a:gd name="connsiteX1" fmla="*/ 277431 w 2162380"/>
+              <a:gd name="connsiteY1" fmla="*/ 1230077 h 2143126"/>
+              <a:gd name="connsiteX2" fmla="*/ 277431 w 2162380"/>
+              <a:gd name="connsiteY2" fmla="*/ 1883221 h 2143126"/>
+              <a:gd name="connsiteX3" fmla="*/ 870097 w 2162380"/>
+              <a:gd name="connsiteY3" fmla="*/ 1883221 h 2143126"/>
+              <a:gd name="connsiteX4" fmla="*/ 1675465 w 2162380"/>
+              <a:gd name="connsiteY4" fmla="*/ 1230077 h 2143126"/>
+              <a:gd name="connsiteX5" fmla="*/ 1117869 w 2162380"/>
+              <a:gd name="connsiteY5" fmla="*/ 1230077 h 2143126"/>
+              <a:gd name="connsiteX6" fmla="*/ 1117869 w 2162380"/>
+              <a:gd name="connsiteY6" fmla="*/ 1883221 h 2143126"/>
+              <a:gd name="connsiteX7" fmla="*/ 1675465 w 2162380"/>
+              <a:gd name="connsiteY7" fmla="*/ 1883221 h 2143126"/>
+              <a:gd name="connsiteX8" fmla="*/ 1675465 w 2162380"/>
+              <a:gd name="connsiteY8" fmla="*/ 294460 h 2143126"/>
+              <a:gd name="connsiteX9" fmla="*/ 277431 w 2162380"/>
+              <a:gd name="connsiteY9" fmla="*/ 294460 h 2143126"/>
+              <a:gd name="connsiteX10" fmla="*/ 277431 w 2162380"/>
+              <a:gd name="connsiteY10" fmla="*/ 982304 h 2143126"/>
+              <a:gd name="connsiteX11" fmla="*/ 1675465 w 2162380"/>
+              <a:gd name="connsiteY11" fmla="*/ 982304 h 2143126"/>
+              <a:gd name="connsiteX12" fmla="*/ 2162380 w 2162380"/>
+              <a:gd name="connsiteY12" fmla="*/ 153019 h 2143126"/>
+              <a:gd name="connsiteX13" fmla="*/ 2162380 w 2162380"/>
+              <a:gd name="connsiteY13" fmla="*/ 1990107 h 2143126"/>
+              <a:gd name="connsiteX14" fmla="*/ 2009361 w 2162380"/>
+              <a:gd name="connsiteY14" fmla="*/ 2143126 h 2143126"/>
+              <a:gd name="connsiteX15" fmla="*/ 0 w 2162380"/>
+              <a:gd name="connsiteY15" fmla="*/ 2143126 h 2143126"/>
+              <a:gd name="connsiteX16" fmla="*/ 0 w 2162380"/>
+              <a:gd name="connsiteY16" fmla="*/ 0 h 2143126"/>
+              <a:gd name="connsiteX17" fmla="*/ 2009361 w 2162380"/>
+              <a:gd name="connsiteY17" fmla="*/ 0 h 2143126"/>
+              <a:gd name="connsiteX18" fmla="*/ 2162380 w 2162380"/>
+              <a:gd name="connsiteY18" fmla="*/ 153019 h 2143126"/>
+            </a:gdLst>
+            <a:ahLst/>
+            <a:cxnLst>
+              <a:cxn ang="0">
+                <a:pos x="connsiteX0" y="connsiteY0"/>
+              </a:cxn>
+              <a:cxn ang="0">
+                <a:pos x="connsiteX1" y="connsiteY1"/>
+              </a:cxn>
+              <a:cxn ang="0">
+                <a:pos x="connsiteX2" y="connsiteY2"/>
+              </a:cxn>
+              <a:cxn ang="0">
+                <a:pos x="connsiteX3" y="connsiteY3"/>
+              </a:cxn>
+              <a:cxn ang="0">
+                <a:pos x="connsiteX4" y="connsiteY4"/>
+              </a:cxn>
+              <a:cxn ang="0">
+                <a:pos x="connsiteX5" y="connsiteY5"/>
+              </a:cxn>
+              <a:cxn ang="0">
+                <a:pos x="connsiteX6" y="connsiteY6"/>
+              </a:cxn>
+              <a:cxn ang="0">
+                <a:pos x="connsiteX7" y="connsiteY7"/>
+              </a:cxn>
+              <a:cxn ang="0">
+                <a:pos x="connsiteX8" y="connsiteY8"/>
+              </a:cxn>
+              <a:cxn ang="0">
+                <a:pos x="connsiteX9" y="connsiteY9"/>
+              </a:cxn>
+              <a:cxn ang="0">
+                <a:pos x="connsiteX10" y="connsiteY10"/>
+              </a:cxn>
+              <a:cxn ang="0">
+                <a:pos x="connsiteX11" y="connsiteY11"/>
+              </a:cxn>
+              <a:cxn ang="0">
+                <a:pos x="connsiteX12" y="connsiteY12"/>
+              </a:cxn>
+              <a:cxn ang="0">
+                <a:pos x="connsiteX13" y="connsiteY13"/>
+              </a:cxn>
+              <a:cxn ang="0">
+                <a:pos x="connsiteX14" y="connsiteY14"/>
+              </a:cxn>
+              <a:cxn ang="0">
+                <a:pos x="connsiteX15" y="connsiteY15"/>
+              </a:cxn>
+              <a:cxn ang="0">
+                <a:pos x="connsiteX16" y="connsiteY16"/>
+              </a:cxn>
+              <a:cxn ang="0">
+                <a:pos x="connsiteX17" y="connsiteY17"/>
+              </a:cxn>
+              <a:cxn ang="0">
+                <a:pos x="connsiteX18" y="connsiteY18"/>
+              </a:cxn>
+            </a:cxnLst>
+            <a:rect l="l" t="t" r="r" b="b"/>
+            <a:pathLst>
+              <a:path w="2162380" h="2143126">
+                <a:moveTo>
+                  <a:pt x="870097" y="1230077"/>
+                </a:moveTo>
+                <a:lnTo>
+                  <a:pt x="277431" y="1230077"/>
+                </a:lnTo>
+                <a:lnTo>
+                  <a:pt x="277431" y="1883221"/>
+                </a:lnTo>
+                <a:lnTo>
+                  <a:pt x="870097" y="1883221"/>
+                </a:lnTo>
+                <a:close/>
+                <a:moveTo>
+                  <a:pt x="1675465" y="1230077"/>
+                </a:moveTo>
+                <a:lnTo>
+                  <a:pt x="1117869" y="1230077"/>
+                </a:lnTo>
+                <a:lnTo>
+                  <a:pt x="1117869" y="1883221"/>
+                </a:lnTo>
+                <a:lnTo>
+                  <a:pt x="1675465" y="1883221"/>
+                </a:lnTo>
+                <a:close/>
+                <a:moveTo>
+                  <a:pt x="1675465" y="294460"/>
+                </a:moveTo>
+                <a:lnTo>
+                  <a:pt x="277431" y="294460"/>
+                </a:lnTo>
+                <a:lnTo>
+                  <a:pt x="277431" y="982304"/>
+                </a:lnTo>
+                <a:lnTo>
+                  <a:pt x="1675465" y="982304"/>
+                </a:lnTo>
+                <a:close/>
+                <a:moveTo>
+                  <a:pt x="2162380" y="153019"/>
+                </a:moveTo>
+                <a:lnTo>
+                  <a:pt x="2162380" y="1990107"/>
+                </a:lnTo>
+                <a:cubicBezTo>
+                  <a:pt x="2162380" y="2074617"/>
+                  <a:pt x="2093871" y="2143126"/>
+                  <a:pt x="2009361" y="2143126"/>
+                </a:cubicBezTo>
+                <a:lnTo>
+                  <a:pt x="0" y="2143126"/>
+                </a:lnTo>
+                <a:lnTo>
+                  <a:pt x="0" y="0"/>
+                </a:lnTo>
+                <a:lnTo>
+                  <a:pt x="2009361" y="0"/>
+                </a:lnTo>
+                <a:cubicBezTo>
+                  <a:pt x="2093871" y="0"/>
+                  <a:pt x="2162380" y="68509"/>
+                  <a:pt x="2162380" y="153019"/>
+                </a:cubicBezTo>
+                <a:close/>
+              </a:path>
+            </a:pathLst>
+          </a:custGeom>
+          <a:solidFill>
+            <a:srgbClr val="ABABAB"/>
+          </a:solidFill>
+          <a:ln w="3175">
+            <a:noFill/>
+          </a:ln>
+        </p:spPr>
+        <p:style>
+          <a:lnRef idx="2">
+            <a:schemeClr val="accent1">
+              <a:shade val="50000"/>
+            </a:schemeClr>
+          </a:lnRef>
+          <a:fillRef idx="1">
+            <a:schemeClr val="accent1"/>
+          </a:fillRef>
+          <a:effectRef idx="0">
+            <a:schemeClr val="accent1"/>
+          </a:effectRef>
+          <a:fontRef idx="minor">
+            <a:schemeClr val="lt1"/>
+          </a:fontRef>
+        </p:style>
+        <p:txBody>
+          <a:bodyPr rtlCol="0" anchor="ctr"/>
+          <a:lstStyle/>
+          <a:p>
+            <a:pPr algn="ctr"/>
+            <a:endParaRPr lang="ko-KR" altLang="en-US"/>
+          </a:p>
+        </p:txBody>
+      </p:sp>
+      <p:sp>
+        <p:nvSpPr>
+          <p:cNvPr id="151" name="자유형 150"/>
+          <p:cNvSpPr/>
+          <p:nvPr/>
+        </p:nvSpPr>
+        <p:spPr>
+          <a:xfrm rot="16200000">
+            <a:off x="8469935" y="3295602"/>
+            <a:ext cx="133576" cy="132386"/>
+          </a:xfrm>
+          <a:custGeom>
+            <a:avLst/>
+            <a:gdLst>
+              <a:gd name="connsiteX0" fmla="*/ 870097 w 2162380"/>
+              <a:gd name="connsiteY0" fmla="*/ 1230077 h 2143126"/>
+              <a:gd name="connsiteX1" fmla="*/ 277431 w 2162380"/>
+              <a:gd name="connsiteY1" fmla="*/ 1230077 h 2143126"/>
+              <a:gd name="connsiteX2" fmla="*/ 277431 w 2162380"/>
+              <a:gd name="connsiteY2" fmla="*/ 1883221 h 2143126"/>
+              <a:gd name="connsiteX3" fmla="*/ 870097 w 2162380"/>
+              <a:gd name="connsiteY3" fmla="*/ 1883221 h 2143126"/>
+              <a:gd name="connsiteX4" fmla="*/ 1675465 w 2162380"/>
+              <a:gd name="connsiteY4" fmla="*/ 1230077 h 2143126"/>
+              <a:gd name="connsiteX5" fmla="*/ 1117869 w 2162380"/>
+              <a:gd name="connsiteY5" fmla="*/ 1230077 h 2143126"/>
+              <a:gd name="connsiteX6" fmla="*/ 1117869 w 2162380"/>
+              <a:gd name="connsiteY6" fmla="*/ 1883221 h 2143126"/>
+              <a:gd name="connsiteX7" fmla="*/ 1675465 w 2162380"/>
+              <a:gd name="connsiteY7" fmla="*/ 1883221 h 2143126"/>
+              <a:gd name="connsiteX8" fmla="*/ 1675465 w 2162380"/>
+              <a:gd name="connsiteY8" fmla="*/ 294460 h 2143126"/>
+              <a:gd name="connsiteX9" fmla="*/ 277431 w 2162380"/>
+              <a:gd name="connsiteY9" fmla="*/ 294460 h 2143126"/>
+              <a:gd name="connsiteX10" fmla="*/ 277431 w 2162380"/>
+              <a:gd name="connsiteY10" fmla="*/ 982304 h 2143126"/>
+              <a:gd name="connsiteX11" fmla="*/ 1675465 w 2162380"/>
+              <a:gd name="connsiteY11" fmla="*/ 982304 h 2143126"/>
+              <a:gd name="connsiteX12" fmla="*/ 2162380 w 2162380"/>
+              <a:gd name="connsiteY12" fmla="*/ 153019 h 2143126"/>
+              <a:gd name="connsiteX13" fmla="*/ 2162380 w 2162380"/>
+              <a:gd name="connsiteY13" fmla="*/ 1990107 h 2143126"/>
+              <a:gd name="connsiteX14" fmla="*/ 2009361 w 2162380"/>
+              <a:gd name="connsiteY14" fmla="*/ 2143126 h 2143126"/>
+              <a:gd name="connsiteX15" fmla="*/ 0 w 2162380"/>
+              <a:gd name="connsiteY15" fmla="*/ 2143126 h 2143126"/>
+              <a:gd name="connsiteX16" fmla="*/ 0 w 2162380"/>
+              <a:gd name="connsiteY16" fmla="*/ 0 h 2143126"/>
+              <a:gd name="connsiteX17" fmla="*/ 2009361 w 2162380"/>
+              <a:gd name="connsiteY17" fmla="*/ 0 h 2143126"/>
+              <a:gd name="connsiteX18" fmla="*/ 2162380 w 2162380"/>
+              <a:gd name="connsiteY18" fmla="*/ 153019 h 2143126"/>
+            </a:gdLst>
+            <a:ahLst/>
+            <a:cxnLst>
+              <a:cxn ang="0">
+                <a:pos x="connsiteX0" y="connsiteY0"/>
+              </a:cxn>
+              <a:cxn ang="0">
+                <a:pos x="connsiteX1" y="connsiteY1"/>
+              </a:cxn>
+              <a:cxn ang="0">
+                <a:pos x="connsiteX2" y="connsiteY2"/>
+              </a:cxn>
+              <a:cxn ang="0">
+                <a:pos x="connsiteX3" y="connsiteY3"/>
+              </a:cxn>
+              <a:cxn ang="0">
+                <a:pos x="connsiteX4" y="connsiteY4"/>
+              </a:cxn>
+              <a:cxn ang="0">
+                <a:pos x="connsiteX5" y="connsiteY5"/>
+              </a:cxn>
+              <a:cxn ang="0">
+                <a:pos x="connsiteX6" y="connsiteY6"/>
+              </a:cxn>
+              <a:cxn ang="0">
+                <a:pos x="connsiteX7" y="connsiteY7"/>
+              </a:cxn>
+              <a:cxn ang="0">
+                <a:pos x="connsiteX8" y="connsiteY8"/>
+              </a:cxn>
+              <a:cxn ang="0">
+                <a:pos x="connsiteX9" y="connsiteY9"/>
+              </a:cxn>
+              <a:cxn ang="0">
+                <a:pos x="connsiteX10" y="connsiteY10"/>
+              </a:cxn>
+              <a:cxn ang="0">
+                <a:pos x="connsiteX11" y="connsiteY11"/>
+              </a:cxn>
+              <a:cxn ang="0">
+                <a:pos x="connsiteX12" y="connsiteY12"/>
+              </a:cxn>
+              <a:cxn ang="0">
+                <a:pos x="connsiteX13" y="connsiteY13"/>
+              </a:cxn>
+              <a:cxn ang="0">
+                <a:pos x="connsiteX14" y="connsiteY14"/>
+              </a:cxn>
+              <a:cxn ang="0">
+                <a:pos x="connsiteX15" y="connsiteY15"/>
+              </a:cxn>
+              <a:cxn ang="0">
+                <a:pos x="connsiteX16" y="connsiteY16"/>
+              </a:cxn>
+              <a:cxn ang="0">
+                <a:pos x="connsiteX17" y="connsiteY17"/>
+              </a:cxn>
+              <a:cxn ang="0">
+                <a:pos x="connsiteX18" y="connsiteY18"/>
+              </a:cxn>
+            </a:cxnLst>
+            <a:rect l="l" t="t" r="r" b="b"/>
+            <a:pathLst>
+              <a:path w="2162380" h="2143126">
+                <a:moveTo>
+                  <a:pt x="870097" y="1230077"/>
+                </a:moveTo>
+                <a:lnTo>
+                  <a:pt x="277431" y="1230077"/>
+                </a:lnTo>
+                <a:lnTo>
+                  <a:pt x="277431" y="1883221"/>
+                </a:lnTo>
+                <a:lnTo>
+                  <a:pt x="870097" y="1883221"/>
+                </a:lnTo>
+                <a:close/>
+                <a:moveTo>
+                  <a:pt x="1675465" y="1230077"/>
+                </a:moveTo>
+                <a:lnTo>
+                  <a:pt x="1117869" y="1230077"/>
+                </a:lnTo>
+                <a:lnTo>
+                  <a:pt x="1117869" y="1883221"/>
+                </a:lnTo>
+                <a:lnTo>
+                  <a:pt x="1675465" y="1883221"/>
+                </a:lnTo>
+                <a:close/>
+                <a:moveTo>
+                  <a:pt x="1675465" y="294460"/>
+                </a:moveTo>
+                <a:lnTo>
+                  <a:pt x="277431" y="294460"/>
+                </a:lnTo>
+                <a:lnTo>
+                  <a:pt x="277431" y="982304"/>
+                </a:lnTo>
+                <a:lnTo>
+                  <a:pt x="1675465" y="982304"/>
+                </a:lnTo>
+                <a:close/>
+                <a:moveTo>
+                  <a:pt x="2162380" y="153019"/>
+                </a:moveTo>
+                <a:lnTo>
+                  <a:pt x="2162380" y="1990107"/>
+                </a:lnTo>
+                <a:cubicBezTo>
+                  <a:pt x="2162380" y="2074617"/>
+                  <a:pt x="2093871" y="2143126"/>
+                  <a:pt x="2009361" y="2143126"/>
+                </a:cubicBezTo>
+                <a:lnTo>
+                  <a:pt x="0" y="2143126"/>
+                </a:lnTo>
+                <a:lnTo>
+                  <a:pt x="0" y="0"/>
+                </a:lnTo>
+                <a:lnTo>
+                  <a:pt x="2009361" y="0"/>
+                </a:lnTo>
+                <a:cubicBezTo>
+                  <a:pt x="2093871" y="0"/>
+                  <a:pt x="2162380" y="68509"/>
+                  <a:pt x="2162380" y="153019"/>
+                </a:cubicBezTo>
+                <a:close/>
+              </a:path>
+            </a:pathLst>
+          </a:custGeom>
+          <a:solidFill>
+            <a:srgbClr val="ABABAB"/>
+          </a:solidFill>
+          <a:ln w="3175">
+            <a:noFill/>
+          </a:ln>
+        </p:spPr>
+        <p:style>
+          <a:lnRef idx="2">
+            <a:schemeClr val="accent1">
+              <a:shade val="50000"/>
+            </a:schemeClr>
+          </a:lnRef>
+          <a:fillRef idx="1">
+            <a:schemeClr val="accent1"/>
+          </a:fillRef>
+          <a:effectRef idx="0">
+            <a:schemeClr val="accent1"/>
+          </a:effectRef>
+          <a:fontRef idx="minor">
+            <a:schemeClr val="lt1"/>
+          </a:fontRef>
+        </p:style>
+        <p:txBody>
+          <a:bodyPr rtlCol="0" anchor="ctr"/>
+          <a:lstStyle/>
+          <a:p>
+            <a:pPr algn="ctr"/>
+            <a:endParaRPr lang="ko-KR" altLang="en-US"/>
+          </a:p>
+        </p:txBody>
+      </p:sp>
+      <p:sp>
+        <p:nvSpPr>
+          <p:cNvPr id="154" name="자유형 153"/>
+          <p:cNvSpPr/>
+          <p:nvPr/>
+        </p:nvSpPr>
+        <p:spPr>
+          <a:xfrm>
+            <a:off x="5862161" y="3634771"/>
+            <a:ext cx="18671" cy="36235"/>
+          </a:xfrm>
+          <a:custGeom>
+            <a:avLst/>
+            <a:gdLst>
+              <a:gd name="connsiteX0" fmla="*/ 15439 w 18671"/>
+              <a:gd name="connsiteY0" fmla="*/ 0 h 36235"/>
+              <a:gd name="connsiteX1" fmla="*/ 18671 w 18671"/>
+              <a:gd name="connsiteY1" fmla="*/ 21095 h 36235"/>
+              <a:gd name="connsiteX2" fmla="*/ 4314 w 18671"/>
+              <a:gd name="connsiteY2" fmla="*/ 35591 h 36235"/>
+              <a:gd name="connsiteX3" fmla="*/ 0 w 18671"/>
+              <a:gd name="connsiteY3" fmla="*/ 36235 h 36235"/>
+              <a:gd name="connsiteX4" fmla="*/ 9789 w 18671"/>
+              <a:gd name="connsiteY4" fmla="*/ 18201 h 36235"/>
+              <a:gd name="connsiteX5" fmla="*/ 15439 w 18671"/>
+              <a:gd name="connsiteY5" fmla="*/ 0 h 36235"/>
+            </a:gdLst>
+            <a:ahLst/>
+            <a:cxnLst>
+              <a:cxn ang="0">
+                <a:pos x="connsiteX0" y="connsiteY0"/>
+              </a:cxn>
+              <a:cxn ang="0">
+                <a:pos x="connsiteX1" y="connsiteY1"/>
+              </a:cxn>
+              <a:cxn ang="0">
+                <a:pos x="connsiteX2" y="connsiteY2"/>
+              </a:cxn>
+              <a:cxn ang="0">
+                <a:pos x="connsiteX3" y="connsiteY3"/>
+              </a:cxn>
+              <a:cxn ang="0">
+                <a:pos x="connsiteX4" y="connsiteY4"/>
+              </a:cxn>
+              <a:cxn ang="0">
+                <a:pos x="connsiteX5" y="connsiteY5"/>
+              </a:cxn>
+            </a:cxnLst>
+            <a:rect l="l" t="t" r="r" b="b"/>
+            <a:pathLst>
+              <a:path w="18671" h="36235">
+                <a:moveTo>
+                  <a:pt x="15439" y="0"/>
+                </a:moveTo>
+                <a:lnTo>
+                  <a:pt x="18671" y="21095"/>
+                </a:lnTo>
+                <a:cubicBezTo>
+                  <a:pt x="16475" y="27684"/>
+                  <a:pt x="11250" y="32539"/>
+                  <a:pt x="4314" y="35591"/>
+                </a:cubicBezTo>
+                <a:lnTo>
+                  <a:pt x="0" y="36235"/>
+                </a:lnTo>
+                <a:lnTo>
+                  <a:pt x="9789" y="18201"/>
+                </a:lnTo>
+                <a:lnTo>
+                  <a:pt x="15439" y="0"/>
+                </a:lnTo>
+                <a:close/>
+              </a:path>
+            </a:pathLst>
+          </a:custGeom>
+          <a:solidFill>
+            <a:srgbClr val="5B9BD5">
+              <a:alpha val="50196"/>
+            </a:srgbClr>
+          </a:solidFill>
+          <a:ln>
+            <a:noFill/>
+          </a:ln>
+        </p:spPr>
+        <p:style>
+          <a:lnRef idx="2">
+            <a:schemeClr val="accent1">
+              <a:shade val="50000"/>
+            </a:schemeClr>
+          </a:lnRef>
+          <a:fillRef idx="1">
+            <a:schemeClr val="accent1"/>
+          </a:fillRef>
+          <a:effectRef idx="0">
+            <a:schemeClr val="accent1"/>
+          </a:effectRef>
+          <a:fontRef idx="minor">
+            <a:schemeClr val="lt1"/>
+          </a:fontRef>
+        </p:style>
+        <p:txBody>
+          <a:bodyPr rtlCol="0" anchor="ctr"/>
+          <a:lstStyle/>
+          <a:p>
+            <a:pPr algn="ctr"/>
+            <a:endParaRPr lang="ko-KR" altLang="en-US"/>
+          </a:p>
+        </p:txBody>
+      </p:sp>
+      <p:grpSp>
+        <p:nvGrpSpPr>
+          <p:cNvPr id="115" name="그룹 114"/>
+          <p:cNvGrpSpPr/>
+          <p:nvPr/>
+        </p:nvGrpSpPr>
+        <p:grpSpPr>
+          <a:xfrm>
+            <a:off x="5636029" y="4203272"/>
+            <a:ext cx="372162" cy="177712"/>
+            <a:chOff x="5636029" y="4203272"/>
+            <a:chExt cx="372162" cy="177712"/>
+          </a:xfrm>
+        </p:grpSpPr>
+        <p:sp>
+          <p:nvSpPr>
+            <p:cNvPr id="156" name="자유형 155"/>
+            <p:cNvSpPr/>
+            <p:nvPr/>
+          </p:nvSpPr>
+          <p:spPr>
+            <a:xfrm>
+              <a:off x="5636029" y="4203272"/>
+              <a:ext cx="239039" cy="164356"/>
+            </a:xfrm>
+            <a:custGeom>
+              <a:avLst/>
+              <a:gdLst>
+                <a:gd name="connsiteX0" fmla="*/ 312827 w 909954"/>
+                <a:gd name="connsiteY0" fmla="*/ 0 h 625654"/>
+                <a:gd name="connsiteX1" fmla="*/ 597127 w 909954"/>
+                <a:gd name="connsiteY1" fmla="*/ 0 h 625654"/>
+                <a:gd name="connsiteX2" fmla="*/ 909954 w 909954"/>
+                <a:gd name="connsiteY2" fmla="*/ 312827 h 625654"/>
+                <a:gd name="connsiteX3" fmla="*/ 909953 w 909954"/>
+                <a:gd name="connsiteY3" fmla="*/ 312827 h 625654"/>
+                <a:gd name="connsiteX4" fmla="*/ 903597 w 909954"/>
+                <a:gd name="connsiteY4" fmla="*/ 375873 h 625654"/>
+                <a:gd name="connsiteX5" fmla="*/ 891020 w 909954"/>
+                <a:gd name="connsiteY5" fmla="*/ 416393 h 625654"/>
+                <a:gd name="connsiteX6" fmla="*/ 890437 w 909954"/>
+                <a:gd name="connsiteY6" fmla="*/ 412589 h 625654"/>
+                <a:gd name="connsiteX7" fmla="*/ 704006 w 909954"/>
+                <a:gd name="connsiteY7" fmla="*/ 208403 h 625654"/>
+                <a:gd name="connsiteX8" fmla="*/ 313389 w 909954"/>
+                <a:gd name="connsiteY8" fmla="*/ 190647 h 625654"/>
+                <a:gd name="connsiteX9" fmla="*/ 197979 w 909954"/>
+                <a:gd name="connsiteY9" fmla="*/ 270546 h 625654"/>
+                <a:gd name="connsiteX10" fmla="*/ 251245 w 909954"/>
+                <a:gd name="connsiteY10" fmla="*/ 377078 h 625654"/>
+                <a:gd name="connsiteX11" fmla="*/ 402166 w 909954"/>
+                <a:gd name="connsiteY11" fmla="*/ 474733 h 625654"/>
+                <a:gd name="connsiteX12" fmla="*/ 506478 w 909954"/>
+                <a:gd name="connsiteY12" fmla="*/ 602904 h 625654"/>
+                <a:gd name="connsiteX13" fmla="*/ 524585 w 909954"/>
+                <a:gd name="connsiteY13" fmla="*/ 625654 h 625654"/>
+                <a:gd name="connsiteX14" fmla="*/ 312827 w 909954"/>
+                <a:gd name="connsiteY14" fmla="*/ 625653 h 625654"/>
+                <a:gd name="connsiteX15" fmla="*/ 6356 w 909954"/>
+                <a:gd name="connsiteY15" fmla="*/ 375872 h 625654"/>
+                <a:gd name="connsiteX16" fmla="*/ 0 w 909954"/>
+                <a:gd name="connsiteY16" fmla="*/ 312827 h 625654"/>
+                <a:gd name="connsiteX17" fmla="*/ 6356 w 909954"/>
+                <a:gd name="connsiteY17" fmla="*/ 249781 h 625654"/>
+                <a:gd name="connsiteX18" fmla="*/ 312827 w 909954"/>
+                <a:gd name="connsiteY18" fmla="*/ 0 h 625654"/>
+              </a:gdLst>
+              <a:ahLst/>
+              <a:cxnLst>
+                <a:cxn ang="0">
+                  <a:pos x="connsiteX0" y="connsiteY0"/>
+                </a:cxn>
+                <a:cxn ang="0">
+                  <a:pos x="connsiteX1" y="connsiteY1"/>
+                </a:cxn>
+                <a:cxn ang="0">
+                  <a:pos x="connsiteX2" y="connsiteY2"/>
+                </a:cxn>
+                <a:cxn ang="0">
+                  <a:pos x="connsiteX3" y="connsiteY3"/>
+                </a:cxn>
+                <a:cxn ang="0">
+                  <a:pos x="connsiteX4" y="connsiteY4"/>
+                </a:cxn>
+                <a:cxn ang="0">
+                  <a:pos x="connsiteX5" y="connsiteY5"/>
+                </a:cxn>
+                <a:cxn ang="0">
+                  <a:pos x="connsiteX6" y="connsiteY6"/>
+                </a:cxn>
+                <a:cxn ang="0">
+                  <a:pos x="connsiteX7" y="connsiteY7"/>
+                </a:cxn>
+                <a:cxn ang="0">
+                  <a:pos x="connsiteX8" y="connsiteY8"/>
+                </a:cxn>
+                <a:cxn ang="0">
+                  <a:pos x="connsiteX9" y="connsiteY9"/>
+                </a:cxn>
+                <a:cxn ang="0">
+                  <a:pos x="connsiteX10" y="connsiteY10"/>
+                </a:cxn>
+                <a:cxn ang="0">
+                  <a:pos x="connsiteX11" y="connsiteY11"/>
+                </a:cxn>
+                <a:cxn ang="0">
+                  <a:pos x="connsiteX12" y="connsiteY12"/>
+                </a:cxn>
+                <a:cxn ang="0">
+                  <a:pos x="connsiteX13" y="connsiteY13"/>
+                </a:cxn>
+                <a:cxn ang="0">
+                  <a:pos x="connsiteX14" y="connsiteY14"/>
+                </a:cxn>
+                <a:cxn ang="0">
+                  <a:pos x="connsiteX15" y="connsiteY15"/>
+                </a:cxn>
+                <a:cxn ang="0">
+                  <a:pos x="connsiteX16" y="connsiteY16"/>
+                </a:cxn>
+                <a:cxn ang="0">
+                  <a:pos x="connsiteX17" y="connsiteY17"/>
+                </a:cxn>
+                <a:cxn ang="0">
+                  <a:pos x="connsiteX18" y="connsiteY18"/>
+                </a:cxn>
+              </a:cxnLst>
+              <a:rect l="l" t="t" r="r" b="b"/>
+              <a:pathLst>
+                <a:path w="909954" h="625654">
+                  <a:moveTo>
+                    <a:pt x="312827" y="0"/>
+                  </a:moveTo>
+                  <a:lnTo>
+                    <a:pt x="597127" y="0"/>
+                  </a:lnTo>
+                  <a:cubicBezTo>
+                    <a:pt x="769897" y="0"/>
+                    <a:pt x="909954" y="140057"/>
+                    <a:pt x="909954" y="312827"/>
+                  </a:cubicBezTo>
+                  <a:lnTo>
+                    <a:pt x="909953" y="312827"/>
+                  </a:lnTo>
+                  <a:cubicBezTo>
+                    <a:pt x="909953" y="334423"/>
+                    <a:pt x="907765" y="355508"/>
+                    <a:pt x="903597" y="375873"/>
+                  </a:cubicBezTo>
+                  <a:lnTo>
+                    <a:pt x="891020" y="416393"/>
+                  </a:lnTo>
+                  <a:lnTo>
+                    <a:pt x="890437" y="412589"/>
+                  </a:lnTo>
+                  <a:cubicBezTo>
+                    <a:pt x="869722" y="372640"/>
+                    <a:pt x="800181" y="245393"/>
+                    <a:pt x="704006" y="208403"/>
+                  </a:cubicBezTo>
+                  <a:cubicBezTo>
+                    <a:pt x="607831" y="171413"/>
+                    <a:pt x="397727" y="180290"/>
+                    <a:pt x="313389" y="190647"/>
+                  </a:cubicBezTo>
+                  <a:cubicBezTo>
+                    <a:pt x="229051" y="201004"/>
+                    <a:pt x="208336" y="239474"/>
+                    <a:pt x="197979" y="270546"/>
+                  </a:cubicBezTo>
+                  <a:cubicBezTo>
+                    <a:pt x="187622" y="301618"/>
+                    <a:pt x="217214" y="343047"/>
+                    <a:pt x="251245" y="377078"/>
+                  </a:cubicBezTo>
+                  <a:cubicBezTo>
+                    <a:pt x="285276" y="411109"/>
+                    <a:pt x="342981" y="418508"/>
+                    <a:pt x="402166" y="474733"/>
+                  </a:cubicBezTo>
+                  <a:cubicBezTo>
+                    <a:pt x="431758" y="502846"/>
+                    <a:pt x="469488" y="554262"/>
+                    <a:pt x="506478" y="602904"/>
+                  </a:cubicBezTo>
+                  <a:lnTo>
+                    <a:pt x="524585" y="625654"/>
+                  </a:lnTo>
+                  <a:lnTo>
+                    <a:pt x="312827" y="625653"/>
+                  </a:lnTo>
+                  <a:cubicBezTo>
+                    <a:pt x="161653" y="625653"/>
+                    <a:pt x="35526" y="518422"/>
+                    <a:pt x="6356" y="375872"/>
+                  </a:cubicBezTo>
+                  <a:lnTo>
+                    <a:pt x="0" y="312827"/>
+                  </a:lnTo>
+                  <a:lnTo>
+                    <a:pt x="6356" y="249781"/>
+                  </a:lnTo>
+                  <a:cubicBezTo>
+                    <a:pt x="35526" y="107231"/>
+                    <a:pt x="161653" y="0"/>
+                    <a:pt x="312827" y="0"/>
+                  </a:cubicBezTo>
+                  <a:close/>
+                </a:path>
+              </a:pathLst>
+            </a:custGeom>
+            <a:solidFill>
+              <a:srgbClr val="ABABAB"/>
+            </a:solidFill>
+            <a:ln>
+              <a:noFill/>
+            </a:ln>
+          </p:spPr>
+          <p:style>
+            <a:lnRef idx="2">
+              <a:schemeClr val="accent1">
+                <a:shade val="50000"/>
+              </a:schemeClr>
+            </a:lnRef>
+            <a:fillRef idx="1">
+              <a:schemeClr val="accent1"/>
+            </a:fillRef>
+            <a:effectRef idx="0">
+              <a:schemeClr val="accent1"/>
+            </a:effectRef>
+            <a:fontRef idx="minor">
+              <a:schemeClr val="lt1"/>
+            </a:fontRef>
+          </p:style>
+          <p:txBody>
+            <a:bodyPr rtlCol="0" anchor="ctr"/>
+            <a:lstStyle/>
+            <a:p>
+              <a:pPr algn="ctr"/>
+              <a:endParaRPr lang="ko-KR" altLang="en-US"/>
+            </a:p>
+          </p:txBody>
+        </p:sp>
+        <p:sp>
+          <p:nvSpPr>
+            <p:cNvPr id="158" name="자유형 157"/>
+            <p:cNvSpPr/>
+            <p:nvPr/>
+          </p:nvSpPr>
+          <p:spPr>
+            <a:xfrm flipH="1" flipV="1">
+              <a:off x="5769152" y="4216628"/>
+              <a:ext cx="239039" cy="164356"/>
+            </a:xfrm>
+            <a:custGeom>
+              <a:avLst/>
+              <a:gdLst>
+                <a:gd name="connsiteX0" fmla="*/ 312827 w 909954"/>
+                <a:gd name="connsiteY0" fmla="*/ 0 h 625654"/>
+                <a:gd name="connsiteX1" fmla="*/ 597127 w 909954"/>
+                <a:gd name="connsiteY1" fmla="*/ 0 h 625654"/>
+                <a:gd name="connsiteX2" fmla="*/ 909954 w 909954"/>
+                <a:gd name="connsiteY2" fmla="*/ 312827 h 625654"/>
+                <a:gd name="connsiteX3" fmla="*/ 909953 w 909954"/>
+                <a:gd name="connsiteY3" fmla="*/ 312827 h 625654"/>
+                <a:gd name="connsiteX4" fmla="*/ 903597 w 909954"/>
+                <a:gd name="connsiteY4" fmla="*/ 375873 h 625654"/>
+                <a:gd name="connsiteX5" fmla="*/ 891020 w 909954"/>
+                <a:gd name="connsiteY5" fmla="*/ 416393 h 625654"/>
+                <a:gd name="connsiteX6" fmla="*/ 890437 w 909954"/>
+                <a:gd name="connsiteY6" fmla="*/ 412589 h 625654"/>
+                <a:gd name="connsiteX7" fmla="*/ 704006 w 909954"/>
+                <a:gd name="connsiteY7" fmla="*/ 208403 h 625654"/>
+                <a:gd name="connsiteX8" fmla="*/ 313389 w 909954"/>
+                <a:gd name="connsiteY8" fmla="*/ 190647 h 625654"/>
+                <a:gd name="connsiteX9" fmla="*/ 197979 w 909954"/>
+                <a:gd name="connsiteY9" fmla="*/ 270546 h 625654"/>
+                <a:gd name="connsiteX10" fmla="*/ 251245 w 909954"/>
+                <a:gd name="connsiteY10" fmla="*/ 377078 h 625654"/>
+                <a:gd name="connsiteX11" fmla="*/ 402166 w 909954"/>
+                <a:gd name="connsiteY11" fmla="*/ 474733 h 625654"/>
+                <a:gd name="connsiteX12" fmla="*/ 506478 w 909954"/>
+                <a:gd name="connsiteY12" fmla="*/ 602904 h 625654"/>
+                <a:gd name="connsiteX13" fmla="*/ 524585 w 909954"/>
+                <a:gd name="connsiteY13" fmla="*/ 625654 h 625654"/>
+                <a:gd name="connsiteX14" fmla="*/ 312827 w 909954"/>
+                <a:gd name="connsiteY14" fmla="*/ 625653 h 625654"/>
+                <a:gd name="connsiteX15" fmla="*/ 6356 w 909954"/>
+                <a:gd name="connsiteY15" fmla="*/ 375872 h 625654"/>
+                <a:gd name="connsiteX16" fmla="*/ 0 w 909954"/>
+                <a:gd name="connsiteY16" fmla="*/ 312827 h 625654"/>
+                <a:gd name="connsiteX17" fmla="*/ 6356 w 909954"/>
+                <a:gd name="connsiteY17" fmla="*/ 249781 h 625654"/>
+                <a:gd name="connsiteX18" fmla="*/ 312827 w 909954"/>
+                <a:gd name="connsiteY18" fmla="*/ 0 h 625654"/>
+              </a:gdLst>
+              <a:ahLst/>
+              <a:cxnLst>
+                <a:cxn ang="0">
+                  <a:pos x="connsiteX0" y="connsiteY0"/>
+                </a:cxn>
+                <a:cxn ang="0">
+                  <a:pos x="connsiteX1" y="connsiteY1"/>
+                </a:cxn>
+                <a:cxn ang="0">
+                  <a:pos x="connsiteX2" y="connsiteY2"/>
+                </a:cxn>
+                <a:cxn ang="0">
+                  <a:pos x="connsiteX3" y="connsiteY3"/>
+                </a:cxn>
+                <a:cxn ang="0">
+                  <a:pos x="connsiteX4" y="connsiteY4"/>
+                </a:cxn>
+                <a:cxn ang="0">
+                  <a:pos x="connsiteX5" y="connsiteY5"/>
+                </a:cxn>
+                <a:cxn ang="0">
+                  <a:pos x="connsiteX6" y="connsiteY6"/>
+                </a:cxn>
+                <a:cxn ang="0">
+                  <a:pos x="connsiteX7" y="connsiteY7"/>
+                </a:cxn>
+                <a:cxn ang="0">
+                  <a:pos x="connsiteX8" y="connsiteY8"/>
+                </a:cxn>
+                <a:cxn ang="0">
+                  <a:pos x="connsiteX9" y="connsiteY9"/>
+                </a:cxn>
+                <a:cxn ang="0">
+                  <a:pos x="connsiteX10" y="connsiteY10"/>
+                </a:cxn>
+                <a:cxn ang="0">
+                  <a:pos x="connsiteX11" y="connsiteY11"/>
+                </a:cxn>
+                <a:cxn ang="0">
+                  <a:pos x="connsiteX12" y="connsiteY12"/>
+                </a:cxn>
+                <a:cxn ang="0">
+                  <a:pos x="connsiteX13" y="connsiteY13"/>
+                </a:cxn>
+                <a:cxn ang="0">
+                  <a:pos x="connsiteX14" y="connsiteY14"/>
+                </a:cxn>
+                <a:cxn ang="0">
+                  <a:pos x="connsiteX15" y="connsiteY15"/>
+                </a:cxn>
+                <a:cxn ang="0">
+                  <a:pos x="connsiteX16" y="connsiteY16"/>
+                </a:cxn>
+                <a:cxn ang="0">
+                  <a:pos x="connsiteX17" y="connsiteY17"/>
+                </a:cxn>
+                <a:cxn ang="0">
+                  <a:pos x="connsiteX18" y="connsiteY18"/>
+                </a:cxn>
+              </a:cxnLst>
+              <a:rect l="l" t="t" r="r" b="b"/>
+              <a:pathLst>
+                <a:path w="909954" h="625654">
+                  <a:moveTo>
+                    <a:pt x="312827" y="0"/>
+                  </a:moveTo>
+                  <a:lnTo>
+                    <a:pt x="597127" y="0"/>
+                  </a:lnTo>
+                  <a:cubicBezTo>
+                    <a:pt x="769897" y="0"/>
+                    <a:pt x="909954" y="140057"/>
+                    <a:pt x="909954" y="312827"/>
+                  </a:cubicBezTo>
+                  <a:lnTo>
+                    <a:pt x="909953" y="312827"/>
+                  </a:lnTo>
+                  <a:cubicBezTo>
+                    <a:pt x="909953" y="334423"/>
+                    <a:pt x="907765" y="355508"/>
+                    <a:pt x="903597" y="375873"/>
+                  </a:cubicBezTo>
+                  <a:lnTo>
+                    <a:pt x="891020" y="416393"/>
+                  </a:lnTo>
+                  <a:lnTo>
+                    <a:pt x="890437" y="412589"/>
+                  </a:lnTo>
+                  <a:cubicBezTo>
+                    <a:pt x="869722" y="372640"/>
+                    <a:pt x="800181" y="245393"/>
+                    <a:pt x="704006" y="208403"/>
+                  </a:cubicBezTo>
+                  <a:cubicBezTo>
+                    <a:pt x="607831" y="171413"/>
+                    <a:pt x="397727" y="180290"/>
+                    <a:pt x="313389" y="190647"/>
+                  </a:cubicBezTo>
+                  <a:cubicBezTo>
+                    <a:pt x="229051" y="201004"/>
+                    <a:pt x="208336" y="239474"/>
+                    <a:pt x="197979" y="270546"/>
+                  </a:cubicBezTo>
+                  <a:cubicBezTo>
+                    <a:pt x="187622" y="301618"/>
+                    <a:pt x="217214" y="343047"/>
+                    <a:pt x="251245" y="377078"/>
+                  </a:cubicBezTo>
+                  <a:cubicBezTo>
+                    <a:pt x="285276" y="411109"/>
+                    <a:pt x="342981" y="418508"/>
+                    <a:pt x="402166" y="474733"/>
+                  </a:cubicBezTo>
+                  <a:cubicBezTo>
+                    <a:pt x="431758" y="502846"/>
+                    <a:pt x="469488" y="554262"/>
+                    <a:pt x="506478" y="602904"/>
+                  </a:cubicBezTo>
+                  <a:lnTo>
+                    <a:pt x="524585" y="625654"/>
+                  </a:lnTo>
+                  <a:lnTo>
+                    <a:pt x="312827" y="625653"/>
+                  </a:lnTo>
+                  <a:cubicBezTo>
+                    <a:pt x="161653" y="625653"/>
+                    <a:pt x="35526" y="518422"/>
+                    <a:pt x="6356" y="375872"/>
+                  </a:cubicBezTo>
+                  <a:lnTo>
+                    <a:pt x="0" y="312827"/>
+                  </a:lnTo>
+                  <a:lnTo>
+                    <a:pt x="6356" y="249781"/>
+                  </a:lnTo>
+                  <a:cubicBezTo>
+                    <a:pt x="35526" y="107231"/>
+                    <a:pt x="161653" y="0"/>
+                    <a:pt x="312827" y="0"/>
+                  </a:cubicBezTo>
+                  <a:close/>
+                </a:path>
+              </a:pathLst>
+            </a:custGeom>
+            <a:solidFill>
+              <a:srgbClr val="ABABAB"/>
+            </a:solidFill>
+            <a:ln>
+              <a:noFill/>
+            </a:ln>
+          </p:spPr>
+          <p:style>
+            <a:lnRef idx="2">
+              <a:schemeClr val="accent1">
+                <a:shade val="50000"/>
+              </a:schemeClr>
+            </a:lnRef>
+            <a:fillRef idx="1">
+              <a:schemeClr val="accent1"/>
+            </a:fillRef>
+            <a:effectRef idx="0">
+              <a:schemeClr val="accent1"/>
+            </a:effectRef>
+            <a:fontRef idx="minor">
+              <a:schemeClr val="lt1"/>
+            </a:fontRef>
+          </p:style>
+          <p:txBody>
+            <a:bodyPr rtlCol="0" anchor="ctr"/>
+            <a:lstStyle/>
+            <a:p>
+              <a:pPr algn="ctr"/>
+              <a:endParaRPr lang="ko-KR" altLang="en-US"/>
+            </a:p>
+          </p:txBody>
+        </p:sp>
+      </p:grpSp>
+      <p:grpSp>
+        <p:nvGrpSpPr>
+          <p:cNvPr id="159" name="그룹 158"/>
+          <p:cNvGrpSpPr/>
+          <p:nvPr/>
+        </p:nvGrpSpPr>
+        <p:grpSpPr>
+          <a:xfrm>
+            <a:off x="5288288" y="4091901"/>
+            <a:ext cx="154010" cy="73584"/>
+            <a:chOff x="6830759" y="3732455"/>
+            <a:chExt cx="1416716" cy="676892"/>
+          </a:xfrm>
+        </p:grpSpPr>
+        <p:sp>
+          <p:nvSpPr>
+            <p:cNvPr id="160" name="자유형 159"/>
+            <p:cNvSpPr/>
+            <p:nvPr/>
+          </p:nvSpPr>
+          <p:spPr>
+            <a:xfrm>
+              <a:off x="6830759" y="3732455"/>
+              <a:ext cx="909954" cy="625654"/>
+            </a:xfrm>
+            <a:custGeom>
+              <a:avLst/>
+              <a:gdLst>
+                <a:gd name="connsiteX0" fmla="*/ 312827 w 909954"/>
+                <a:gd name="connsiteY0" fmla="*/ 0 h 625654"/>
+                <a:gd name="connsiteX1" fmla="*/ 597127 w 909954"/>
+                <a:gd name="connsiteY1" fmla="*/ 0 h 625654"/>
+                <a:gd name="connsiteX2" fmla="*/ 909954 w 909954"/>
+                <a:gd name="connsiteY2" fmla="*/ 312827 h 625654"/>
+                <a:gd name="connsiteX3" fmla="*/ 909953 w 909954"/>
+                <a:gd name="connsiteY3" fmla="*/ 312827 h 625654"/>
+                <a:gd name="connsiteX4" fmla="*/ 903597 w 909954"/>
+                <a:gd name="connsiteY4" fmla="*/ 375873 h 625654"/>
+                <a:gd name="connsiteX5" fmla="*/ 891020 w 909954"/>
+                <a:gd name="connsiteY5" fmla="*/ 416393 h 625654"/>
+                <a:gd name="connsiteX6" fmla="*/ 890437 w 909954"/>
+                <a:gd name="connsiteY6" fmla="*/ 412589 h 625654"/>
+                <a:gd name="connsiteX7" fmla="*/ 704006 w 909954"/>
+                <a:gd name="connsiteY7" fmla="*/ 208403 h 625654"/>
+                <a:gd name="connsiteX8" fmla="*/ 313389 w 909954"/>
+                <a:gd name="connsiteY8" fmla="*/ 190647 h 625654"/>
+                <a:gd name="connsiteX9" fmla="*/ 197979 w 909954"/>
+                <a:gd name="connsiteY9" fmla="*/ 270546 h 625654"/>
+                <a:gd name="connsiteX10" fmla="*/ 251245 w 909954"/>
+                <a:gd name="connsiteY10" fmla="*/ 377078 h 625654"/>
+                <a:gd name="connsiteX11" fmla="*/ 402166 w 909954"/>
+                <a:gd name="connsiteY11" fmla="*/ 474733 h 625654"/>
+                <a:gd name="connsiteX12" fmla="*/ 506478 w 909954"/>
+                <a:gd name="connsiteY12" fmla="*/ 602904 h 625654"/>
+                <a:gd name="connsiteX13" fmla="*/ 524585 w 909954"/>
+                <a:gd name="connsiteY13" fmla="*/ 625654 h 625654"/>
+                <a:gd name="connsiteX14" fmla="*/ 312827 w 909954"/>
+                <a:gd name="connsiteY14" fmla="*/ 625653 h 625654"/>
+                <a:gd name="connsiteX15" fmla="*/ 6356 w 909954"/>
+                <a:gd name="connsiteY15" fmla="*/ 375872 h 625654"/>
+                <a:gd name="connsiteX16" fmla="*/ 0 w 909954"/>
+                <a:gd name="connsiteY16" fmla="*/ 312827 h 625654"/>
+                <a:gd name="connsiteX17" fmla="*/ 6356 w 909954"/>
+                <a:gd name="connsiteY17" fmla="*/ 249781 h 625654"/>
+                <a:gd name="connsiteX18" fmla="*/ 312827 w 909954"/>
+                <a:gd name="connsiteY18" fmla="*/ 0 h 625654"/>
+              </a:gdLst>
+              <a:ahLst/>
+              <a:cxnLst>
+                <a:cxn ang="0">
+                  <a:pos x="connsiteX0" y="connsiteY0"/>
+                </a:cxn>
+                <a:cxn ang="0">
+                  <a:pos x="connsiteX1" y="connsiteY1"/>
+                </a:cxn>
+                <a:cxn ang="0">
+                  <a:pos x="connsiteX2" y="connsiteY2"/>
+                </a:cxn>
+                <a:cxn ang="0">
+                  <a:pos x="connsiteX3" y="connsiteY3"/>
+                </a:cxn>
+                <a:cxn ang="0">
+                  <a:pos x="connsiteX4" y="connsiteY4"/>
+                </a:cxn>
+                <a:cxn ang="0">
+                  <a:pos x="connsiteX5" y="connsiteY5"/>
+                </a:cxn>
+                <a:cxn ang="0">
+                  <a:pos x="connsiteX6" y="connsiteY6"/>
+                </a:cxn>
+                <a:cxn ang="0">
+                  <a:pos x="connsiteX7" y="connsiteY7"/>
+                </a:cxn>
+                <a:cxn ang="0">
+                  <a:pos x="connsiteX8" y="connsiteY8"/>
+                </a:cxn>
+                <a:cxn ang="0">
+                  <a:pos x="connsiteX9" y="connsiteY9"/>
+                </a:cxn>
+                <a:cxn ang="0">
+                  <a:pos x="connsiteX10" y="connsiteY10"/>
+                </a:cxn>
+                <a:cxn ang="0">
+                  <a:pos x="connsiteX11" y="connsiteY11"/>
+                </a:cxn>
+                <a:cxn ang="0">
+                  <a:pos x="connsiteX12" y="connsiteY12"/>
+                </a:cxn>
+                <a:cxn ang="0">
+                  <a:pos x="connsiteX13" y="connsiteY13"/>
+                </a:cxn>
+                <a:cxn ang="0">
+                  <a:pos x="connsiteX14" y="connsiteY14"/>
+                </a:cxn>
+                <a:cxn ang="0">
+                  <a:pos x="connsiteX15" y="connsiteY15"/>
+                </a:cxn>
+                <a:cxn ang="0">
+                  <a:pos x="connsiteX16" y="connsiteY16"/>
+                </a:cxn>
+                <a:cxn ang="0">
+                  <a:pos x="connsiteX17" y="connsiteY17"/>
+                </a:cxn>
+                <a:cxn ang="0">
+                  <a:pos x="connsiteX18" y="connsiteY18"/>
+                </a:cxn>
+              </a:cxnLst>
+              <a:rect l="l" t="t" r="r" b="b"/>
+              <a:pathLst>
+                <a:path w="909954" h="625654">
+                  <a:moveTo>
+                    <a:pt x="312827" y="0"/>
+                  </a:moveTo>
+                  <a:lnTo>
+                    <a:pt x="597127" y="0"/>
+                  </a:lnTo>
+                  <a:cubicBezTo>
+                    <a:pt x="769897" y="0"/>
+                    <a:pt x="909954" y="140057"/>
+                    <a:pt x="909954" y="312827"/>
+                  </a:cubicBezTo>
+                  <a:lnTo>
+                    <a:pt x="909953" y="312827"/>
+                  </a:lnTo>
+                  <a:cubicBezTo>
+                    <a:pt x="909953" y="334423"/>
+                    <a:pt x="907765" y="355508"/>
+                    <a:pt x="903597" y="375873"/>
+                  </a:cubicBezTo>
+                  <a:lnTo>
+                    <a:pt x="891020" y="416393"/>
+                  </a:lnTo>
+                  <a:lnTo>
+                    <a:pt x="890437" y="412589"/>
+                  </a:lnTo>
+                  <a:cubicBezTo>
+                    <a:pt x="869722" y="372640"/>
+                    <a:pt x="800181" y="245393"/>
+                    <a:pt x="704006" y="208403"/>
+                  </a:cubicBezTo>
+                  <a:cubicBezTo>
+                    <a:pt x="607831" y="171413"/>
+                    <a:pt x="397727" y="180290"/>
+                    <a:pt x="313389" y="190647"/>
+                  </a:cubicBezTo>
+                  <a:cubicBezTo>
+                    <a:pt x="229051" y="201004"/>
+                    <a:pt x="208336" y="239474"/>
+                    <a:pt x="197979" y="270546"/>
+                  </a:cubicBezTo>
+                  <a:cubicBezTo>
+                    <a:pt x="187622" y="301618"/>
+                    <a:pt x="217214" y="343047"/>
+                    <a:pt x="251245" y="377078"/>
+                  </a:cubicBezTo>
+                  <a:cubicBezTo>
+                    <a:pt x="285276" y="411109"/>
+                    <a:pt x="342981" y="418508"/>
+                    <a:pt x="402166" y="474733"/>
+                  </a:cubicBezTo>
+                  <a:cubicBezTo>
+                    <a:pt x="431758" y="502846"/>
+                    <a:pt x="469488" y="554262"/>
+                    <a:pt x="506478" y="602904"/>
+                  </a:cubicBezTo>
+                  <a:lnTo>
+                    <a:pt x="524585" y="625654"/>
+                  </a:lnTo>
+                  <a:lnTo>
+                    <a:pt x="312827" y="625653"/>
+                  </a:lnTo>
+                  <a:cubicBezTo>
+                    <a:pt x="161653" y="625653"/>
+                    <a:pt x="35526" y="518422"/>
+                    <a:pt x="6356" y="375872"/>
+                  </a:cubicBezTo>
+                  <a:lnTo>
+                    <a:pt x="0" y="312827"/>
+                  </a:lnTo>
+                  <a:lnTo>
+                    <a:pt x="6356" y="249781"/>
+                  </a:lnTo>
+                  <a:cubicBezTo>
+                    <a:pt x="35526" y="107231"/>
+                    <a:pt x="161653" y="0"/>
+                    <a:pt x="312827" y="0"/>
+                  </a:cubicBezTo>
+                  <a:close/>
+                </a:path>
+              </a:pathLst>
+            </a:custGeom>
+            <a:solidFill>
+              <a:srgbClr val="ABABAB"/>
+            </a:solidFill>
+            <a:ln>
+              <a:noFill/>
+            </a:ln>
+          </p:spPr>
+          <p:style>
+            <a:lnRef idx="2">
+              <a:schemeClr val="accent1">
+                <a:shade val="50000"/>
+              </a:schemeClr>
+            </a:lnRef>
+            <a:fillRef idx="1">
+              <a:schemeClr val="accent1"/>
+            </a:fillRef>
+            <a:effectRef idx="0">
+              <a:schemeClr val="accent1"/>
+            </a:effectRef>
+            <a:fontRef idx="minor">
+              <a:schemeClr val="lt1"/>
+            </a:fontRef>
+          </p:style>
+          <p:txBody>
+            <a:bodyPr rtlCol="0" anchor="ctr"/>
+            <a:lstStyle/>
+            <a:p>
+              <a:pPr algn="ctr"/>
+              <a:endParaRPr lang="ko-KR" altLang="en-US"/>
+            </a:p>
+          </p:txBody>
+        </p:sp>
+        <p:sp>
+          <p:nvSpPr>
+            <p:cNvPr id="161" name="자유형 160"/>
+            <p:cNvSpPr/>
+            <p:nvPr/>
+          </p:nvSpPr>
+          <p:spPr>
+            <a:xfrm flipH="1" flipV="1">
+              <a:off x="7337524" y="3783693"/>
+              <a:ext cx="909951" cy="625654"/>
+            </a:xfrm>
+            <a:custGeom>
+              <a:avLst/>
+              <a:gdLst>
+                <a:gd name="connsiteX0" fmla="*/ 312827 w 909954"/>
+                <a:gd name="connsiteY0" fmla="*/ 0 h 625654"/>
+                <a:gd name="connsiteX1" fmla="*/ 597127 w 909954"/>
+                <a:gd name="connsiteY1" fmla="*/ 0 h 625654"/>
+                <a:gd name="connsiteX2" fmla="*/ 909954 w 909954"/>
+                <a:gd name="connsiteY2" fmla="*/ 312827 h 625654"/>
+                <a:gd name="connsiteX3" fmla="*/ 909953 w 909954"/>
+                <a:gd name="connsiteY3" fmla="*/ 312827 h 625654"/>
+                <a:gd name="connsiteX4" fmla="*/ 903597 w 909954"/>
+                <a:gd name="connsiteY4" fmla="*/ 375873 h 625654"/>
+                <a:gd name="connsiteX5" fmla="*/ 891020 w 909954"/>
+                <a:gd name="connsiteY5" fmla="*/ 416393 h 625654"/>
+                <a:gd name="connsiteX6" fmla="*/ 890437 w 909954"/>
+                <a:gd name="connsiteY6" fmla="*/ 412589 h 625654"/>
+                <a:gd name="connsiteX7" fmla="*/ 704006 w 909954"/>
+                <a:gd name="connsiteY7" fmla="*/ 208403 h 625654"/>
+                <a:gd name="connsiteX8" fmla="*/ 313389 w 909954"/>
+                <a:gd name="connsiteY8" fmla="*/ 190647 h 625654"/>
+                <a:gd name="connsiteX9" fmla="*/ 197979 w 909954"/>
+                <a:gd name="connsiteY9" fmla="*/ 270546 h 625654"/>
+                <a:gd name="connsiteX10" fmla="*/ 251245 w 909954"/>
+                <a:gd name="connsiteY10" fmla="*/ 377078 h 625654"/>
+                <a:gd name="connsiteX11" fmla="*/ 402166 w 909954"/>
+                <a:gd name="connsiteY11" fmla="*/ 474733 h 625654"/>
+                <a:gd name="connsiteX12" fmla="*/ 506478 w 909954"/>
+                <a:gd name="connsiteY12" fmla="*/ 602904 h 625654"/>
+                <a:gd name="connsiteX13" fmla="*/ 524585 w 909954"/>
+                <a:gd name="connsiteY13" fmla="*/ 625654 h 625654"/>
+                <a:gd name="connsiteX14" fmla="*/ 312827 w 909954"/>
+                <a:gd name="connsiteY14" fmla="*/ 625653 h 625654"/>
+                <a:gd name="connsiteX15" fmla="*/ 6356 w 909954"/>
+                <a:gd name="connsiteY15" fmla="*/ 375872 h 625654"/>
+                <a:gd name="connsiteX16" fmla="*/ 0 w 909954"/>
+                <a:gd name="connsiteY16" fmla="*/ 312827 h 625654"/>
+                <a:gd name="connsiteX17" fmla="*/ 6356 w 909954"/>
+                <a:gd name="connsiteY17" fmla="*/ 249781 h 625654"/>
+                <a:gd name="connsiteX18" fmla="*/ 312827 w 909954"/>
+                <a:gd name="connsiteY18" fmla="*/ 0 h 625654"/>
+              </a:gdLst>
+              <a:ahLst/>
+              <a:cxnLst>
+                <a:cxn ang="0">
+                  <a:pos x="connsiteX0" y="connsiteY0"/>
+                </a:cxn>
+                <a:cxn ang="0">
+                  <a:pos x="connsiteX1" y="connsiteY1"/>
+                </a:cxn>
+                <a:cxn ang="0">
+                  <a:pos x="connsiteX2" y="connsiteY2"/>
+                </a:cxn>
+                <a:cxn ang="0">
+                  <a:pos x="connsiteX3" y="connsiteY3"/>
+                </a:cxn>
+                <a:cxn ang="0">
+                  <a:pos x="connsiteX4" y="connsiteY4"/>
+                </a:cxn>
+                <a:cxn ang="0">
+                  <a:pos x="connsiteX5" y="connsiteY5"/>
+                </a:cxn>
+                <a:cxn ang="0">
+                  <a:pos x="connsiteX6" y="connsiteY6"/>
+                </a:cxn>
+                <a:cxn ang="0">
+                  <a:pos x="connsiteX7" y="connsiteY7"/>
+                </a:cxn>
+                <a:cxn ang="0">
+                  <a:pos x="connsiteX8" y="connsiteY8"/>
+                </a:cxn>
+                <a:cxn ang="0">
+                  <a:pos x="connsiteX9" y="connsiteY9"/>
+                </a:cxn>
+                <a:cxn ang="0">
+                  <a:pos x="connsiteX10" y="connsiteY10"/>
+                </a:cxn>
+                <a:cxn ang="0">
+                  <a:pos x="connsiteX11" y="connsiteY11"/>
+                </a:cxn>
+                <a:cxn ang="0">
+                  <a:pos x="connsiteX12" y="connsiteY12"/>
+                </a:cxn>
+                <a:cxn ang="0">
+                  <a:pos x="connsiteX13" y="connsiteY13"/>
+                </a:cxn>
+                <a:cxn ang="0">
+                  <a:pos x="connsiteX14" y="connsiteY14"/>
+                </a:cxn>
+                <a:cxn ang="0">
+                  <a:pos x="connsiteX15" y="connsiteY15"/>
+                </a:cxn>
+                <a:cxn ang="0">
+                  <a:pos x="connsiteX16" y="connsiteY16"/>
+                </a:cxn>
+                <a:cxn ang="0">
+                  <a:pos x="connsiteX17" y="connsiteY17"/>
+                </a:cxn>
+                <a:cxn ang="0">
+                  <a:pos x="connsiteX18" y="connsiteY18"/>
+                </a:cxn>
+              </a:cxnLst>
+              <a:rect l="l" t="t" r="r" b="b"/>
+              <a:pathLst>
+                <a:path w="909954" h="625654">
+                  <a:moveTo>
+                    <a:pt x="312827" y="0"/>
+                  </a:moveTo>
+                  <a:lnTo>
+                    <a:pt x="597127" y="0"/>
+                  </a:lnTo>
+                  <a:cubicBezTo>
+                    <a:pt x="769897" y="0"/>
+                    <a:pt x="909954" y="140057"/>
+                    <a:pt x="909954" y="312827"/>
+                  </a:cubicBezTo>
+                  <a:lnTo>
+                    <a:pt x="909953" y="312827"/>
+                  </a:lnTo>
+                  <a:cubicBezTo>
+                    <a:pt x="909953" y="334423"/>
+                    <a:pt x="907765" y="355508"/>
+                    <a:pt x="903597" y="375873"/>
+                  </a:cubicBezTo>
+                  <a:lnTo>
+                    <a:pt x="891020" y="416393"/>
+                  </a:lnTo>
+                  <a:lnTo>
+                    <a:pt x="890437" y="412589"/>
+                  </a:lnTo>
+                  <a:cubicBezTo>
+                    <a:pt x="869722" y="372640"/>
+                    <a:pt x="800181" y="245393"/>
+                    <a:pt x="704006" y="208403"/>
+                  </a:cubicBezTo>
+                  <a:cubicBezTo>
+                    <a:pt x="607831" y="171413"/>
+                    <a:pt x="397727" y="180290"/>
+                    <a:pt x="313389" y="190647"/>
+                  </a:cubicBezTo>
+                  <a:cubicBezTo>
+                    <a:pt x="229051" y="201004"/>
+                    <a:pt x="208336" y="239474"/>
+                    <a:pt x="197979" y="270546"/>
+                  </a:cubicBezTo>
+                  <a:cubicBezTo>
+                    <a:pt x="187622" y="301618"/>
+                    <a:pt x="217214" y="343047"/>
+                    <a:pt x="251245" y="377078"/>
+                  </a:cubicBezTo>
+                  <a:cubicBezTo>
+                    <a:pt x="285276" y="411109"/>
+                    <a:pt x="342981" y="418508"/>
+                    <a:pt x="402166" y="474733"/>
+                  </a:cubicBezTo>
+                  <a:cubicBezTo>
+                    <a:pt x="431758" y="502846"/>
+                    <a:pt x="469488" y="554262"/>
+                    <a:pt x="506478" y="602904"/>
+                  </a:cubicBezTo>
+                  <a:lnTo>
+                    <a:pt x="524585" y="625654"/>
+                  </a:lnTo>
+                  <a:lnTo>
+                    <a:pt x="312827" y="625653"/>
+                  </a:lnTo>
+                  <a:cubicBezTo>
+                    <a:pt x="161653" y="625653"/>
+                    <a:pt x="35526" y="518422"/>
+                    <a:pt x="6356" y="375872"/>
+                  </a:cubicBezTo>
+                  <a:lnTo>
+                    <a:pt x="0" y="312827"/>
+                  </a:lnTo>
+                  <a:lnTo>
+                    <a:pt x="6356" y="249781"/>
+                  </a:lnTo>
+                  <a:cubicBezTo>
+                    <a:pt x="35526" y="107231"/>
+                    <a:pt x="161653" y="0"/>
+                    <a:pt x="312827" y="0"/>
+                  </a:cubicBezTo>
+                  <a:close/>
+                </a:path>
+              </a:pathLst>
+            </a:custGeom>
+            <a:solidFill>
+              <a:srgbClr val="ABABAB"/>
+            </a:solidFill>
+            <a:ln>
+              <a:noFill/>
+            </a:ln>
+          </p:spPr>
+          <p:style>
+            <a:lnRef idx="2">
+              <a:schemeClr val="accent1">
+                <a:shade val="50000"/>
+              </a:schemeClr>
+            </a:lnRef>
+            <a:fillRef idx="1">
+              <a:schemeClr val="accent1"/>
+            </a:fillRef>
+            <a:effectRef idx="0">
+              <a:schemeClr val="accent1"/>
+            </a:effectRef>
+            <a:fontRef idx="minor">
+              <a:schemeClr val="lt1"/>
+            </a:fontRef>
+          </p:style>
+          <p:txBody>
+            <a:bodyPr rtlCol="0" anchor="ctr"/>
+            <a:lstStyle/>
+            <a:p>
+              <a:pPr algn="ctr"/>
+              <a:endParaRPr lang="ko-KR" altLang="en-US"/>
+            </a:p>
+          </p:txBody>
+        </p:sp>
+      </p:grpSp>
+      <p:sp>
+        <p:nvSpPr>
+          <p:cNvPr id="117" name="모서리가 둥근 사각형 설명선 116"/>
+          <p:cNvSpPr/>
+          <p:nvPr/>
+        </p:nvSpPr>
+        <p:spPr>
+          <a:xfrm>
+            <a:off x="732193" y="54398"/>
+            <a:ext cx="648177" cy="299960"/>
+          </a:xfrm>
+          <a:prstGeom prst="wedgeRoundRectCallout">
+            <a:avLst/>
+          </a:prstGeom>
+        </p:spPr>
+        <p:style>
+          <a:lnRef idx="2">
+            <a:schemeClr val="accent1">
+              <a:shade val="50000"/>
+            </a:schemeClr>
+          </a:lnRef>
+          <a:fillRef idx="1">
+            <a:schemeClr val="accent1"/>
+          </a:fillRef>
+          <a:effectRef idx="0">
+            <a:schemeClr val="accent1"/>
+          </a:effectRef>
+          <a:fontRef idx="minor">
+            <a:schemeClr val="lt1"/>
+          </a:fontRef>
+        </p:style>
+        <p:txBody>
+          <a:bodyPr rtlCol="0" anchor="ctr"/>
+          <a:lstStyle/>
+          <a:p>
+            <a:pPr algn="ctr"/>
+            <a:endParaRPr lang="ko-KR" altLang="en-US"/>
+          </a:p>
+        </p:txBody>
+      </p:sp>
+      <p:pic>
+        <p:nvPicPr>
+          <p:cNvPr id="53" name="녹화_2017_01_29_13_18_34_538">
+            <a:hlinkClick r:id="" action="ppaction://media"/>
+          </p:cNvPr>
+          <p:cNvPicPr>
+            <a:picLocks noChangeAspect="1"/>
+          </p:cNvPicPr>
+          <p:nvPr>
+            <a:videoFile r:link="rId3"/>
+            <p:extLst>
+              <p:ext uri="{DAA4B4D4-6D71-4841-9C94-3DE7FCFB9230}">
+                <p14:media xmlns:p14="http://schemas.microsoft.com/office/powerpoint/2010/main" r:embed="rId2"/>
+              </p:ext>
+            </p:extLst>
+          </p:nvPr>
+        </p:nvPicPr>
+        <p:blipFill>
+          <a:blip r:embed="rId12"/>
+          <a:stretch>
+            <a:fillRect/>
+          </a:stretch>
+        </p:blipFill>
+        <p:spPr>
+          <a:xfrm>
+            <a:off x="9919854" y="5579918"/>
+            <a:ext cx="2272146" cy="1278082"/>
+          </a:xfrm>
+          <a:prstGeom prst="rect">
+            <a:avLst/>
+          </a:prstGeom>
+        </p:spPr>
+      </p:pic>
+      <p:pic>
+        <p:nvPicPr>
+          <p:cNvPr id="57" name="나루호도 류이치 - 이의 있소">
+            <a:hlinkClick r:id="" action="ppaction://media"/>
+          </p:cNvPr>
+          <p:cNvPicPr>
+            <a:picLocks noChangeAspect="1"/>
+          </p:cNvPicPr>
+          <p:nvPr>
+            <a:audioFile r:link="rId5"/>
+            <p:extLst>
+              <p:ext uri="{DAA4B4D4-6D71-4841-9C94-3DE7FCFB9230}">
+                <p14:media xmlns:p14="http://schemas.microsoft.com/office/powerpoint/2010/main" r:embed="rId4"/>
+              </p:ext>
+            </p:extLst>
+          </p:nvPr>
+        </p:nvPicPr>
+        <p:blipFill>
+          <a:blip r:embed="rId13"/>
+          <a:stretch>
+            <a:fillRect/>
+          </a:stretch>
+        </p:blipFill>
+        <p:spPr>
+          <a:xfrm>
+            <a:off x="10751127" y="4859482"/>
+            <a:ext cx="609600" cy="609600"/>
+          </a:xfrm>
+          <a:prstGeom prst="rect">
+            <a:avLst/>
+          </a:prstGeom>
+        </p:spPr>
+      </p:pic>
+      <p:sp>
+        <p:nvSpPr>
+          <p:cNvPr id="61" name="날짜 개체 틀 60"/>
+          <p:cNvSpPr>
+            <a:spLocks noGrp="1"/>
+          </p:cNvSpPr>
+          <p:nvPr>
+            <p:ph type="dt" sz="half" idx="10"/>
+          </p:nvPr>
+        </p:nvSpPr>
+        <p:spPr/>
+        <p:txBody>
+          <a:bodyPr/>
+          <a:lstStyle/>
+          <a:p>
+            <a:fld id="{C0B47723-C5FF-4525-8E7D-F825FAE0663E}" type="datetime1">
+              <a:rPr lang="ko-KR" altLang="en-US" smtClean="0"/>
+              <a:t>2017-01-29</a:t>
+            </a:fld>
+            <a:endParaRPr lang="ko-KR" altLang="en-US" dirty="0"/>
+          </a:p>
+        </p:txBody>
+      </p:sp>
+      <p:pic>
+        <p:nvPicPr>
+          <p:cNvPr id="63" name="그림 62"/>
+          <p:cNvPicPr>
+            <a:picLocks noChangeAspect="1"/>
+          </p:cNvPicPr>
+          <p:nvPr/>
+        </p:nvPicPr>
+        <p:blipFill>
+          <a:blip r:embed="rId14"/>
+          <a:stretch>
+            <a:fillRect/>
+          </a:stretch>
+        </p:blipFill>
+        <p:spPr>
+          <a:xfrm>
+            <a:off x="3078180" y="4538146"/>
+            <a:ext cx="1097783" cy="1041773"/>
+          </a:xfrm>
+          <a:prstGeom prst="rect">
+            <a:avLst/>
+          </a:prstGeom>
+        </p:spPr>
+      </p:pic>
+      <p:sp>
+        <p:nvSpPr>
+          <p:cNvPr id="152" name="자유형 151"/>
+          <p:cNvSpPr/>
+          <p:nvPr/>
+        </p:nvSpPr>
+        <p:spPr>
+          <a:xfrm>
+            <a:off x="6690619" y="4225090"/>
+            <a:ext cx="212255" cy="225238"/>
+          </a:xfrm>
+          <a:custGeom>
+            <a:avLst/>
+            <a:gdLst>
+              <a:gd name="connsiteX0" fmla="*/ 71478 w 564359"/>
+              <a:gd name="connsiteY0" fmla="*/ 210040 h 598876"/>
+              <a:gd name="connsiteX1" fmla="*/ 73859 w 564359"/>
+              <a:gd name="connsiteY1" fmla="*/ 424353 h 598876"/>
+              <a:gd name="connsiteX2" fmla="*/ 254834 w 564359"/>
+              <a:gd name="connsiteY2" fmla="*/ 514840 h 598876"/>
+              <a:gd name="connsiteX3" fmla="*/ 252453 w 564359"/>
+              <a:gd name="connsiteY3" fmla="*/ 295765 h 598876"/>
+              <a:gd name="connsiteX4" fmla="*/ 286981 w 564359"/>
+              <a:gd name="connsiteY4" fmla="*/ 73975 h 598876"/>
+              <a:gd name="connsiteX5" fmla="*/ 116721 w 564359"/>
+              <a:gd name="connsiteY5" fmla="*/ 158510 h 598876"/>
+              <a:gd name="connsiteX6" fmla="*/ 286981 w 564359"/>
+              <a:gd name="connsiteY6" fmla="*/ 243044 h 598876"/>
+              <a:gd name="connsiteX7" fmla="*/ 457240 w 564359"/>
+              <a:gd name="connsiteY7" fmla="*/ 158510 h 598876"/>
+              <a:gd name="connsiteX8" fmla="*/ 291853 w 564359"/>
+              <a:gd name="connsiteY8" fmla="*/ 40 h 598876"/>
+              <a:gd name="connsiteX9" fmla="*/ 340520 w 564359"/>
+              <a:gd name="connsiteY9" fmla="*/ 16114 h 598876"/>
+              <a:gd name="connsiteX10" fmla="*/ 533401 w 564359"/>
+              <a:gd name="connsiteY10" fmla="*/ 120888 h 598876"/>
+              <a:gd name="connsiteX11" fmla="*/ 564357 w 564359"/>
+              <a:gd name="connsiteY11" fmla="*/ 208996 h 598876"/>
+              <a:gd name="connsiteX12" fmla="*/ 564359 w 564359"/>
+              <a:gd name="connsiteY12" fmla="*/ 430453 h 598876"/>
+              <a:gd name="connsiteX13" fmla="*/ 521494 w 564359"/>
+              <a:gd name="connsiteY13" fmla="*/ 482838 h 598876"/>
+              <a:gd name="connsiteX14" fmla="*/ 321469 w 564359"/>
+              <a:gd name="connsiteY14" fmla="*/ 587614 h 598876"/>
+              <a:gd name="connsiteX15" fmla="*/ 245269 w 564359"/>
+              <a:gd name="connsiteY15" fmla="*/ 585233 h 598876"/>
+              <a:gd name="connsiteX16" fmla="*/ 57150 w 564359"/>
+              <a:gd name="connsiteY16" fmla="*/ 492364 h 598876"/>
+              <a:gd name="connsiteX17" fmla="*/ 0 w 564359"/>
+              <a:gd name="connsiteY17" fmla="*/ 425689 h 598876"/>
+              <a:gd name="connsiteX18" fmla="*/ 0 w 564359"/>
+              <a:gd name="connsiteY18" fmla="*/ 163752 h 598876"/>
+              <a:gd name="connsiteX19" fmla="*/ 54769 w 564359"/>
+              <a:gd name="connsiteY19" fmla="*/ 108982 h 598876"/>
+              <a:gd name="connsiteX20" fmla="*/ 247651 w 564359"/>
+              <a:gd name="connsiteY20" fmla="*/ 11350 h 598876"/>
+              <a:gd name="connsiteX21" fmla="*/ 291853 w 564359"/>
+              <a:gd name="connsiteY21" fmla="*/ 40 h 598876"/>
+            </a:gdLst>
+            <a:ahLst/>
+            <a:cxnLst>
+              <a:cxn ang="0">
+                <a:pos x="connsiteX0" y="connsiteY0"/>
+              </a:cxn>
+              <a:cxn ang="0">
+                <a:pos x="connsiteX1" y="connsiteY1"/>
+              </a:cxn>
+              <a:cxn ang="0">
+                <a:pos x="connsiteX2" y="connsiteY2"/>
+              </a:cxn>
+              <a:cxn ang="0">
+                <a:pos x="connsiteX3" y="connsiteY3"/>
+              </a:cxn>
+              <a:cxn ang="0">
+                <a:pos x="connsiteX4" y="connsiteY4"/>
+              </a:cxn>
+              <a:cxn ang="0">
+                <a:pos x="connsiteX5" y="connsiteY5"/>
+              </a:cxn>
+              <a:cxn ang="0">
+                <a:pos x="connsiteX6" y="connsiteY6"/>
+              </a:cxn>
+              <a:cxn ang="0">
+                <a:pos x="connsiteX7" y="connsiteY7"/>
+              </a:cxn>
+              <a:cxn ang="0">
+                <a:pos x="connsiteX8" y="connsiteY8"/>
+              </a:cxn>
+              <a:cxn ang="0">
+                <a:pos x="connsiteX9" y="connsiteY9"/>
+              </a:cxn>
+              <a:cxn ang="0">
+                <a:pos x="connsiteX10" y="connsiteY10"/>
+              </a:cxn>
+              <a:cxn ang="0">
+                <a:pos x="connsiteX11" y="connsiteY11"/>
+              </a:cxn>
+              <a:cxn ang="0">
+                <a:pos x="connsiteX12" y="connsiteY12"/>
+              </a:cxn>
+              <a:cxn ang="0">
+                <a:pos x="connsiteX13" y="connsiteY13"/>
+              </a:cxn>
+              <a:cxn ang="0">
+                <a:pos x="connsiteX14" y="connsiteY14"/>
+              </a:cxn>
+              <a:cxn ang="0">
+                <a:pos x="connsiteX15" y="connsiteY15"/>
+              </a:cxn>
+              <a:cxn ang="0">
+                <a:pos x="connsiteX16" y="connsiteY16"/>
+              </a:cxn>
+              <a:cxn ang="0">
+                <a:pos x="connsiteX17" y="connsiteY17"/>
+              </a:cxn>
+              <a:cxn ang="0">
+                <a:pos x="connsiteX18" y="connsiteY18"/>
+              </a:cxn>
+              <a:cxn ang="0">
+                <a:pos x="connsiteX19" y="connsiteY19"/>
+              </a:cxn>
+              <a:cxn ang="0">
+                <a:pos x="connsiteX20" y="connsiteY20"/>
+              </a:cxn>
+              <a:cxn ang="0">
+                <a:pos x="connsiteX21" y="connsiteY21"/>
+              </a:cxn>
+            </a:cxnLst>
+            <a:rect l="l" t="t" r="r" b="b"/>
+            <a:pathLst>
+              <a:path w="564359" h="598876">
+                <a:moveTo>
+                  <a:pt x="71478" y="210040"/>
+                </a:moveTo>
+                <a:cubicBezTo>
+                  <a:pt x="72272" y="281478"/>
+                  <a:pt x="73065" y="352915"/>
+                  <a:pt x="73859" y="424353"/>
+                </a:cubicBezTo>
+                <a:lnTo>
+                  <a:pt x="254834" y="514840"/>
+                </a:lnTo>
+                <a:cubicBezTo>
+                  <a:pt x="253247" y="440227"/>
+                  <a:pt x="254040" y="370378"/>
+                  <a:pt x="252453" y="295765"/>
+                </a:cubicBezTo>
+                <a:close/>
+                <a:moveTo>
+                  <a:pt x="286981" y="73975"/>
+                </a:moveTo>
+                <a:lnTo>
+                  <a:pt x="116721" y="158510"/>
+                </a:lnTo>
+                <a:lnTo>
+                  <a:pt x="286981" y="243044"/>
+                </a:lnTo>
+                <a:lnTo>
+                  <a:pt x="457240" y="158510"/>
+                </a:lnTo>
+                <a:close/>
+                <a:moveTo>
+                  <a:pt x="291853" y="40"/>
+                </a:moveTo>
+                <a:cubicBezTo>
+                  <a:pt x="302420" y="536"/>
+                  <a:pt x="313731" y="5597"/>
+                  <a:pt x="340520" y="16114"/>
+                </a:cubicBezTo>
+                <a:lnTo>
+                  <a:pt x="533401" y="120888"/>
+                </a:lnTo>
+                <a:cubicBezTo>
+                  <a:pt x="569120" y="147479"/>
+                  <a:pt x="560388" y="159783"/>
+                  <a:pt x="564357" y="208996"/>
+                </a:cubicBezTo>
+                <a:cubicBezTo>
+                  <a:pt x="564358" y="280434"/>
+                  <a:pt x="564358" y="359015"/>
+                  <a:pt x="564359" y="430453"/>
+                </a:cubicBezTo>
+                <a:cubicBezTo>
+                  <a:pt x="558406" y="474903"/>
+                  <a:pt x="561976" y="456645"/>
+                  <a:pt x="521494" y="482838"/>
+                </a:cubicBezTo>
+                <a:cubicBezTo>
+                  <a:pt x="481012" y="509031"/>
+                  <a:pt x="367507" y="570548"/>
+                  <a:pt x="321469" y="587614"/>
+                </a:cubicBezTo>
+                <a:cubicBezTo>
+                  <a:pt x="275432" y="604680"/>
+                  <a:pt x="289322" y="601108"/>
+                  <a:pt x="245269" y="585233"/>
+                </a:cubicBezTo>
+                <a:lnTo>
+                  <a:pt x="57150" y="492364"/>
+                </a:lnTo>
+                <a:cubicBezTo>
+                  <a:pt x="16272" y="465773"/>
+                  <a:pt x="9525" y="480458"/>
+                  <a:pt x="0" y="425689"/>
+                </a:cubicBezTo>
+                <a:lnTo>
+                  <a:pt x="0" y="163752"/>
+                </a:lnTo>
+                <a:cubicBezTo>
+                  <a:pt x="9128" y="110968"/>
+                  <a:pt x="45244" y="125651"/>
+                  <a:pt x="54769" y="108982"/>
+                </a:cubicBezTo>
+                <a:cubicBezTo>
+                  <a:pt x="119063" y="76438"/>
+                  <a:pt x="200026" y="26828"/>
+                  <a:pt x="247651" y="11350"/>
+                </a:cubicBezTo>
+                <a:cubicBezTo>
+                  <a:pt x="271464" y="3611"/>
+                  <a:pt x="281286" y="-457"/>
+                  <a:pt x="291853" y="40"/>
+                </a:cubicBezTo>
+                <a:close/>
+              </a:path>
+            </a:pathLst>
+          </a:custGeom>
+          <a:solidFill>
+            <a:srgbClr val="ED7D31"/>
+          </a:solidFill>
+          <a:ln>
+            <a:noFill/>
+          </a:ln>
+        </p:spPr>
+        <p:style>
+          <a:lnRef idx="2">
+            <a:schemeClr val="accent1">
+              <a:shade val="50000"/>
+            </a:schemeClr>
+          </a:lnRef>
+          <a:fillRef idx="1">
+            <a:schemeClr val="accent1"/>
+          </a:fillRef>
+          <a:effectRef idx="0">
+            <a:schemeClr val="accent1"/>
+          </a:effectRef>
+          <a:fontRef idx="minor">
+            <a:schemeClr val="lt1"/>
+          </a:fontRef>
+        </p:style>
+        <p:txBody>
+          <a:bodyPr rtlCol="0" anchor="ctr"/>
+          <a:lstStyle/>
+          <a:p>
+            <a:pPr algn="ctr"/>
+            <a:endParaRPr lang="ko-KR" altLang="en-US"/>
+          </a:p>
+        </p:txBody>
+      </p:sp>
+      <p:sp>
+        <p:nvSpPr>
+          <p:cNvPr id="167" name="자유형 166"/>
+          <p:cNvSpPr/>
+          <p:nvPr/>
+        </p:nvSpPr>
+        <p:spPr>
+          <a:xfrm>
+            <a:off x="6752999" y="4132210"/>
+            <a:ext cx="184984" cy="127771"/>
+          </a:xfrm>
+          <a:custGeom>
+            <a:avLst/>
+            <a:gdLst>
+              <a:gd name="connsiteX0" fmla="*/ 249238 w 491848"/>
+              <a:gd name="connsiteY0" fmla="*/ 0 h 339725"/>
+              <a:gd name="connsiteX1" fmla="*/ 478890 w 491848"/>
+              <a:gd name="connsiteY1" fmla="*/ 160242 h 339725"/>
+              <a:gd name="connsiteX2" fmla="*/ 491848 w 491848"/>
+              <a:gd name="connsiteY2" fmla="*/ 204188 h 339725"/>
+              <a:gd name="connsiteX3" fmla="*/ 406401 w 491848"/>
+              <a:gd name="connsiteY3" fmla="*/ 339725 h 339725"/>
+              <a:gd name="connsiteX4" fmla="*/ 301626 w 491848"/>
+              <a:gd name="connsiteY4" fmla="*/ 282575 h 339725"/>
+              <a:gd name="connsiteX5" fmla="*/ 323352 w 491848"/>
+              <a:gd name="connsiteY5" fmla="*/ 247023 h 339725"/>
+              <a:gd name="connsiteX6" fmla="*/ 327622 w 491848"/>
+              <a:gd name="connsiteY6" fmla="*/ 234552 h 339725"/>
+              <a:gd name="connsiteX7" fmla="*/ 339727 w 491848"/>
+              <a:gd name="connsiteY7" fmla="*/ 187324 h 339725"/>
+              <a:gd name="connsiteX8" fmla="*/ 323852 w 491848"/>
+              <a:gd name="connsiteY8" fmla="*/ 117474 h 339725"/>
+              <a:gd name="connsiteX9" fmla="*/ 260352 w 491848"/>
+              <a:gd name="connsiteY9" fmla="*/ 95249 h 339725"/>
+              <a:gd name="connsiteX10" fmla="*/ 165102 w 491848"/>
+              <a:gd name="connsiteY10" fmla="*/ 111124 h 339725"/>
+              <a:gd name="connsiteX11" fmla="*/ 93196 w 491848"/>
+              <a:gd name="connsiteY11" fmla="*/ 174819 h 339725"/>
+              <a:gd name="connsiteX12" fmla="*/ 85635 w 491848"/>
+              <a:gd name="connsiteY12" fmla="*/ 183209 h 339725"/>
+              <a:gd name="connsiteX13" fmla="*/ 73026 w 491848"/>
+              <a:gd name="connsiteY13" fmla="*/ 228600 h 339725"/>
+              <a:gd name="connsiteX14" fmla="*/ 69851 w 491848"/>
+              <a:gd name="connsiteY14" fmla="*/ 244475 h 339725"/>
+              <a:gd name="connsiteX15" fmla="*/ 875 w 491848"/>
+              <a:gd name="connsiteY15" fmla="*/ 271506 h 339725"/>
+              <a:gd name="connsiteX16" fmla="*/ 0 w 491848"/>
+              <a:gd name="connsiteY16" fmla="*/ 262367 h 339725"/>
+              <a:gd name="connsiteX17" fmla="*/ 249238 w 491848"/>
+              <a:gd name="connsiteY17" fmla="*/ 0 h 339725"/>
+            </a:gdLst>
+            <a:ahLst/>
+            <a:cxnLst>
+              <a:cxn ang="0">
+                <a:pos x="connsiteX0" y="connsiteY0"/>
+              </a:cxn>
+              <a:cxn ang="0">
+                <a:pos x="connsiteX1" y="connsiteY1"/>
+              </a:cxn>
+              <a:cxn ang="0">
+                <a:pos x="connsiteX2" y="connsiteY2"/>
+              </a:cxn>
+              <a:cxn ang="0">
+                <a:pos x="connsiteX3" y="connsiteY3"/>
+              </a:cxn>
+              <a:cxn ang="0">
+                <a:pos x="connsiteX4" y="connsiteY4"/>
+              </a:cxn>
+              <a:cxn ang="0">
+                <a:pos x="connsiteX5" y="connsiteY5"/>
+              </a:cxn>
+              <a:cxn ang="0">
+                <a:pos x="connsiteX6" y="connsiteY6"/>
+              </a:cxn>
+              <a:cxn ang="0">
+                <a:pos x="connsiteX7" y="connsiteY7"/>
+              </a:cxn>
+              <a:cxn ang="0">
+                <a:pos x="connsiteX8" y="connsiteY8"/>
+              </a:cxn>
+              <a:cxn ang="0">
+                <a:pos x="connsiteX9" y="connsiteY9"/>
+              </a:cxn>
+              <a:cxn ang="0">
+                <a:pos x="connsiteX10" y="connsiteY10"/>
+              </a:cxn>
+              <a:cxn ang="0">
+                <a:pos x="connsiteX11" y="connsiteY11"/>
+              </a:cxn>
+              <a:cxn ang="0">
+                <a:pos x="connsiteX12" y="connsiteY12"/>
+              </a:cxn>
+              <a:cxn ang="0">
+                <a:pos x="connsiteX13" y="connsiteY13"/>
+              </a:cxn>
+              <a:cxn ang="0">
+                <a:pos x="connsiteX14" y="connsiteY14"/>
+              </a:cxn>
+              <a:cxn ang="0">
+                <a:pos x="connsiteX15" y="connsiteY15"/>
+              </a:cxn>
+              <a:cxn ang="0">
+                <a:pos x="connsiteX16" y="connsiteY16"/>
+              </a:cxn>
+              <a:cxn ang="0">
+                <a:pos x="connsiteX17" y="connsiteY17"/>
+              </a:cxn>
+            </a:cxnLst>
+            <a:rect l="l" t="t" r="r" b="b"/>
+            <a:pathLst>
+              <a:path w="491848" h="339725">
+                <a:moveTo>
+                  <a:pt x="249238" y="0"/>
+                </a:moveTo>
+                <a:cubicBezTo>
+                  <a:pt x="352476" y="0"/>
+                  <a:pt x="441053" y="66075"/>
+                  <a:pt x="478890" y="160242"/>
+                </a:cubicBezTo>
+                <a:lnTo>
+                  <a:pt x="491848" y="204188"/>
+                </a:lnTo>
+                <a:lnTo>
+                  <a:pt x="406401" y="339725"/>
+                </a:lnTo>
+                <a:lnTo>
+                  <a:pt x="301626" y="282575"/>
+                </a:lnTo>
+                <a:lnTo>
+                  <a:pt x="323352" y="247023"/>
+                </a:lnTo>
+                <a:lnTo>
+                  <a:pt x="327622" y="234552"/>
+                </a:lnTo>
+                <a:cubicBezTo>
+                  <a:pt x="334568" y="218016"/>
+                  <a:pt x="340355" y="206837"/>
+                  <a:pt x="339727" y="187324"/>
+                </a:cubicBezTo>
+                <a:cubicBezTo>
+                  <a:pt x="339099" y="167811"/>
+                  <a:pt x="337081" y="132820"/>
+                  <a:pt x="323852" y="117474"/>
+                </a:cubicBezTo>
+                <a:cubicBezTo>
+                  <a:pt x="310623" y="102128"/>
+                  <a:pt x="286810" y="96307"/>
+                  <a:pt x="260352" y="95249"/>
+                </a:cubicBezTo>
+                <a:cubicBezTo>
+                  <a:pt x="233894" y="94191"/>
+                  <a:pt x="195794" y="94720"/>
+                  <a:pt x="165102" y="111124"/>
+                </a:cubicBezTo>
+                <a:cubicBezTo>
+                  <a:pt x="142083" y="123427"/>
+                  <a:pt x="113479" y="152692"/>
+                  <a:pt x="93196" y="174819"/>
+                </a:cubicBezTo>
+                <a:lnTo>
+                  <a:pt x="85635" y="183209"/>
+                </a:lnTo>
+                <a:lnTo>
+                  <a:pt x="73026" y="228600"/>
+                </a:lnTo>
+                <a:lnTo>
+                  <a:pt x="69851" y="244475"/>
+                </a:lnTo>
+                <a:lnTo>
+                  <a:pt x="875" y="271506"/>
+                </a:lnTo>
+                <a:lnTo>
+                  <a:pt x="0" y="262367"/>
+                </a:lnTo>
+                <a:cubicBezTo>
+                  <a:pt x="0" y="117466"/>
+                  <a:pt x="111588" y="0"/>
+                  <a:pt x="249238" y="0"/>
+                </a:cubicBezTo>
+                <a:close/>
+              </a:path>
+            </a:pathLst>
+          </a:custGeom>
+          <a:solidFill>
+            <a:srgbClr val="5B9BD5"/>
+          </a:solidFill>
+          <a:ln>
+            <a:noFill/>
+          </a:ln>
+        </p:spPr>
+        <p:style>
+          <a:lnRef idx="2">
+            <a:schemeClr val="accent1">
+              <a:shade val="50000"/>
+            </a:schemeClr>
+          </a:lnRef>
+          <a:fillRef idx="1">
+            <a:schemeClr val="accent1"/>
+          </a:fillRef>
+          <a:effectRef idx="0">
+            <a:schemeClr val="accent1"/>
+          </a:effectRef>
+          <a:fontRef idx="minor">
+            <a:schemeClr val="lt1"/>
+          </a:fontRef>
+        </p:style>
+        <p:txBody>
+          <a:bodyPr rtlCol="0" anchor="ctr"/>
+          <a:lstStyle/>
+          <a:p>
+            <a:pPr algn="ctr"/>
+            <a:endParaRPr lang="ko-KR" altLang="en-US"/>
+          </a:p>
+        </p:txBody>
+      </p:sp>
+      <p:sp>
+        <p:nvSpPr>
+          <p:cNvPr id="174" name="자유형 173"/>
+          <p:cNvSpPr/>
+          <p:nvPr/>
+        </p:nvSpPr>
+        <p:spPr>
+          <a:xfrm>
+            <a:off x="6910721" y="4201936"/>
+            <a:ext cx="150344" cy="208971"/>
+          </a:xfrm>
+          <a:custGeom>
+            <a:avLst/>
+            <a:gdLst>
+              <a:gd name="connsiteX0" fmla="*/ 124694 w 399745"/>
+              <a:gd name="connsiteY0" fmla="*/ 0 h 555625"/>
+              <a:gd name="connsiteX1" fmla="*/ 378938 w 399745"/>
+              <a:gd name="connsiteY1" fmla="*/ 426983 h 555625"/>
+              <a:gd name="connsiteX2" fmla="*/ 394157 w 399745"/>
+              <a:gd name="connsiteY2" fmla="*/ 443603 h 555625"/>
+              <a:gd name="connsiteX3" fmla="*/ 399469 w 399745"/>
+              <a:gd name="connsiteY3" fmla="*/ 461465 h 555625"/>
+              <a:gd name="connsiteX4" fmla="*/ 399745 w 399745"/>
+              <a:gd name="connsiteY4" fmla="*/ 461928 h 555625"/>
+              <a:gd name="connsiteX5" fmla="*/ 399607 w 399745"/>
+              <a:gd name="connsiteY5" fmla="*/ 461928 h 555625"/>
+              <a:gd name="connsiteX6" fmla="*/ 399745 w 399745"/>
+              <a:gd name="connsiteY6" fmla="*/ 462392 h 555625"/>
+              <a:gd name="connsiteX7" fmla="*/ 124694 w 399745"/>
+              <a:gd name="connsiteY7" fmla="*/ 555625 h 555625"/>
+              <a:gd name="connsiteX8" fmla="*/ 26165 w 399745"/>
+              <a:gd name="connsiteY8" fmla="*/ 548882 h 555625"/>
+              <a:gd name="connsiteX9" fmla="*/ 22778 w 399745"/>
+              <a:gd name="connsiteY9" fmla="*/ 494680 h 555625"/>
+              <a:gd name="connsiteX10" fmla="*/ 22458 w 399745"/>
+              <a:gd name="connsiteY10" fmla="*/ 489696 h 555625"/>
+              <a:gd name="connsiteX11" fmla="*/ 65218 w 399745"/>
+              <a:gd name="connsiteY11" fmla="*/ 490935 h 555625"/>
+              <a:gd name="connsiteX12" fmla="*/ 153523 w 399745"/>
+              <a:gd name="connsiteY12" fmla="*/ 479425 h 555625"/>
+              <a:gd name="connsiteX13" fmla="*/ 207498 w 399745"/>
+              <a:gd name="connsiteY13" fmla="*/ 419100 h 555625"/>
+              <a:gd name="connsiteX14" fmla="*/ 128123 w 399745"/>
+              <a:gd name="connsiteY14" fmla="*/ 130175 h 555625"/>
+              <a:gd name="connsiteX15" fmla="*/ 15943 w 399745"/>
+              <a:gd name="connsiteY15" fmla="*/ 324438 h 555625"/>
+              <a:gd name="connsiteX16" fmla="*/ 19578 w 399745"/>
+              <a:gd name="connsiteY16" fmla="*/ 287338 h 555625"/>
+              <a:gd name="connsiteX17" fmla="*/ 16998 w 399745"/>
+              <a:gd name="connsiteY17" fmla="*/ 234950 h 555625"/>
+              <a:gd name="connsiteX18" fmla="*/ 4174 w 399745"/>
+              <a:gd name="connsiteY18" fmla="*/ 213816 h 555625"/>
+              <a:gd name="connsiteX19" fmla="*/ 0 w 399745"/>
+              <a:gd name="connsiteY19" fmla="*/ 209415 h 555625"/>
+              <a:gd name="connsiteX20" fmla="*/ 124694 w 399745"/>
+              <a:gd name="connsiteY20" fmla="*/ 0 h 555625"/>
+            </a:gdLst>
+            <a:ahLst/>
+            <a:cxnLst>
+              <a:cxn ang="0">
+                <a:pos x="connsiteX0" y="connsiteY0"/>
+              </a:cxn>
+              <a:cxn ang="0">
+                <a:pos x="connsiteX1" y="connsiteY1"/>
+              </a:cxn>
+              <a:cxn ang="0">
+                <a:pos x="connsiteX2" y="connsiteY2"/>
+              </a:cxn>
+              <a:cxn ang="0">
+                <a:pos x="connsiteX3" y="connsiteY3"/>
+              </a:cxn>
+              <a:cxn ang="0">
+                <a:pos x="connsiteX4" y="connsiteY4"/>
+              </a:cxn>
+              <a:cxn ang="0">
+                <a:pos x="connsiteX5" y="connsiteY5"/>
+              </a:cxn>
+              <a:cxn ang="0">
+                <a:pos x="connsiteX6" y="connsiteY6"/>
+              </a:cxn>
+              <a:cxn ang="0">
+                <a:pos x="connsiteX7" y="connsiteY7"/>
+              </a:cxn>
+              <a:cxn ang="0">
+                <a:pos x="connsiteX8" y="connsiteY8"/>
+              </a:cxn>
+              <a:cxn ang="0">
+                <a:pos x="connsiteX9" y="connsiteY9"/>
+              </a:cxn>
+              <a:cxn ang="0">
+                <a:pos x="connsiteX10" y="connsiteY10"/>
+              </a:cxn>
+              <a:cxn ang="0">
+                <a:pos x="connsiteX11" y="connsiteY11"/>
+              </a:cxn>
+              <a:cxn ang="0">
+                <a:pos x="connsiteX12" y="connsiteY12"/>
+              </a:cxn>
+              <a:cxn ang="0">
+                <a:pos x="connsiteX13" y="connsiteY13"/>
+              </a:cxn>
+              <a:cxn ang="0">
+                <a:pos x="connsiteX14" y="connsiteY14"/>
+              </a:cxn>
+              <a:cxn ang="0">
+                <a:pos x="connsiteX15" y="connsiteY15"/>
+              </a:cxn>
+              <a:cxn ang="0">
+                <a:pos x="connsiteX16" y="connsiteY16"/>
+              </a:cxn>
+              <a:cxn ang="0">
+                <a:pos x="connsiteX17" y="connsiteY17"/>
+              </a:cxn>
+              <a:cxn ang="0">
+                <a:pos x="connsiteX18" y="connsiteY18"/>
+              </a:cxn>
+              <a:cxn ang="0">
+                <a:pos x="connsiteX19" y="connsiteY19"/>
+              </a:cxn>
+              <a:cxn ang="0">
+                <a:pos x="connsiteX20" y="connsiteY20"/>
+              </a:cxn>
+            </a:cxnLst>
+            <a:rect l="l" t="t" r="r" b="b"/>
+            <a:pathLst>
+              <a:path w="399745" h="555625">
+                <a:moveTo>
+                  <a:pt x="124694" y="0"/>
+                </a:moveTo>
+                <a:lnTo>
+                  <a:pt x="378938" y="426983"/>
+                </a:lnTo>
+                <a:lnTo>
+                  <a:pt x="394157" y="443603"/>
+                </a:lnTo>
+                <a:lnTo>
+                  <a:pt x="399469" y="461465"/>
+                </a:lnTo>
+                <a:lnTo>
+                  <a:pt x="399745" y="461928"/>
+                </a:lnTo>
+                <a:lnTo>
+                  <a:pt x="399607" y="461928"/>
+                </a:lnTo>
+                <a:lnTo>
+                  <a:pt x="399745" y="462392"/>
+                </a:lnTo>
+                <a:cubicBezTo>
+                  <a:pt x="399745" y="513883"/>
+                  <a:pt x="276600" y="555625"/>
+                  <a:pt x="124694" y="555625"/>
+                </a:cubicBezTo>
+                <a:lnTo>
+                  <a:pt x="26165" y="548882"/>
+                </a:lnTo>
+                <a:lnTo>
+                  <a:pt x="22778" y="494680"/>
+                </a:lnTo>
+                <a:lnTo>
+                  <a:pt x="22458" y="489696"/>
+                </a:lnTo>
+                <a:lnTo>
+                  <a:pt x="65218" y="490935"/>
+                </a:lnTo>
+                <a:cubicBezTo>
+                  <a:pt x="99416" y="489612"/>
+                  <a:pt x="135002" y="484452"/>
+                  <a:pt x="153523" y="479425"/>
+                </a:cubicBezTo>
+                <a:cubicBezTo>
+                  <a:pt x="190565" y="469371"/>
+                  <a:pt x="211731" y="477308"/>
+                  <a:pt x="207498" y="419100"/>
+                </a:cubicBezTo>
+                <a:cubicBezTo>
+                  <a:pt x="203265" y="360892"/>
+                  <a:pt x="165694" y="245533"/>
+                  <a:pt x="128123" y="130175"/>
+                </a:cubicBezTo>
+                <a:lnTo>
+                  <a:pt x="15943" y="324438"/>
+                </a:lnTo>
+                <a:lnTo>
+                  <a:pt x="19578" y="287338"/>
+                </a:lnTo>
+                <a:cubicBezTo>
+                  <a:pt x="21893" y="266833"/>
+                  <a:pt x="22819" y="247386"/>
+                  <a:pt x="16998" y="234950"/>
+                </a:cubicBezTo>
+                <a:cubicBezTo>
+                  <a:pt x="14088" y="228732"/>
+                  <a:pt x="9623" y="221159"/>
+                  <a:pt x="4174" y="213816"/>
+                </a:cubicBezTo>
+                <a:lnTo>
+                  <a:pt x="0" y="209415"/>
+                </a:lnTo>
+                <a:lnTo>
+                  <a:pt x="124694" y="0"/>
+                </a:lnTo>
+                <a:close/>
+              </a:path>
+            </a:pathLst>
+          </a:custGeom>
+          <a:solidFill>
+            <a:srgbClr val="70AD47"/>
+          </a:solidFill>
+          <a:ln>
+            <a:noFill/>
+          </a:ln>
+        </p:spPr>
+        <p:style>
+          <a:lnRef idx="2">
+            <a:schemeClr val="accent1">
+              <a:shade val="50000"/>
+            </a:schemeClr>
+          </a:lnRef>
+          <a:fillRef idx="1">
+            <a:schemeClr val="accent1"/>
+          </a:fillRef>
+          <a:effectRef idx="0">
+            <a:schemeClr val="accent1"/>
+          </a:effectRef>
+          <a:fontRef idx="minor">
+            <a:schemeClr val="lt1"/>
+          </a:fontRef>
+        </p:style>
+        <p:txBody>
+          <a:bodyPr rtlCol="0" anchor="ctr"/>
+          <a:lstStyle/>
+          <a:p>
+            <a:pPr algn="ctr"/>
+            <a:endParaRPr lang="ko-KR" altLang="en-US"/>
+          </a:p>
+        </p:txBody>
+      </p:sp>
+      <p:sp>
+        <p:nvSpPr>
+          <p:cNvPr id="178" name="자유형 177"/>
+          <p:cNvSpPr/>
+          <p:nvPr/>
+        </p:nvSpPr>
+        <p:spPr>
+          <a:xfrm>
+            <a:off x="6354481" y="4099800"/>
+            <a:ext cx="81239" cy="86209"/>
+          </a:xfrm>
+          <a:custGeom>
+            <a:avLst/>
+            <a:gdLst>
+              <a:gd name="connsiteX0" fmla="*/ 71478 w 564359"/>
+              <a:gd name="connsiteY0" fmla="*/ 210040 h 598876"/>
+              <a:gd name="connsiteX1" fmla="*/ 73859 w 564359"/>
+              <a:gd name="connsiteY1" fmla="*/ 424353 h 598876"/>
+              <a:gd name="connsiteX2" fmla="*/ 254834 w 564359"/>
+              <a:gd name="connsiteY2" fmla="*/ 514840 h 598876"/>
+              <a:gd name="connsiteX3" fmla="*/ 252453 w 564359"/>
+              <a:gd name="connsiteY3" fmla="*/ 295765 h 598876"/>
+              <a:gd name="connsiteX4" fmla="*/ 286981 w 564359"/>
+              <a:gd name="connsiteY4" fmla="*/ 73975 h 598876"/>
+              <a:gd name="connsiteX5" fmla="*/ 116721 w 564359"/>
+              <a:gd name="connsiteY5" fmla="*/ 158510 h 598876"/>
+              <a:gd name="connsiteX6" fmla="*/ 286981 w 564359"/>
+              <a:gd name="connsiteY6" fmla="*/ 243044 h 598876"/>
+              <a:gd name="connsiteX7" fmla="*/ 457240 w 564359"/>
+              <a:gd name="connsiteY7" fmla="*/ 158510 h 598876"/>
+              <a:gd name="connsiteX8" fmla="*/ 291853 w 564359"/>
+              <a:gd name="connsiteY8" fmla="*/ 40 h 598876"/>
+              <a:gd name="connsiteX9" fmla="*/ 340520 w 564359"/>
+              <a:gd name="connsiteY9" fmla="*/ 16114 h 598876"/>
+              <a:gd name="connsiteX10" fmla="*/ 533401 w 564359"/>
+              <a:gd name="connsiteY10" fmla="*/ 120888 h 598876"/>
+              <a:gd name="connsiteX11" fmla="*/ 564357 w 564359"/>
+              <a:gd name="connsiteY11" fmla="*/ 208996 h 598876"/>
+              <a:gd name="connsiteX12" fmla="*/ 564359 w 564359"/>
+              <a:gd name="connsiteY12" fmla="*/ 430453 h 598876"/>
+              <a:gd name="connsiteX13" fmla="*/ 521494 w 564359"/>
+              <a:gd name="connsiteY13" fmla="*/ 482838 h 598876"/>
+              <a:gd name="connsiteX14" fmla="*/ 321469 w 564359"/>
+              <a:gd name="connsiteY14" fmla="*/ 587614 h 598876"/>
+              <a:gd name="connsiteX15" fmla="*/ 245269 w 564359"/>
+              <a:gd name="connsiteY15" fmla="*/ 585233 h 598876"/>
+              <a:gd name="connsiteX16" fmla="*/ 57150 w 564359"/>
+              <a:gd name="connsiteY16" fmla="*/ 492364 h 598876"/>
+              <a:gd name="connsiteX17" fmla="*/ 0 w 564359"/>
+              <a:gd name="connsiteY17" fmla="*/ 425689 h 598876"/>
+              <a:gd name="connsiteX18" fmla="*/ 0 w 564359"/>
+              <a:gd name="connsiteY18" fmla="*/ 163752 h 598876"/>
+              <a:gd name="connsiteX19" fmla="*/ 54769 w 564359"/>
+              <a:gd name="connsiteY19" fmla="*/ 108982 h 598876"/>
+              <a:gd name="connsiteX20" fmla="*/ 247651 w 564359"/>
+              <a:gd name="connsiteY20" fmla="*/ 11350 h 598876"/>
+              <a:gd name="connsiteX21" fmla="*/ 291853 w 564359"/>
+              <a:gd name="connsiteY21" fmla="*/ 40 h 598876"/>
+            </a:gdLst>
+            <a:ahLst/>
+            <a:cxnLst>
+              <a:cxn ang="0">
+                <a:pos x="connsiteX0" y="connsiteY0"/>
+              </a:cxn>
+              <a:cxn ang="0">
+                <a:pos x="connsiteX1" y="connsiteY1"/>
+              </a:cxn>
+              <a:cxn ang="0">
+                <a:pos x="connsiteX2" y="connsiteY2"/>
+              </a:cxn>
+              <a:cxn ang="0">
+                <a:pos x="connsiteX3" y="connsiteY3"/>
+              </a:cxn>
+              <a:cxn ang="0">
+                <a:pos x="connsiteX4" y="connsiteY4"/>
+              </a:cxn>
+              <a:cxn ang="0">
+                <a:pos x="connsiteX5" y="connsiteY5"/>
+              </a:cxn>
+              <a:cxn ang="0">
+                <a:pos x="connsiteX6" y="connsiteY6"/>
+              </a:cxn>
+              <a:cxn ang="0">
+                <a:pos x="connsiteX7" y="connsiteY7"/>
+              </a:cxn>
+              <a:cxn ang="0">
+                <a:pos x="connsiteX8" y="connsiteY8"/>
+              </a:cxn>
+              <a:cxn ang="0">
+                <a:pos x="connsiteX9" y="connsiteY9"/>
+              </a:cxn>
+              <a:cxn ang="0">
+                <a:pos x="connsiteX10" y="connsiteY10"/>
+              </a:cxn>
+              <a:cxn ang="0">
+                <a:pos x="connsiteX11" y="connsiteY11"/>
+              </a:cxn>
+              <a:cxn ang="0">
+                <a:pos x="connsiteX12" y="connsiteY12"/>
+              </a:cxn>
+              <a:cxn ang="0">
+                <a:pos x="connsiteX13" y="connsiteY13"/>
+              </a:cxn>
+              <a:cxn ang="0">
+                <a:pos x="connsiteX14" y="connsiteY14"/>
+              </a:cxn>
+              <a:cxn ang="0">
+                <a:pos x="connsiteX15" y="connsiteY15"/>
+              </a:cxn>
+              <a:cxn ang="0">
+                <a:pos x="connsiteX16" y="connsiteY16"/>
+              </a:cxn>
+              <a:cxn ang="0">
+                <a:pos x="connsiteX17" y="connsiteY17"/>
+              </a:cxn>
+              <a:cxn ang="0">
+                <a:pos x="connsiteX18" y="connsiteY18"/>
+              </a:cxn>
+              <a:cxn ang="0">
+                <a:pos x="connsiteX19" y="connsiteY19"/>
+              </a:cxn>
+              <a:cxn ang="0">
+                <a:pos x="connsiteX20" y="connsiteY20"/>
+              </a:cxn>
+              <a:cxn ang="0">
+                <a:pos x="connsiteX21" y="connsiteY21"/>
+              </a:cxn>
+            </a:cxnLst>
+            <a:rect l="l" t="t" r="r" b="b"/>
+            <a:pathLst>
+              <a:path w="564359" h="598876">
+                <a:moveTo>
+                  <a:pt x="71478" y="210040"/>
+                </a:moveTo>
+                <a:cubicBezTo>
+                  <a:pt x="72272" y="281478"/>
+                  <a:pt x="73065" y="352915"/>
+                  <a:pt x="73859" y="424353"/>
+                </a:cubicBezTo>
+                <a:lnTo>
+                  <a:pt x="254834" y="514840"/>
+                </a:lnTo>
+                <a:cubicBezTo>
+                  <a:pt x="253247" y="440227"/>
+                  <a:pt x="254040" y="370378"/>
+                  <a:pt x="252453" y="295765"/>
+                </a:cubicBezTo>
+                <a:close/>
+                <a:moveTo>
+                  <a:pt x="286981" y="73975"/>
+                </a:moveTo>
+                <a:lnTo>
+                  <a:pt x="116721" y="158510"/>
+                </a:lnTo>
+                <a:lnTo>
+                  <a:pt x="286981" y="243044"/>
+                </a:lnTo>
+                <a:lnTo>
+                  <a:pt x="457240" y="158510"/>
+                </a:lnTo>
+                <a:close/>
+                <a:moveTo>
+                  <a:pt x="291853" y="40"/>
+                </a:moveTo>
+                <a:cubicBezTo>
+                  <a:pt x="302420" y="536"/>
+                  <a:pt x="313731" y="5597"/>
+                  <a:pt x="340520" y="16114"/>
+                </a:cubicBezTo>
+                <a:lnTo>
+                  <a:pt x="533401" y="120888"/>
+                </a:lnTo>
+                <a:cubicBezTo>
+                  <a:pt x="569120" y="147479"/>
+                  <a:pt x="560388" y="159783"/>
+                  <a:pt x="564357" y="208996"/>
+                </a:cubicBezTo>
+                <a:cubicBezTo>
+                  <a:pt x="564358" y="280434"/>
+                  <a:pt x="564358" y="359015"/>
+                  <a:pt x="564359" y="430453"/>
+                </a:cubicBezTo>
+                <a:cubicBezTo>
+                  <a:pt x="558406" y="474903"/>
+                  <a:pt x="561976" y="456645"/>
+                  <a:pt x="521494" y="482838"/>
+                </a:cubicBezTo>
+                <a:cubicBezTo>
+                  <a:pt x="481012" y="509031"/>
+                  <a:pt x="367507" y="570548"/>
+                  <a:pt x="321469" y="587614"/>
+                </a:cubicBezTo>
+                <a:cubicBezTo>
+                  <a:pt x="275432" y="604680"/>
+                  <a:pt x="289322" y="601108"/>
+                  <a:pt x="245269" y="585233"/>
+                </a:cubicBezTo>
+                <a:lnTo>
+                  <a:pt x="57150" y="492364"/>
+                </a:lnTo>
+                <a:cubicBezTo>
+                  <a:pt x="16272" y="465773"/>
+                  <a:pt x="9525" y="480458"/>
+                  <a:pt x="0" y="425689"/>
+                </a:cubicBezTo>
+                <a:lnTo>
+                  <a:pt x="0" y="163752"/>
+                </a:lnTo>
+                <a:cubicBezTo>
+                  <a:pt x="9128" y="110968"/>
+                  <a:pt x="45244" y="125651"/>
+                  <a:pt x="54769" y="108982"/>
+                </a:cubicBezTo>
+                <a:cubicBezTo>
+                  <a:pt x="119063" y="76438"/>
+                  <a:pt x="200026" y="26828"/>
+                  <a:pt x="247651" y="11350"/>
+                </a:cubicBezTo>
+                <a:cubicBezTo>
+                  <a:pt x="271464" y="3611"/>
+                  <a:pt x="281286" y="-457"/>
+                  <a:pt x="291853" y="40"/>
+                </a:cubicBezTo>
+                <a:close/>
+              </a:path>
+            </a:pathLst>
+          </a:custGeom>
+          <a:solidFill>
+            <a:srgbClr val="ED7D31"/>
+          </a:solidFill>
+          <a:ln>
+            <a:noFill/>
+          </a:ln>
+        </p:spPr>
+        <p:style>
+          <a:lnRef idx="2">
+            <a:schemeClr val="accent1">
+              <a:shade val="50000"/>
+            </a:schemeClr>
+          </a:lnRef>
+          <a:fillRef idx="1">
+            <a:schemeClr val="accent1"/>
+          </a:fillRef>
+          <a:effectRef idx="0">
+            <a:schemeClr val="accent1"/>
+          </a:effectRef>
+          <a:fontRef idx="minor">
+            <a:schemeClr val="lt1"/>
+          </a:fontRef>
+        </p:style>
+        <p:txBody>
+          <a:bodyPr rtlCol="0" anchor="ctr"/>
+          <a:lstStyle/>
+          <a:p>
+            <a:pPr algn="ctr"/>
+            <a:endParaRPr lang="ko-KR" altLang="en-US"/>
+          </a:p>
+        </p:txBody>
+      </p:sp>
+      <p:sp>
+        <p:nvSpPr>
+          <p:cNvPr id="179" name="자유형 178"/>
+          <p:cNvSpPr/>
+          <p:nvPr/>
+        </p:nvSpPr>
+        <p:spPr>
+          <a:xfrm>
+            <a:off x="6378357" y="4064251"/>
+            <a:ext cx="70801" cy="48904"/>
+          </a:xfrm>
+          <a:custGeom>
+            <a:avLst/>
+            <a:gdLst>
+              <a:gd name="connsiteX0" fmla="*/ 249238 w 491848"/>
+              <a:gd name="connsiteY0" fmla="*/ 0 h 339725"/>
+              <a:gd name="connsiteX1" fmla="*/ 478890 w 491848"/>
+              <a:gd name="connsiteY1" fmla="*/ 160242 h 339725"/>
+              <a:gd name="connsiteX2" fmla="*/ 491848 w 491848"/>
+              <a:gd name="connsiteY2" fmla="*/ 204188 h 339725"/>
+              <a:gd name="connsiteX3" fmla="*/ 406401 w 491848"/>
+              <a:gd name="connsiteY3" fmla="*/ 339725 h 339725"/>
+              <a:gd name="connsiteX4" fmla="*/ 301626 w 491848"/>
+              <a:gd name="connsiteY4" fmla="*/ 282575 h 339725"/>
+              <a:gd name="connsiteX5" fmla="*/ 323352 w 491848"/>
+              <a:gd name="connsiteY5" fmla="*/ 247023 h 339725"/>
+              <a:gd name="connsiteX6" fmla="*/ 327622 w 491848"/>
+              <a:gd name="connsiteY6" fmla="*/ 234552 h 339725"/>
+              <a:gd name="connsiteX7" fmla="*/ 339727 w 491848"/>
+              <a:gd name="connsiteY7" fmla="*/ 187324 h 339725"/>
+              <a:gd name="connsiteX8" fmla="*/ 323852 w 491848"/>
+              <a:gd name="connsiteY8" fmla="*/ 117474 h 339725"/>
+              <a:gd name="connsiteX9" fmla="*/ 260352 w 491848"/>
+              <a:gd name="connsiteY9" fmla="*/ 95249 h 339725"/>
+              <a:gd name="connsiteX10" fmla="*/ 165102 w 491848"/>
+              <a:gd name="connsiteY10" fmla="*/ 111124 h 339725"/>
+              <a:gd name="connsiteX11" fmla="*/ 93196 w 491848"/>
+              <a:gd name="connsiteY11" fmla="*/ 174819 h 339725"/>
+              <a:gd name="connsiteX12" fmla="*/ 85635 w 491848"/>
+              <a:gd name="connsiteY12" fmla="*/ 183209 h 339725"/>
+              <a:gd name="connsiteX13" fmla="*/ 73026 w 491848"/>
+              <a:gd name="connsiteY13" fmla="*/ 228600 h 339725"/>
+              <a:gd name="connsiteX14" fmla="*/ 69851 w 491848"/>
+              <a:gd name="connsiteY14" fmla="*/ 244475 h 339725"/>
+              <a:gd name="connsiteX15" fmla="*/ 875 w 491848"/>
+              <a:gd name="connsiteY15" fmla="*/ 271506 h 339725"/>
+              <a:gd name="connsiteX16" fmla="*/ 0 w 491848"/>
+              <a:gd name="connsiteY16" fmla="*/ 262367 h 339725"/>
+              <a:gd name="connsiteX17" fmla="*/ 249238 w 491848"/>
+              <a:gd name="connsiteY17" fmla="*/ 0 h 339725"/>
+            </a:gdLst>
+            <a:ahLst/>
+            <a:cxnLst>
+              <a:cxn ang="0">
+                <a:pos x="connsiteX0" y="connsiteY0"/>
+              </a:cxn>
+              <a:cxn ang="0">
+                <a:pos x="connsiteX1" y="connsiteY1"/>
+              </a:cxn>
+              <a:cxn ang="0">
+                <a:pos x="connsiteX2" y="connsiteY2"/>
+              </a:cxn>
+              <a:cxn ang="0">
+                <a:pos x="connsiteX3" y="connsiteY3"/>
+              </a:cxn>
+              <a:cxn ang="0">
+                <a:pos x="connsiteX4" y="connsiteY4"/>
+              </a:cxn>
+              <a:cxn ang="0">
+                <a:pos x="connsiteX5" y="connsiteY5"/>
+              </a:cxn>
+              <a:cxn ang="0">
+                <a:pos x="connsiteX6" y="connsiteY6"/>
+              </a:cxn>
+              <a:cxn ang="0">
+                <a:pos x="connsiteX7" y="connsiteY7"/>
+              </a:cxn>
+              <a:cxn ang="0">
+                <a:pos x="connsiteX8" y="connsiteY8"/>
+              </a:cxn>
+              <a:cxn ang="0">
+                <a:pos x="connsiteX9" y="connsiteY9"/>
+              </a:cxn>
+              <a:cxn ang="0">
+                <a:pos x="connsiteX10" y="connsiteY10"/>
+              </a:cxn>
+              <a:cxn ang="0">
+                <a:pos x="connsiteX11" y="connsiteY11"/>
+              </a:cxn>
+              <a:cxn ang="0">
+                <a:pos x="connsiteX12" y="connsiteY12"/>
+              </a:cxn>
+              <a:cxn ang="0">
+                <a:pos x="connsiteX13" y="connsiteY13"/>
+              </a:cxn>
+              <a:cxn ang="0">
+                <a:pos x="connsiteX14" y="connsiteY14"/>
+              </a:cxn>
+              <a:cxn ang="0">
+                <a:pos x="connsiteX15" y="connsiteY15"/>
+              </a:cxn>
+              <a:cxn ang="0">
+                <a:pos x="connsiteX16" y="connsiteY16"/>
+              </a:cxn>
+              <a:cxn ang="0">
+                <a:pos x="connsiteX17" y="connsiteY17"/>
+              </a:cxn>
+            </a:cxnLst>
+            <a:rect l="l" t="t" r="r" b="b"/>
+            <a:pathLst>
+              <a:path w="491848" h="339725">
+                <a:moveTo>
+                  <a:pt x="249238" y="0"/>
+                </a:moveTo>
+                <a:cubicBezTo>
+                  <a:pt x="352476" y="0"/>
+                  <a:pt x="441053" y="66075"/>
+                  <a:pt x="478890" y="160242"/>
+                </a:cubicBezTo>
+                <a:lnTo>
+                  <a:pt x="491848" y="204188"/>
+                </a:lnTo>
+                <a:lnTo>
+                  <a:pt x="406401" y="339725"/>
+                </a:lnTo>
+                <a:lnTo>
+                  <a:pt x="301626" y="282575"/>
+                </a:lnTo>
+                <a:lnTo>
+                  <a:pt x="323352" y="247023"/>
+                </a:lnTo>
+                <a:lnTo>
+                  <a:pt x="327622" y="234552"/>
+                </a:lnTo>
+                <a:cubicBezTo>
+                  <a:pt x="334568" y="218016"/>
+                  <a:pt x="340355" y="206837"/>
+                  <a:pt x="339727" y="187324"/>
+                </a:cubicBezTo>
+                <a:cubicBezTo>
+                  <a:pt x="339099" y="167811"/>
+                  <a:pt x="337081" y="132820"/>
+                  <a:pt x="323852" y="117474"/>
+                </a:cubicBezTo>
+                <a:cubicBezTo>
+                  <a:pt x="310623" y="102128"/>
+                  <a:pt x="286810" y="96307"/>
+                  <a:pt x="260352" y="95249"/>
+                </a:cubicBezTo>
+                <a:cubicBezTo>
+                  <a:pt x="233894" y="94191"/>
+                  <a:pt x="195794" y="94720"/>
+                  <a:pt x="165102" y="111124"/>
+                </a:cubicBezTo>
+                <a:cubicBezTo>
+                  <a:pt x="142083" y="123427"/>
+                  <a:pt x="113479" y="152692"/>
+                  <a:pt x="93196" y="174819"/>
+                </a:cubicBezTo>
+                <a:lnTo>
+                  <a:pt x="85635" y="183209"/>
+                </a:lnTo>
+                <a:lnTo>
+                  <a:pt x="73026" y="228600"/>
+                </a:lnTo>
+                <a:lnTo>
+                  <a:pt x="69851" y="244475"/>
+                </a:lnTo>
+                <a:lnTo>
+                  <a:pt x="875" y="271506"/>
+                </a:lnTo>
+                <a:lnTo>
+                  <a:pt x="0" y="262367"/>
+                </a:lnTo>
+                <a:cubicBezTo>
+                  <a:pt x="0" y="117466"/>
+                  <a:pt x="111588" y="0"/>
+                  <a:pt x="249238" y="0"/>
+                </a:cubicBezTo>
+                <a:close/>
+              </a:path>
+            </a:pathLst>
+          </a:custGeom>
+          <a:solidFill>
+            <a:srgbClr val="5B9BD5"/>
+          </a:solidFill>
+          <a:ln>
+            <a:noFill/>
+          </a:ln>
+        </p:spPr>
+        <p:style>
+          <a:lnRef idx="2">
+            <a:schemeClr val="accent1">
+              <a:shade val="50000"/>
+            </a:schemeClr>
+          </a:lnRef>
+          <a:fillRef idx="1">
+            <a:schemeClr val="accent1"/>
+          </a:fillRef>
+          <a:effectRef idx="0">
+            <a:schemeClr val="accent1"/>
+          </a:effectRef>
+          <a:fontRef idx="minor">
+            <a:schemeClr val="lt1"/>
+          </a:fontRef>
+        </p:style>
+        <p:txBody>
+          <a:bodyPr rtlCol="0" anchor="ctr"/>
+          <a:lstStyle/>
+          <a:p>
+            <a:pPr algn="ctr"/>
+            <a:endParaRPr lang="ko-KR" altLang="en-US"/>
+          </a:p>
+        </p:txBody>
+      </p:sp>
+      <p:sp>
+        <p:nvSpPr>
+          <p:cNvPr id="180" name="자유형 179"/>
+          <p:cNvSpPr/>
+          <p:nvPr/>
+        </p:nvSpPr>
+        <p:spPr>
+          <a:xfrm>
+            <a:off x="6438724" y="4090938"/>
+            <a:ext cx="57543" cy="79983"/>
+          </a:xfrm>
+          <a:custGeom>
+            <a:avLst/>
+            <a:gdLst>
+              <a:gd name="connsiteX0" fmla="*/ 124694 w 399745"/>
+              <a:gd name="connsiteY0" fmla="*/ 0 h 555625"/>
+              <a:gd name="connsiteX1" fmla="*/ 378938 w 399745"/>
+              <a:gd name="connsiteY1" fmla="*/ 426983 h 555625"/>
+              <a:gd name="connsiteX2" fmla="*/ 394157 w 399745"/>
+              <a:gd name="connsiteY2" fmla="*/ 443603 h 555625"/>
+              <a:gd name="connsiteX3" fmla="*/ 399469 w 399745"/>
+              <a:gd name="connsiteY3" fmla="*/ 461465 h 555625"/>
+              <a:gd name="connsiteX4" fmla="*/ 399745 w 399745"/>
+              <a:gd name="connsiteY4" fmla="*/ 461928 h 555625"/>
+              <a:gd name="connsiteX5" fmla="*/ 399607 w 399745"/>
+              <a:gd name="connsiteY5" fmla="*/ 461928 h 555625"/>
+              <a:gd name="connsiteX6" fmla="*/ 399745 w 399745"/>
+              <a:gd name="connsiteY6" fmla="*/ 462392 h 555625"/>
+              <a:gd name="connsiteX7" fmla="*/ 124694 w 399745"/>
+              <a:gd name="connsiteY7" fmla="*/ 555625 h 555625"/>
+              <a:gd name="connsiteX8" fmla="*/ 26165 w 399745"/>
+              <a:gd name="connsiteY8" fmla="*/ 548882 h 555625"/>
+              <a:gd name="connsiteX9" fmla="*/ 22778 w 399745"/>
+              <a:gd name="connsiteY9" fmla="*/ 494680 h 555625"/>
+              <a:gd name="connsiteX10" fmla="*/ 22458 w 399745"/>
+              <a:gd name="connsiteY10" fmla="*/ 489696 h 555625"/>
+              <a:gd name="connsiteX11" fmla="*/ 65218 w 399745"/>
+              <a:gd name="connsiteY11" fmla="*/ 490935 h 555625"/>
+              <a:gd name="connsiteX12" fmla="*/ 153523 w 399745"/>
+              <a:gd name="connsiteY12" fmla="*/ 479425 h 555625"/>
+              <a:gd name="connsiteX13" fmla="*/ 207498 w 399745"/>
+              <a:gd name="connsiteY13" fmla="*/ 419100 h 555625"/>
+              <a:gd name="connsiteX14" fmla="*/ 128123 w 399745"/>
+              <a:gd name="connsiteY14" fmla="*/ 130175 h 555625"/>
+              <a:gd name="connsiteX15" fmla="*/ 15943 w 399745"/>
+              <a:gd name="connsiteY15" fmla="*/ 324438 h 555625"/>
+              <a:gd name="connsiteX16" fmla="*/ 19578 w 399745"/>
+              <a:gd name="connsiteY16" fmla="*/ 287338 h 555625"/>
+              <a:gd name="connsiteX17" fmla="*/ 16998 w 399745"/>
+              <a:gd name="connsiteY17" fmla="*/ 234950 h 555625"/>
+              <a:gd name="connsiteX18" fmla="*/ 4174 w 399745"/>
+              <a:gd name="connsiteY18" fmla="*/ 213816 h 555625"/>
+              <a:gd name="connsiteX19" fmla="*/ 0 w 399745"/>
+              <a:gd name="connsiteY19" fmla="*/ 209415 h 555625"/>
+              <a:gd name="connsiteX20" fmla="*/ 124694 w 399745"/>
+              <a:gd name="connsiteY20" fmla="*/ 0 h 555625"/>
+            </a:gdLst>
+            <a:ahLst/>
+            <a:cxnLst>
+              <a:cxn ang="0">
+                <a:pos x="connsiteX0" y="connsiteY0"/>
+              </a:cxn>
+              <a:cxn ang="0">
+                <a:pos x="connsiteX1" y="connsiteY1"/>
+              </a:cxn>
+              <a:cxn ang="0">
+                <a:pos x="connsiteX2" y="connsiteY2"/>
+              </a:cxn>
+              <a:cxn ang="0">
+                <a:pos x="connsiteX3" y="connsiteY3"/>
+              </a:cxn>
+              <a:cxn ang="0">
+                <a:pos x="connsiteX4" y="connsiteY4"/>
+              </a:cxn>
+              <a:cxn ang="0">
+                <a:pos x="connsiteX5" y="connsiteY5"/>
+              </a:cxn>
+              <a:cxn ang="0">
+                <a:pos x="connsiteX6" y="connsiteY6"/>
+              </a:cxn>
+              <a:cxn ang="0">
+                <a:pos x="connsiteX7" y="connsiteY7"/>
+              </a:cxn>
+              <a:cxn ang="0">
+                <a:pos x="connsiteX8" y="connsiteY8"/>
+              </a:cxn>
+              <a:cxn ang="0">
+                <a:pos x="connsiteX9" y="connsiteY9"/>
+              </a:cxn>
+              <a:cxn ang="0">
+                <a:pos x="connsiteX10" y="connsiteY10"/>
+              </a:cxn>
+              <a:cxn ang="0">
+                <a:pos x="connsiteX11" y="connsiteY11"/>
+              </a:cxn>
+              <a:cxn ang="0">
+                <a:pos x="connsiteX12" y="connsiteY12"/>
+              </a:cxn>
+              <a:cxn ang="0">
+                <a:pos x="connsiteX13" y="connsiteY13"/>
+              </a:cxn>
+              <a:cxn ang="0">
+                <a:pos x="connsiteX14" y="connsiteY14"/>
+              </a:cxn>
+              <a:cxn ang="0">
+                <a:pos x="connsiteX15" y="connsiteY15"/>
+              </a:cxn>
+              <a:cxn ang="0">
+                <a:pos x="connsiteX16" y="connsiteY16"/>
+              </a:cxn>
+              <a:cxn ang="0">
+                <a:pos x="connsiteX17" y="connsiteY17"/>
+              </a:cxn>
+              <a:cxn ang="0">
+                <a:pos x="connsiteX18" y="connsiteY18"/>
+              </a:cxn>
+              <a:cxn ang="0">
+                <a:pos x="connsiteX19" y="connsiteY19"/>
+              </a:cxn>
+              <a:cxn ang="0">
+                <a:pos x="connsiteX20" y="connsiteY20"/>
+              </a:cxn>
+            </a:cxnLst>
+            <a:rect l="l" t="t" r="r" b="b"/>
+            <a:pathLst>
+              <a:path w="399745" h="555625">
+                <a:moveTo>
+                  <a:pt x="124694" y="0"/>
+                </a:moveTo>
+                <a:lnTo>
+                  <a:pt x="378938" y="426983"/>
+                </a:lnTo>
+                <a:lnTo>
+                  <a:pt x="394157" y="443603"/>
+                </a:lnTo>
+                <a:lnTo>
+                  <a:pt x="399469" y="461465"/>
+                </a:lnTo>
+                <a:lnTo>
+                  <a:pt x="399745" y="461928"/>
+                </a:lnTo>
+                <a:lnTo>
+                  <a:pt x="399607" y="461928"/>
+                </a:lnTo>
+                <a:lnTo>
+                  <a:pt x="399745" y="462392"/>
+                </a:lnTo>
+                <a:cubicBezTo>
+                  <a:pt x="399745" y="513883"/>
+                  <a:pt x="276600" y="555625"/>
+                  <a:pt x="124694" y="555625"/>
+                </a:cubicBezTo>
+                <a:lnTo>
+                  <a:pt x="26165" y="548882"/>
+                </a:lnTo>
+                <a:lnTo>
+                  <a:pt x="22778" y="494680"/>
+                </a:lnTo>
+                <a:lnTo>
+                  <a:pt x="22458" y="489696"/>
+                </a:lnTo>
+                <a:lnTo>
+                  <a:pt x="65218" y="490935"/>
+                </a:lnTo>
+                <a:cubicBezTo>
+                  <a:pt x="99416" y="489612"/>
+                  <a:pt x="135002" y="484452"/>
+                  <a:pt x="153523" y="479425"/>
+                </a:cubicBezTo>
+                <a:cubicBezTo>
+                  <a:pt x="190565" y="469371"/>
+                  <a:pt x="211731" y="477308"/>
+                  <a:pt x="207498" y="419100"/>
+                </a:cubicBezTo>
+                <a:cubicBezTo>
+                  <a:pt x="203265" y="360892"/>
+                  <a:pt x="165694" y="245533"/>
+                  <a:pt x="128123" y="130175"/>
+                </a:cubicBezTo>
+                <a:lnTo>
+                  <a:pt x="15943" y="324438"/>
+                </a:lnTo>
+                <a:lnTo>
+                  <a:pt x="19578" y="287338"/>
+                </a:lnTo>
+                <a:cubicBezTo>
+                  <a:pt x="21893" y="266833"/>
+                  <a:pt x="22819" y="247386"/>
+                  <a:pt x="16998" y="234950"/>
+                </a:cubicBezTo>
+                <a:cubicBezTo>
+                  <a:pt x="14088" y="228732"/>
+                  <a:pt x="9623" y="221159"/>
+                  <a:pt x="4174" y="213816"/>
+                </a:cubicBezTo>
+                <a:lnTo>
+                  <a:pt x="0" y="209415"/>
+                </a:lnTo>
+                <a:lnTo>
+                  <a:pt x="124694" y="0"/>
+                </a:lnTo>
+                <a:close/>
+              </a:path>
+            </a:pathLst>
+          </a:custGeom>
+          <a:solidFill>
+            <a:srgbClr val="70AD47"/>
+          </a:solidFill>
+          <a:ln>
+            <a:noFill/>
+          </a:ln>
+        </p:spPr>
+        <p:style>
+          <a:lnRef idx="2">
+            <a:schemeClr val="accent1">
+              <a:shade val="50000"/>
+            </a:schemeClr>
+          </a:lnRef>
+          <a:fillRef idx="1">
+            <a:schemeClr val="accent1"/>
+          </a:fillRef>
+          <a:effectRef idx="0">
+            <a:schemeClr val="accent1"/>
+          </a:effectRef>
+          <a:fontRef idx="minor">
+            <a:schemeClr val="lt1"/>
+          </a:fontRef>
+        </p:style>
+        <p:txBody>
+          <a:bodyPr rtlCol="0" anchor="ctr"/>
+          <a:lstStyle/>
+          <a:p>
+            <a:pPr algn="ctr"/>
+            <a:endParaRPr lang="ko-KR" altLang="en-US"/>
+          </a:p>
+        </p:txBody>
+      </p:sp>
+      <p:grpSp>
+        <p:nvGrpSpPr>
+          <p:cNvPr id="133" name="그룹 132"/>
+          <p:cNvGrpSpPr/>
+          <p:nvPr/>
+        </p:nvGrpSpPr>
+        <p:grpSpPr>
+          <a:xfrm>
+            <a:off x="7715933" y="4108893"/>
+            <a:ext cx="423560" cy="364772"/>
+            <a:chOff x="6805904" y="4714890"/>
+            <a:chExt cx="1178983" cy="1015349"/>
+          </a:xfrm>
+        </p:grpSpPr>
+        <p:sp>
+          <p:nvSpPr>
+            <p:cNvPr id="131" name="이등변 삼각형 130"/>
+            <p:cNvSpPr/>
+            <p:nvPr/>
+          </p:nvSpPr>
+          <p:spPr>
+            <a:xfrm>
+              <a:off x="6805904" y="4714890"/>
+              <a:ext cx="761405" cy="638615"/>
+            </a:xfrm>
+            <a:prstGeom prst="triangle">
+              <a:avLst/>
+            </a:prstGeom>
+            <a:solidFill>
+              <a:srgbClr val="70AD47"/>
+            </a:solidFill>
+            <a:ln>
+              <a:noFill/>
+            </a:ln>
+          </p:spPr>
+          <p:style>
+            <a:lnRef idx="2">
+              <a:schemeClr val="accent1">
+                <a:shade val="50000"/>
+              </a:schemeClr>
+            </a:lnRef>
+            <a:fillRef idx="1">
+              <a:schemeClr val="accent1"/>
+            </a:fillRef>
+            <a:effectRef idx="0">
+              <a:schemeClr val="accent1"/>
+            </a:effectRef>
+            <a:fontRef idx="minor">
+              <a:schemeClr val="lt1"/>
+            </a:fontRef>
+          </p:style>
+          <p:txBody>
+            <a:bodyPr rtlCol="0" anchor="ctr"/>
+            <a:lstStyle/>
+            <a:p>
+              <a:pPr algn="ctr"/>
+              <a:endParaRPr lang="ko-KR" altLang="en-US"/>
+            </a:p>
+          </p:txBody>
+        </p:sp>
+        <p:sp>
+          <p:nvSpPr>
+            <p:cNvPr id="185" name="자유형 184"/>
+            <p:cNvSpPr/>
+            <p:nvPr/>
+          </p:nvSpPr>
+          <p:spPr>
+            <a:xfrm>
+              <a:off x="7235170" y="4983479"/>
+              <a:ext cx="749717" cy="746760"/>
+            </a:xfrm>
+            <a:custGeom>
+              <a:avLst/>
+              <a:gdLst>
+                <a:gd name="connsiteX0" fmla="*/ 370370 w 749717"/>
+                <a:gd name="connsiteY0" fmla="*/ 0 h 746760"/>
+                <a:gd name="connsiteX1" fmla="*/ 749717 w 749717"/>
+                <a:gd name="connsiteY1" fmla="*/ 373380 h 746760"/>
+                <a:gd name="connsiteX2" fmla="*/ 370370 w 749717"/>
+                <a:gd name="connsiteY2" fmla="*/ 746760 h 746760"/>
+                <a:gd name="connsiteX3" fmla="*/ 20834 w 749717"/>
+                <a:gd name="connsiteY3" fmla="*/ 518716 h 746760"/>
+                <a:gd name="connsiteX4" fmla="*/ 0 w 749717"/>
+                <a:gd name="connsiteY4" fmla="*/ 452655 h 746760"/>
+                <a:gd name="connsiteX5" fmla="*/ 465701 w 749717"/>
+                <a:gd name="connsiteY5" fmla="*/ 452655 h 746760"/>
+                <a:gd name="connsiteX6" fmla="*/ 215610 w 749717"/>
+                <a:gd name="connsiteY6" fmla="*/ 33136 h 746760"/>
+                <a:gd name="connsiteX7" fmla="*/ 222711 w 749717"/>
+                <a:gd name="connsiteY7" fmla="*/ 29342 h 746760"/>
+                <a:gd name="connsiteX8" fmla="*/ 370370 w 749717"/>
+                <a:gd name="connsiteY8" fmla="*/ 0 h 746760"/>
+              </a:gdLst>
+              <a:ahLst/>
+              <a:cxnLst>
+                <a:cxn ang="0">
+                  <a:pos x="connsiteX0" y="connsiteY0"/>
+                </a:cxn>
+                <a:cxn ang="0">
+                  <a:pos x="connsiteX1" y="connsiteY1"/>
+                </a:cxn>
+                <a:cxn ang="0">
+                  <a:pos x="connsiteX2" y="connsiteY2"/>
+                </a:cxn>
+                <a:cxn ang="0">
+                  <a:pos x="connsiteX3" y="connsiteY3"/>
+                </a:cxn>
+                <a:cxn ang="0">
+                  <a:pos x="connsiteX4" y="connsiteY4"/>
+                </a:cxn>
+                <a:cxn ang="0">
+                  <a:pos x="connsiteX5" y="connsiteY5"/>
+                </a:cxn>
+                <a:cxn ang="0">
+                  <a:pos x="connsiteX6" y="connsiteY6"/>
+                </a:cxn>
+                <a:cxn ang="0">
+                  <a:pos x="connsiteX7" y="connsiteY7"/>
+                </a:cxn>
+                <a:cxn ang="0">
+                  <a:pos x="connsiteX8" y="connsiteY8"/>
+                </a:cxn>
+              </a:cxnLst>
+              <a:rect l="l" t="t" r="r" b="b"/>
+              <a:pathLst>
+                <a:path w="749717" h="746760">
+                  <a:moveTo>
+                    <a:pt x="370370" y="0"/>
+                  </a:moveTo>
+                  <a:cubicBezTo>
+                    <a:pt x="579878" y="0"/>
+                    <a:pt x="749717" y="167168"/>
+                    <a:pt x="749717" y="373380"/>
+                  </a:cubicBezTo>
+                  <a:cubicBezTo>
+                    <a:pt x="749717" y="579592"/>
+                    <a:pt x="579878" y="746760"/>
+                    <a:pt x="370370" y="746760"/>
+                  </a:cubicBezTo>
+                  <a:cubicBezTo>
+                    <a:pt x="213239" y="746760"/>
+                    <a:pt x="78422" y="652728"/>
+                    <a:pt x="20834" y="518716"/>
+                  </a:cubicBezTo>
+                  <a:lnTo>
+                    <a:pt x="0" y="452655"/>
+                  </a:lnTo>
+                  <a:lnTo>
+                    <a:pt x="465701" y="452655"/>
+                  </a:lnTo>
+                  <a:lnTo>
+                    <a:pt x="215610" y="33136"/>
+                  </a:lnTo>
+                  <a:lnTo>
+                    <a:pt x="222711" y="29342"/>
+                  </a:lnTo>
+                  <a:cubicBezTo>
+                    <a:pt x="268096" y="10448"/>
+                    <a:pt x="317993" y="0"/>
+                    <a:pt x="370370" y="0"/>
+                  </a:cubicBezTo>
+                  <a:close/>
+                </a:path>
+              </a:pathLst>
+            </a:custGeom>
+            <a:solidFill>
+              <a:srgbClr val="70AD47"/>
+            </a:solidFill>
+            <a:ln>
+              <a:noFill/>
+            </a:ln>
+          </p:spPr>
+          <p:style>
+            <a:lnRef idx="2">
+              <a:schemeClr val="accent1">
+                <a:shade val="50000"/>
+              </a:schemeClr>
+            </a:lnRef>
+            <a:fillRef idx="1">
+              <a:schemeClr val="accent1"/>
+            </a:fillRef>
+            <a:effectRef idx="0">
+              <a:schemeClr val="accent1"/>
+            </a:effectRef>
+            <a:fontRef idx="minor">
+              <a:schemeClr val="lt1"/>
+            </a:fontRef>
+          </p:style>
+          <p:txBody>
+            <a:bodyPr rtlCol="0" anchor="ctr"/>
+            <a:lstStyle/>
+            <a:p>
+              <a:pPr algn="ctr"/>
+              <a:endParaRPr lang="ko-KR" altLang="en-US"/>
+            </a:p>
+          </p:txBody>
+        </p:sp>
+      </p:grpSp>
+      <p:sp>
+        <p:nvSpPr>
+          <p:cNvPr id="189" name="이등변 삼각형 188"/>
+          <p:cNvSpPr/>
+          <p:nvPr/>
+        </p:nvSpPr>
+        <p:spPr>
+          <a:xfrm>
+            <a:off x="7413254" y="4069469"/>
+            <a:ext cx="85991" cy="72123"/>
+          </a:xfrm>
+          <a:prstGeom prst="triangle">
+            <a:avLst/>
+          </a:prstGeom>
+          <a:solidFill>
+            <a:srgbClr val="70AD47"/>
+          </a:solidFill>
+          <a:ln>
+            <a:noFill/>
+          </a:ln>
+        </p:spPr>
+        <p:style>
+          <a:lnRef idx="2">
+            <a:schemeClr val="accent1">
+              <a:shade val="50000"/>
+            </a:schemeClr>
+          </a:lnRef>
+          <a:fillRef idx="1">
+            <a:schemeClr val="accent1"/>
+          </a:fillRef>
+          <a:effectRef idx="0">
+            <a:schemeClr val="accent1"/>
+          </a:effectRef>
+          <a:fontRef idx="minor">
+            <a:schemeClr val="lt1"/>
+          </a:fontRef>
+        </p:style>
+        <p:txBody>
+          <a:bodyPr rtlCol="0" anchor="ctr"/>
+          <a:lstStyle/>
+          <a:p>
+            <a:pPr algn="ctr"/>
+            <a:endParaRPr lang="ko-KR" altLang="en-US"/>
+          </a:p>
+        </p:txBody>
+      </p:sp>
+      <p:sp>
+        <p:nvSpPr>
+          <p:cNvPr id="190" name="자유형 189"/>
+          <p:cNvSpPr/>
+          <p:nvPr/>
+        </p:nvSpPr>
+        <p:spPr>
+          <a:xfrm>
+            <a:off x="7461734" y="4099803"/>
+            <a:ext cx="84671" cy="84336"/>
+          </a:xfrm>
+          <a:custGeom>
+            <a:avLst/>
+            <a:gdLst>
+              <a:gd name="connsiteX0" fmla="*/ 370370 w 749717"/>
+              <a:gd name="connsiteY0" fmla="*/ 0 h 746760"/>
+              <a:gd name="connsiteX1" fmla="*/ 749717 w 749717"/>
+              <a:gd name="connsiteY1" fmla="*/ 373380 h 746760"/>
+              <a:gd name="connsiteX2" fmla="*/ 370370 w 749717"/>
+              <a:gd name="connsiteY2" fmla="*/ 746760 h 746760"/>
+              <a:gd name="connsiteX3" fmla="*/ 20834 w 749717"/>
+              <a:gd name="connsiteY3" fmla="*/ 518716 h 746760"/>
+              <a:gd name="connsiteX4" fmla="*/ 0 w 749717"/>
+              <a:gd name="connsiteY4" fmla="*/ 452655 h 746760"/>
+              <a:gd name="connsiteX5" fmla="*/ 465701 w 749717"/>
+              <a:gd name="connsiteY5" fmla="*/ 452655 h 746760"/>
+              <a:gd name="connsiteX6" fmla="*/ 215610 w 749717"/>
+              <a:gd name="connsiteY6" fmla="*/ 33136 h 746760"/>
+              <a:gd name="connsiteX7" fmla="*/ 222711 w 749717"/>
+              <a:gd name="connsiteY7" fmla="*/ 29342 h 746760"/>
+              <a:gd name="connsiteX8" fmla="*/ 370370 w 749717"/>
+              <a:gd name="connsiteY8" fmla="*/ 0 h 746760"/>
+            </a:gdLst>
+            <a:ahLst/>
+            <a:cxnLst>
+              <a:cxn ang="0">
+                <a:pos x="connsiteX0" y="connsiteY0"/>
+              </a:cxn>
+              <a:cxn ang="0">
+                <a:pos x="connsiteX1" y="connsiteY1"/>
+              </a:cxn>
+              <a:cxn ang="0">
+                <a:pos x="connsiteX2" y="connsiteY2"/>
+              </a:cxn>
+              <a:cxn ang="0">
+                <a:pos x="connsiteX3" y="connsiteY3"/>
+              </a:cxn>
+              <a:cxn ang="0">
+                <a:pos x="connsiteX4" y="connsiteY4"/>
+              </a:cxn>
+              <a:cxn ang="0">
+                <a:pos x="connsiteX5" y="connsiteY5"/>
+              </a:cxn>
+              <a:cxn ang="0">
+                <a:pos x="connsiteX6" y="connsiteY6"/>
+              </a:cxn>
+              <a:cxn ang="0">
+                <a:pos x="connsiteX7" y="connsiteY7"/>
+              </a:cxn>
+              <a:cxn ang="0">
+                <a:pos x="connsiteX8" y="connsiteY8"/>
+              </a:cxn>
+            </a:cxnLst>
+            <a:rect l="l" t="t" r="r" b="b"/>
+            <a:pathLst>
+              <a:path w="749717" h="746760">
+                <a:moveTo>
+                  <a:pt x="370370" y="0"/>
+                </a:moveTo>
+                <a:cubicBezTo>
+                  <a:pt x="579878" y="0"/>
+                  <a:pt x="749717" y="167168"/>
+                  <a:pt x="749717" y="373380"/>
+                </a:cubicBezTo>
+                <a:cubicBezTo>
+                  <a:pt x="749717" y="579592"/>
+                  <a:pt x="579878" y="746760"/>
+                  <a:pt x="370370" y="746760"/>
+                </a:cubicBezTo>
+                <a:cubicBezTo>
+                  <a:pt x="213239" y="746760"/>
+                  <a:pt x="78422" y="652728"/>
+                  <a:pt x="20834" y="518716"/>
+                </a:cubicBezTo>
+                <a:lnTo>
+                  <a:pt x="0" y="452655"/>
+                </a:lnTo>
+                <a:lnTo>
+                  <a:pt x="465701" y="452655"/>
+                </a:lnTo>
+                <a:lnTo>
+                  <a:pt x="215610" y="33136"/>
+                </a:lnTo>
+                <a:lnTo>
+                  <a:pt x="222711" y="29342"/>
+                </a:lnTo>
+                <a:cubicBezTo>
+                  <a:pt x="268096" y="10448"/>
+                  <a:pt x="317993" y="0"/>
+                  <a:pt x="370370" y="0"/>
+                </a:cubicBezTo>
+                <a:close/>
+              </a:path>
+            </a:pathLst>
+          </a:custGeom>
+          <a:solidFill>
+            <a:srgbClr val="70AD47"/>
+          </a:solidFill>
+          <a:ln>
+            <a:noFill/>
+          </a:ln>
+        </p:spPr>
+        <p:style>
+          <a:lnRef idx="2">
+            <a:schemeClr val="accent1">
+              <a:shade val="50000"/>
+            </a:schemeClr>
+          </a:lnRef>
+          <a:fillRef idx="1">
+            <a:schemeClr val="accent1"/>
+          </a:fillRef>
+          <a:effectRef idx="0">
+            <a:schemeClr val="accent1"/>
+          </a:effectRef>
+          <a:fontRef idx="minor">
+            <a:schemeClr val="lt1"/>
+          </a:fontRef>
+        </p:style>
+        <p:txBody>
+          <a:bodyPr rtlCol="0" anchor="ctr"/>
+          <a:lstStyle/>
+          <a:p>
+            <a:pPr algn="ctr"/>
+            <a:endParaRPr lang="ko-KR" altLang="en-US"/>
+          </a:p>
+        </p:txBody>
+      </p:sp>
+      <p:sp>
+        <p:nvSpPr>
+          <p:cNvPr id="193" name="자유형 192"/>
+          <p:cNvSpPr/>
+          <p:nvPr/>
+        </p:nvSpPr>
+        <p:spPr>
+          <a:xfrm>
+            <a:off x="8786929" y="4174946"/>
+            <a:ext cx="398186" cy="217240"/>
+          </a:xfrm>
+          <a:custGeom>
+            <a:avLst/>
+            <a:gdLst>
+              <a:gd name="connsiteX0" fmla="*/ 21430 w 490538"/>
+              <a:gd name="connsiteY0" fmla="*/ 18729 h 267623"/>
+              <a:gd name="connsiteX1" fmla="*/ 21430 w 490538"/>
+              <a:gd name="connsiteY1" fmla="*/ 206035 h 267623"/>
+              <a:gd name="connsiteX2" fmla="*/ 431005 w 490538"/>
+              <a:gd name="connsiteY2" fmla="*/ 206035 h 267623"/>
+              <a:gd name="connsiteX3" fmla="*/ 431005 w 490538"/>
+              <a:gd name="connsiteY3" fmla="*/ 18729 h 267623"/>
+              <a:gd name="connsiteX4" fmla="*/ 0 w 490538"/>
+              <a:gd name="connsiteY4" fmla="*/ 0 h 267623"/>
+              <a:gd name="connsiteX5" fmla="*/ 490538 w 490538"/>
+              <a:gd name="connsiteY5" fmla="*/ 0 h 267623"/>
+              <a:gd name="connsiteX6" fmla="*/ 490538 w 490538"/>
+              <a:gd name="connsiteY6" fmla="*/ 267623 h 267623"/>
+              <a:gd name="connsiteX7" fmla="*/ 0 w 490538"/>
+              <a:gd name="connsiteY7" fmla="*/ 267623 h 267623"/>
+            </a:gdLst>
+            <a:ahLst/>
+            <a:cxnLst>
+              <a:cxn ang="0">
+                <a:pos x="connsiteX0" y="connsiteY0"/>
+              </a:cxn>
+              <a:cxn ang="0">
+                <a:pos x="connsiteX1" y="connsiteY1"/>
+              </a:cxn>
+              <a:cxn ang="0">
+                <a:pos x="connsiteX2" y="connsiteY2"/>
+              </a:cxn>
+              <a:cxn ang="0">
+                <a:pos x="connsiteX3" y="connsiteY3"/>
+              </a:cxn>
+              <a:cxn ang="0">
+                <a:pos x="connsiteX4" y="connsiteY4"/>
+              </a:cxn>
+              <a:cxn ang="0">
+                <a:pos x="connsiteX5" y="connsiteY5"/>
+              </a:cxn>
+              <a:cxn ang="0">
+                <a:pos x="connsiteX6" y="connsiteY6"/>
+              </a:cxn>
+              <a:cxn ang="0">
+                <a:pos x="connsiteX7" y="connsiteY7"/>
+              </a:cxn>
+            </a:cxnLst>
+            <a:rect l="l" t="t" r="r" b="b"/>
+            <a:pathLst>
+              <a:path w="490538" h="267623">
+                <a:moveTo>
+                  <a:pt x="21430" y="18729"/>
+                </a:moveTo>
+                <a:lnTo>
+                  <a:pt x="21430" y="206035"/>
+                </a:lnTo>
+                <a:lnTo>
+                  <a:pt x="431005" y="206035"/>
+                </a:lnTo>
+                <a:lnTo>
+                  <a:pt x="431005" y="18729"/>
+                </a:lnTo>
+                <a:close/>
+                <a:moveTo>
+                  <a:pt x="0" y="0"/>
+                </a:moveTo>
+                <a:lnTo>
+                  <a:pt x="490538" y="0"/>
+                </a:lnTo>
+                <a:lnTo>
+                  <a:pt x="490538" y="267623"/>
+                </a:lnTo>
+                <a:lnTo>
+                  <a:pt x="0" y="267623"/>
+                </a:lnTo>
+                <a:close/>
+              </a:path>
+            </a:pathLst>
+          </a:custGeom>
+          <a:solidFill>
+            <a:srgbClr val="ABABAB"/>
+          </a:solidFill>
+          <a:ln>
+            <a:noFill/>
+          </a:ln>
+        </p:spPr>
+        <p:style>
+          <a:lnRef idx="2">
+            <a:schemeClr val="accent1">
+              <a:shade val="50000"/>
+            </a:schemeClr>
+          </a:lnRef>
+          <a:fillRef idx="1">
+            <a:schemeClr val="accent1"/>
+          </a:fillRef>
+          <a:effectRef idx="0">
+            <a:schemeClr val="accent1"/>
+          </a:effectRef>
+          <a:fontRef idx="minor">
+            <a:schemeClr val="lt1"/>
+          </a:fontRef>
+        </p:style>
+        <p:txBody>
+          <a:bodyPr rtlCol="0" anchor="ctr"/>
+          <a:lstStyle/>
+          <a:p>
+            <a:pPr algn="ctr"/>
+            <a:endParaRPr lang="ko-KR" altLang="en-US"/>
+          </a:p>
+        </p:txBody>
+      </p:sp>
+      <p:sp>
+        <p:nvSpPr>
+          <p:cNvPr id="194" name="자유형 193"/>
+          <p:cNvSpPr/>
+          <p:nvPr/>
+        </p:nvSpPr>
+        <p:spPr>
+          <a:xfrm>
+            <a:off x="8467355" y="4086058"/>
+            <a:ext cx="143234" cy="78144"/>
+          </a:xfrm>
+          <a:custGeom>
+            <a:avLst/>
+            <a:gdLst>
+              <a:gd name="connsiteX0" fmla="*/ 21430 w 490538"/>
+              <a:gd name="connsiteY0" fmla="*/ 18729 h 267623"/>
+              <a:gd name="connsiteX1" fmla="*/ 21430 w 490538"/>
+              <a:gd name="connsiteY1" fmla="*/ 206035 h 267623"/>
+              <a:gd name="connsiteX2" fmla="*/ 431005 w 490538"/>
+              <a:gd name="connsiteY2" fmla="*/ 206035 h 267623"/>
+              <a:gd name="connsiteX3" fmla="*/ 431005 w 490538"/>
+              <a:gd name="connsiteY3" fmla="*/ 18729 h 267623"/>
+              <a:gd name="connsiteX4" fmla="*/ 0 w 490538"/>
+              <a:gd name="connsiteY4" fmla="*/ 0 h 267623"/>
+              <a:gd name="connsiteX5" fmla="*/ 490538 w 490538"/>
+              <a:gd name="connsiteY5" fmla="*/ 0 h 267623"/>
+              <a:gd name="connsiteX6" fmla="*/ 490538 w 490538"/>
+              <a:gd name="connsiteY6" fmla="*/ 267623 h 267623"/>
+              <a:gd name="connsiteX7" fmla="*/ 0 w 490538"/>
+              <a:gd name="connsiteY7" fmla="*/ 267623 h 267623"/>
+            </a:gdLst>
+            <a:ahLst/>
+            <a:cxnLst>
+              <a:cxn ang="0">
+                <a:pos x="connsiteX0" y="connsiteY0"/>
+              </a:cxn>
+              <a:cxn ang="0">
+                <a:pos x="connsiteX1" y="connsiteY1"/>
+              </a:cxn>
+              <a:cxn ang="0">
+                <a:pos x="connsiteX2" y="connsiteY2"/>
+              </a:cxn>
+              <a:cxn ang="0">
+                <a:pos x="connsiteX3" y="connsiteY3"/>
+              </a:cxn>
+              <a:cxn ang="0">
+                <a:pos x="connsiteX4" y="connsiteY4"/>
+              </a:cxn>
+              <a:cxn ang="0">
+                <a:pos x="connsiteX5" y="connsiteY5"/>
+              </a:cxn>
+              <a:cxn ang="0">
+                <a:pos x="connsiteX6" y="connsiteY6"/>
+              </a:cxn>
+              <a:cxn ang="0">
+                <a:pos x="connsiteX7" y="connsiteY7"/>
+              </a:cxn>
+            </a:cxnLst>
+            <a:rect l="l" t="t" r="r" b="b"/>
+            <a:pathLst>
+              <a:path w="490538" h="267623">
+                <a:moveTo>
+                  <a:pt x="21430" y="18729"/>
+                </a:moveTo>
+                <a:lnTo>
+                  <a:pt x="21430" y="206035"/>
+                </a:lnTo>
+                <a:lnTo>
+                  <a:pt x="431005" y="206035"/>
+                </a:lnTo>
+                <a:lnTo>
+                  <a:pt x="431005" y="18729"/>
+                </a:lnTo>
+                <a:close/>
+                <a:moveTo>
+                  <a:pt x="0" y="0"/>
+                </a:moveTo>
+                <a:lnTo>
+                  <a:pt x="490538" y="0"/>
+                </a:lnTo>
+                <a:lnTo>
+                  <a:pt x="490538" y="267623"/>
+                </a:lnTo>
+                <a:lnTo>
+                  <a:pt x="0" y="267623"/>
+                </a:lnTo>
+                <a:close/>
+              </a:path>
+            </a:pathLst>
+          </a:custGeom>
+          <a:solidFill>
+            <a:srgbClr val="ABABAB"/>
+          </a:solidFill>
+          <a:ln>
+            <a:noFill/>
+          </a:ln>
+        </p:spPr>
+        <p:style>
+          <a:lnRef idx="2">
+            <a:schemeClr val="accent1">
+              <a:shade val="50000"/>
+            </a:schemeClr>
+          </a:lnRef>
+          <a:fillRef idx="1">
+            <a:schemeClr val="accent1"/>
+          </a:fillRef>
+          <a:effectRef idx="0">
+            <a:schemeClr val="accent1"/>
+          </a:effectRef>
+          <a:fontRef idx="minor">
+            <a:schemeClr val="lt1"/>
+          </a:fontRef>
+        </p:style>
+        <p:txBody>
+          <a:bodyPr rtlCol="0" anchor="ctr"/>
+          <a:lstStyle/>
+          <a:p>
+            <a:pPr algn="ctr"/>
+            <a:endParaRPr lang="ko-KR" altLang="en-US"/>
+          </a:p>
+        </p:txBody>
+      </p:sp>
+      <p:sp>
+        <p:nvSpPr>
+          <p:cNvPr id="211" name="자유형 210"/>
+          <p:cNvSpPr/>
+          <p:nvPr/>
+        </p:nvSpPr>
+        <p:spPr>
+          <a:xfrm>
+            <a:off x="5655517" y="4874581"/>
+            <a:ext cx="332618" cy="338983"/>
+          </a:xfrm>
+          <a:custGeom>
+            <a:avLst/>
+            <a:gdLst>
+              <a:gd name="connsiteX0" fmla="*/ 226462 w 332618"/>
+              <a:gd name="connsiteY0" fmla="*/ 0 h 338983"/>
+              <a:gd name="connsiteX1" fmla="*/ 332618 w 332618"/>
+              <a:gd name="connsiteY1" fmla="*/ 106156 h 338983"/>
+              <a:gd name="connsiteX2" fmla="*/ 301526 w 332618"/>
+              <a:gd name="connsiteY2" fmla="*/ 181220 h 338983"/>
+              <a:gd name="connsiteX3" fmla="*/ 274709 w 332618"/>
+              <a:gd name="connsiteY3" fmla="*/ 199300 h 338983"/>
+              <a:gd name="connsiteX4" fmla="*/ 305359 w 332618"/>
+              <a:gd name="connsiteY4" fmla="*/ 229950 h 338983"/>
+              <a:gd name="connsiteX5" fmla="*/ 196326 w 332618"/>
+              <a:gd name="connsiteY5" fmla="*/ 338983 h 338983"/>
+              <a:gd name="connsiteX6" fmla="*/ 111735 w 332618"/>
+              <a:gd name="connsiteY6" fmla="*/ 254392 h 338983"/>
+              <a:gd name="connsiteX7" fmla="*/ 0 w 332618"/>
+              <a:gd name="connsiteY7" fmla="*/ 254392 h 338983"/>
+              <a:gd name="connsiteX8" fmla="*/ 0 w 332618"/>
+              <a:gd name="connsiteY8" fmla="*/ 61647 h 338983"/>
+              <a:gd name="connsiteX9" fmla="*/ 130798 w 332618"/>
+              <a:gd name="connsiteY9" fmla="*/ 61647 h 338983"/>
+              <a:gd name="connsiteX10" fmla="*/ 151399 w 332618"/>
+              <a:gd name="connsiteY10" fmla="*/ 31093 h 338983"/>
+              <a:gd name="connsiteX11" fmla="*/ 226462 w 332618"/>
+              <a:gd name="connsiteY11" fmla="*/ 0 h 338983"/>
+            </a:gdLst>
+            <a:ahLst/>
+            <a:cxnLst>
+              <a:cxn ang="0">
+                <a:pos x="connsiteX0" y="connsiteY0"/>
+              </a:cxn>
+              <a:cxn ang="0">
+                <a:pos x="connsiteX1" y="connsiteY1"/>
+              </a:cxn>
+              <a:cxn ang="0">
+                <a:pos x="connsiteX2" y="connsiteY2"/>
+              </a:cxn>
+              <a:cxn ang="0">
+                <a:pos x="connsiteX3" y="connsiteY3"/>
+              </a:cxn>
+              <a:cxn ang="0">
+                <a:pos x="connsiteX4" y="connsiteY4"/>
+              </a:cxn>
+              <a:cxn ang="0">
+                <a:pos x="connsiteX5" y="connsiteY5"/>
+              </a:cxn>
+              <a:cxn ang="0">
+                <a:pos x="connsiteX6" y="connsiteY6"/>
+              </a:cxn>
+              <a:cxn ang="0">
+                <a:pos x="connsiteX7" y="connsiteY7"/>
+              </a:cxn>
+              <a:cxn ang="0">
+                <a:pos x="connsiteX8" y="connsiteY8"/>
+              </a:cxn>
+              <a:cxn ang="0">
+                <a:pos x="connsiteX9" y="connsiteY9"/>
+              </a:cxn>
+              <a:cxn ang="0">
+                <a:pos x="connsiteX10" y="connsiteY10"/>
+              </a:cxn>
+              <a:cxn ang="0">
+                <a:pos x="connsiteX11" y="connsiteY11"/>
+              </a:cxn>
+            </a:cxnLst>
+            <a:rect l="l" t="t" r="r" b="b"/>
+            <a:pathLst>
+              <a:path w="332618" h="338983">
+                <a:moveTo>
+                  <a:pt x="226462" y="0"/>
+                </a:moveTo>
+                <a:cubicBezTo>
+                  <a:pt x="285090" y="0"/>
+                  <a:pt x="332618" y="47528"/>
+                  <a:pt x="332618" y="106156"/>
+                </a:cubicBezTo>
+                <a:cubicBezTo>
+                  <a:pt x="332618" y="135470"/>
+                  <a:pt x="320736" y="162009"/>
+                  <a:pt x="301526" y="181220"/>
+                </a:cubicBezTo>
+                <a:lnTo>
+                  <a:pt x="274709" y="199300"/>
+                </a:lnTo>
+                <a:lnTo>
+                  <a:pt x="305359" y="229950"/>
+                </a:lnTo>
+                <a:lnTo>
+                  <a:pt x="196326" y="338983"/>
+                </a:lnTo>
+                <a:lnTo>
+                  <a:pt x="111735" y="254392"/>
+                </a:lnTo>
+                <a:lnTo>
+                  <a:pt x="0" y="254392"/>
+                </a:lnTo>
+                <a:lnTo>
+                  <a:pt x="0" y="61647"/>
+                </a:lnTo>
+                <a:lnTo>
+                  <a:pt x="130798" y="61647"/>
+                </a:lnTo>
+                <a:lnTo>
+                  <a:pt x="151399" y="31093"/>
+                </a:lnTo>
+                <a:cubicBezTo>
+                  <a:pt x="170609" y="11882"/>
+                  <a:pt x="197148" y="0"/>
+                  <a:pt x="226462" y="0"/>
+                </a:cubicBezTo>
+                <a:close/>
+              </a:path>
+            </a:pathLst>
+          </a:custGeom>
+          <a:solidFill>
+            <a:srgbClr val="70AD47"/>
+          </a:solidFill>
+          <a:ln w="6350">
+            <a:solidFill>
+              <a:schemeClr val="tx1"/>
+            </a:solidFill>
+          </a:ln>
+        </p:spPr>
+        <p:style>
+          <a:lnRef idx="2">
+            <a:schemeClr val="accent1">
+              <a:shade val="50000"/>
+            </a:schemeClr>
+          </a:lnRef>
+          <a:fillRef idx="1">
+            <a:schemeClr val="accent1"/>
+          </a:fillRef>
+          <a:effectRef idx="0">
+            <a:schemeClr val="accent1"/>
+          </a:effectRef>
+          <a:fontRef idx="minor">
+            <a:schemeClr val="lt1"/>
+          </a:fontRef>
+        </p:style>
+        <p:txBody>
+          <a:bodyPr wrap="square" rtlCol="0" anchor="ctr">
+            <a:noAutofit/>
+          </a:bodyPr>
+          <a:lstStyle/>
+          <a:p>
+            <a:pPr algn="ctr"/>
+            <a:endParaRPr lang="ko-KR" altLang="en-US"/>
+          </a:p>
+        </p:txBody>
+      </p:sp>
+      <p:sp>
+        <p:nvSpPr>
+          <p:cNvPr id="212" name="자유형 211"/>
+          <p:cNvSpPr/>
+          <p:nvPr/>
+        </p:nvSpPr>
+        <p:spPr>
+          <a:xfrm>
+            <a:off x="5306444" y="4814096"/>
+            <a:ext cx="131044" cy="133552"/>
+          </a:xfrm>
+          <a:custGeom>
+            <a:avLst/>
+            <a:gdLst>
+              <a:gd name="connsiteX0" fmla="*/ 89221 w 131044"/>
+              <a:gd name="connsiteY0" fmla="*/ 0 h 133552"/>
+              <a:gd name="connsiteX1" fmla="*/ 131044 w 131044"/>
+              <a:gd name="connsiteY1" fmla="*/ 41823 h 133552"/>
+              <a:gd name="connsiteX2" fmla="*/ 118795 w 131044"/>
+              <a:gd name="connsiteY2" fmla="*/ 71396 h 133552"/>
+              <a:gd name="connsiteX3" fmla="*/ 106287 w 131044"/>
+              <a:gd name="connsiteY3" fmla="*/ 76577 h 133552"/>
+              <a:gd name="connsiteX4" fmla="*/ 120305 w 131044"/>
+              <a:gd name="connsiteY4" fmla="*/ 90595 h 133552"/>
+              <a:gd name="connsiteX5" fmla="*/ 77348 w 131044"/>
+              <a:gd name="connsiteY5" fmla="*/ 133552 h 133552"/>
+              <a:gd name="connsiteX6" fmla="*/ 44020 w 131044"/>
+              <a:gd name="connsiteY6" fmla="*/ 100224 h 133552"/>
+              <a:gd name="connsiteX7" fmla="*/ 0 w 131044"/>
+              <a:gd name="connsiteY7" fmla="*/ 100224 h 133552"/>
+              <a:gd name="connsiteX8" fmla="*/ 0 w 131044"/>
+              <a:gd name="connsiteY8" fmla="*/ 24287 h 133552"/>
+              <a:gd name="connsiteX9" fmla="*/ 54662 w 131044"/>
+              <a:gd name="connsiteY9" fmla="*/ 24287 h 133552"/>
+              <a:gd name="connsiteX10" fmla="*/ 59648 w 131044"/>
+              <a:gd name="connsiteY10" fmla="*/ 12250 h 133552"/>
+              <a:gd name="connsiteX11" fmla="*/ 89221 w 131044"/>
+              <a:gd name="connsiteY11" fmla="*/ 0 h 133552"/>
+            </a:gdLst>
+            <a:ahLst/>
+            <a:cxnLst>
+              <a:cxn ang="0">
+                <a:pos x="connsiteX0" y="connsiteY0"/>
+              </a:cxn>
+              <a:cxn ang="0">
+                <a:pos x="connsiteX1" y="connsiteY1"/>
+              </a:cxn>
+              <a:cxn ang="0">
+                <a:pos x="connsiteX2" y="connsiteY2"/>
+              </a:cxn>
+              <a:cxn ang="0">
+                <a:pos x="connsiteX3" y="connsiteY3"/>
+              </a:cxn>
+              <a:cxn ang="0">
+                <a:pos x="connsiteX4" y="connsiteY4"/>
+              </a:cxn>
+              <a:cxn ang="0">
+                <a:pos x="connsiteX5" y="connsiteY5"/>
+              </a:cxn>
+              <a:cxn ang="0">
+                <a:pos x="connsiteX6" y="connsiteY6"/>
+              </a:cxn>
+              <a:cxn ang="0">
+                <a:pos x="connsiteX7" y="connsiteY7"/>
+              </a:cxn>
+              <a:cxn ang="0">
+                <a:pos x="connsiteX8" y="connsiteY8"/>
+              </a:cxn>
+              <a:cxn ang="0">
+                <a:pos x="connsiteX9" y="connsiteY9"/>
+              </a:cxn>
+              <a:cxn ang="0">
+                <a:pos x="connsiteX10" y="connsiteY10"/>
+              </a:cxn>
+              <a:cxn ang="0">
+                <a:pos x="connsiteX11" y="connsiteY11"/>
+              </a:cxn>
+            </a:cxnLst>
+            <a:rect l="l" t="t" r="r" b="b"/>
+            <a:pathLst>
+              <a:path w="131044" h="133552">
+                <a:moveTo>
+                  <a:pt x="89221" y="0"/>
+                </a:moveTo>
+                <a:cubicBezTo>
+                  <a:pt x="112319" y="0"/>
+                  <a:pt x="131044" y="18725"/>
+                  <a:pt x="131044" y="41823"/>
+                </a:cubicBezTo>
+                <a:cubicBezTo>
+                  <a:pt x="131044" y="53372"/>
+                  <a:pt x="126363" y="63828"/>
+                  <a:pt x="118795" y="71396"/>
+                </a:cubicBezTo>
+                <a:lnTo>
+                  <a:pt x="106287" y="76577"/>
+                </a:lnTo>
+                <a:lnTo>
+                  <a:pt x="120305" y="90595"/>
+                </a:lnTo>
+                <a:lnTo>
+                  <a:pt x="77348" y="133552"/>
+                </a:lnTo>
+                <a:lnTo>
+                  <a:pt x="44020" y="100224"/>
+                </a:lnTo>
+                <a:lnTo>
+                  <a:pt x="0" y="100224"/>
+                </a:lnTo>
+                <a:lnTo>
+                  <a:pt x="0" y="24287"/>
+                </a:lnTo>
+                <a:lnTo>
+                  <a:pt x="54662" y="24287"/>
+                </a:lnTo>
+                <a:lnTo>
+                  <a:pt x="59648" y="12250"/>
+                </a:lnTo>
+                <a:cubicBezTo>
+                  <a:pt x="67216" y="4682"/>
+                  <a:pt x="77672" y="0"/>
+                  <a:pt x="89221" y="0"/>
+                </a:cubicBezTo>
+                <a:close/>
+              </a:path>
+            </a:pathLst>
+          </a:custGeom>
+          <a:solidFill>
+            <a:srgbClr val="70AD47"/>
+          </a:solidFill>
+          <a:ln w="3175">
+            <a:solidFill>
+              <a:schemeClr val="tx1"/>
+            </a:solidFill>
+          </a:ln>
+        </p:spPr>
+        <p:style>
+          <a:lnRef idx="2">
+            <a:schemeClr val="accent1">
+              <a:shade val="50000"/>
+            </a:schemeClr>
+          </a:lnRef>
+          <a:fillRef idx="1">
+            <a:schemeClr val="accent1"/>
+          </a:fillRef>
+          <a:effectRef idx="0">
+            <a:schemeClr val="accent1"/>
+          </a:effectRef>
+          <a:fontRef idx="minor">
+            <a:schemeClr val="lt1"/>
+          </a:fontRef>
+        </p:style>
+        <p:txBody>
+          <a:bodyPr wrap="square" rtlCol="0" anchor="ctr">
+            <a:noAutofit/>
+          </a:bodyPr>
+          <a:lstStyle/>
+          <a:p>
+            <a:pPr algn="ctr"/>
+            <a:endParaRPr lang="ko-KR" altLang="en-US"/>
+          </a:p>
+        </p:txBody>
+      </p:sp>
+      <p:sp>
+        <p:nvSpPr>
+          <p:cNvPr id="213" name="직사각형 212"/>
+          <p:cNvSpPr/>
+          <p:nvPr/>
+        </p:nvSpPr>
+        <p:spPr>
+          <a:xfrm>
+            <a:off x="4496847" y="2967335"/>
+            <a:ext cx="3198311" cy="923330"/>
+          </a:xfrm>
+          <a:prstGeom prst="rect">
+            <a:avLst/>
+          </a:prstGeom>
+          <a:noFill/>
+        </p:spPr>
+        <p:txBody>
+          <a:bodyPr wrap="none" lIns="91440" tIns="45720" rIns="91440" bIns="45720">
+            <a:spAutoFit/>
+          </a:bodyPr>
+          <a:lstStyle/>
+          <a:p>
+            <a:pPr algn="ctr"/>
+            <a:r>
+              <a:rPr lang="ko-KR" altLang="en-US" sz="5400" b="0" cap="none" spc="0" dirty="0" smtClean="0">
+                <a:ln w="0"/>
+                <a:solidFill>
+                  <a:schemeClr val="tx1"/>
+                </a:solidFill>
+                <a:effectLst>
+                  <a:outerShdw blurRad="38100" dist="19050" dir="2700000" algn="tl" rotWithShape="0">
+                    <a:schemeClr val="dk1">
+                      <a:alpha val="40000"/>
+                    </a:schemeClr>
+                  </a:outerShdw>
+                </a:effectLst>
+              </a:rPr>
+              <a:t>워드 아트</a:t>
+            </a:r>
+            <a:endParaRPr lang="en-US" altLang="ko-KR" sz="5400" b="0" cap="none" spc="0" dirty="0">
+              <a:ln w="0"/>
+              <a:solidFill>
+                <a:schemeClr val="tx1"/>
+              </a:solidFill>
+              <a:effectLst>
+                <a:outerShdw blurRad="38100" dist="19050" dir="2700000" algn="tl" rotWithShape="0">
+                  <a:schemeClr val="dk1">
+                    <a:alpha val="40000"/>
+                  </a:schemeClr>
+                </a:outerShdw>
+              </a:effectLst>
+            </a:endParaRPr>
+          </a:p>
+        </p:txBody>
+      </p:sp>
     </p:spTree>
     <p:controls>
       <mc:AlternateContent xmlns:mc="http://schemas.openxmlformats.org/markup-compatibility/2006">
         <mc:Choice xmlns:v="urn:schemas-microsoft-com:vml" Requires="v">
-          <p:control spid="1063" name="TextBox1" r:id="rId2" imgW="685800" imgH="104760"/>
+          <p:control spid="1082" name="TextBox1" r:id="rId6" imgW="685800" imgH="104760"/>
         </mc:Choice>
         <mc:Fallback>
-          <p:control name="TextBox1" r:id="rId2" imgW="685800" imgH="104760">
+          <p:control name="TextBox1" r:id="rId6" imgW="685800" imgH="104760">
             <p:pic>
               <p:nvPicPr>
                 <p:cNvPr id="113" name="TextBox1"/>
@@ -8853,14 +14079,14 @@
                 <p:nvPr/>
               </p:nvPicPr>
               <p:blipFill>
-                <a:blip r:embed="rId7"/>
+                <a:blip r:embed="rId15"/>
                 <a:stretch>
                   <a:fillRect/>
                 </a:stretch>
               </p:blipFill>
               <p:spPr>
                 <a:xfrm>
-                  <a:off x="1930400" y="3031092"/>
+                  <a:off x="48251" y="3031092"/>
                   <a:ext cx="683942" cy="101608"/>
                 </a:xfrm>
                 <a:prstGeom prst="rect">
@@ -8884,7 +14110,157 @@
   <p:timing>
     <p:tnLst>
       <p:par>
-        <p:cTn id="1" dur="indefinite" restart="never" nodeType="tmRoot"/>
+        <p:cTn id="1" dur="indefinite" restart="never" nodeType="tmRoot">
+          <p:childTnLst>
+            <p:seq concurrent="1" nextAc="seek">
+              <p:cTn id="2" restart="whenNotActive" fill="hold" evtFilter="cancelBubble" nodeType="interactiveSeq">
+                <p:stCondLst>
+                  <p:cond evt="onClick" delay="0">
+                    <p:tgtEl>
+                      <p:spTgt spid="53"/>
+                    </p:tgtEl>
+                  </p:cond>
+                </p:stCondLst>
+                <p:endSync evt="end" delay="0">
+                  <p:rtn val="all"/>
+                </p:endSync>
+                <p:childTnLst>
+                  <p:par>
+                    <p:cTn id="3" fill="hold">
+                      <p:stCondLst>
+                        <p:cond delay="0"/>
+                      </p:stCondLst>
+                      <p:childTnLst>
+                        <p:par>
+                          <p:cTn id="4" fill="hold">
+                            <p:stCondLst>
+                              <p:cond delay="0"/>
+                            </p:stCondLst>
+                            <p:childTnLst>
+                              <p:par>
+                                <p:cTn id="5" presetID="2" presetClass="mediacall" presetSubtype="0" fill="hold" nodeType="clickEffect">
+                                  <p:stCondLst>
+                                    <p:cond delay="0"/>
+                                  </p:stCondLst>
+                                  <p:childTnLst>
+                                    <p:cmd type="call" cmd="togglePause">
+                                      <p:cBhvr>
+                                        <p:cTn id="6" dur="1" fill="hold"/>
+                                        <p:tgtEl>
+                                          <p:spTgt spid="53"/>
+                                        </p:tgtEl>
+                                      </p:cBhvr>
+                                    </p:cmd>
+                                  </p:childTnLst>
+                                </p:cTn>
+                              </p:par>
+                            </p:childTnLst>
+                          </p:cTn>
+                        </p:par>
+                      </p:childTnLst>
+                    </p:cTn>
+                  </p:par>
+                </p:childTnLst>
+              </p:cTn>
+              <p:nextCondLst>
+                <p:cond evt="onClick" delay="0">
+                  <p:tgtEl>
+                    <p:spTgt spid="53"/>
+                  </p:tgtEl>
+                </p:cond>
+              </p:nextCondLst>
+            </p:seq>
+            <p:video>
+              <p:cMediaNode vol="80000">
+                <p:cTn id="7" fill="hold" display="0">
+                  <p:stCondLst>
+                    <p:cond delay="indefinite"/>
+                  </p:stCondLst>
+                </p:cTn>
+                <p:tgtEl>
+                  <p:spTgt spid="53"/>
+                </p:tgtEl>
+              </p:cMediaNode>
+            </p:video>
+            <p:seq concurrent="1" nextAc="seek">
+              <p:cTn id="8" restart="whenNotActive" fill="hold" evtFilter="cancelBubble" nodeType="interactiveSeq">
+                <p:stCondLst>
+                  <p:cond evt="onClick" delay="0">
+                    <p:tgtEl>
+                      <p:spTgt spid="57"/>
+                    </p:tgtEl>
+                  </p:cond>
+                </p:stCondLst>
+                <p:endSync evt="end" delay="0">
+                  <p:rtn val="all"/>
+                </p:endSync>
+                <p:childTnLst>
+                  <p:par>
+                    <p:cTn id="9" fill="hold">
+                      <p:stCondLst>
+                        <p:cond delay="0"/>
+                      </p:stCondLst>
+                      <p:childTnLst>
+                        <p:par>
+                          <p:cTn id="10" fill="hold">
+                            <p:stCondLst>
+                              <p:cond delay="0"/>
+                            </p:stCondLst>
+                            <p:childTnLst>
+                              <p:par>
+                                <p:cTn id="11" presetID="1" presetClass="mediacall" presetSubtype="0" fill="hold" nodeType="clickEffect">
+                                  <p:stCondLst>
+                                    <p:cond delay="0"/>
+                                  </p:stCondLst>
+                                  <p:childTnLst>
+                                    <p:cmd type="call" cmd="playFrom(0.0)">
+                                      <p:cBhvr>
+                                        <p:cTn id="12" dur="1645" fill="hold"/>
+                                        <p:tgtEl>
+                                          <p:spTgt spid="57"/>
+                                        </p:tgtEl>
+                                      </p:cBhvr>
+                                    </p:cmd>
+                                  </p:childTnLst>
+                                </p:cTn>
+                              </p:par>
+                            </p:childTnLst>
+                          </p:cTn>
+                        </p:par>
+                      </p:childTnLst>
+                    </p:cTn>
+                  </p:par>
+                </p:childTnLst>
+              </p:cTn>
+              <p:nextCondLst>
+                <p:cond evt="onClick" delay="0">
+                  <p:tgtEl>
+                    <p:spTgt spid="57"/>
+                  </p:tgtEl>
+                </p:cond>
+              </p:nextCondLst>
+            </p:seq>
+            <p:audio>
+              <p:cMediaNode vol="80000">
+                <p:cTn id="13" fill="hold" display="0">
+                  <p:stCondLst>
+                    <p:cond delay="indefinite"/>
+                  </p:stCondLst>
+                  <p:endCondLst>
+                    <p:cond evt="onStopAudio" delay="0">
+                      <p:tgtEl>
+                        <p:sldTgt/>
+                      </p:tgtEl>
+                    </p:cond>
+                  </p:endCondLst>
+                </p:cTn>
+                <p:tgtEl>
+                  <p:spTgt spid="57"/>
+                </p:tgtEl>
+              </p:cMediaNode>
+            </p:audio>
+          </p:childTnLst>
+        </p:cTn>
       </p:par>
     </p:tnLst>
   </p:timing>
@@ -9150,4 +14526,265 @@
     </a:ext>
   </a:extLst>
 </a:theme>
+</file>
+
+<file path=ppt/theme/theme2.xml><?xml version="1.0" encoding="utf-8"?>
+<a:theme xmlns:a="http://schemas.openxmlformats.org/drawingml/2006/main" name="Office 테마">
+  <a:themeElements>
+    <a:clrScheme name="Office">
+      <a:dk1>
+        <a:sysClr val="windowText" lastClr="000000"/>
+      </a:dk1>
+      <a:lt1>
+        <a:sysClr val="window" lastClr="FFFFFF"/>
+      </a:lt1>
+      <a:dk2>
+        <a:srgbClr val="44546A"/>
+      </a:dk2>
+      <a:lt2>
+        <a:srgbClr val="E7E6E6"/>
+      </a:lt2>
+      <a:accent1>
+        <a:srgbClr val="5B9BD5"/>
+      </a:accent1>
+      <a:accent2>
+        <a:srgbClr val="ED7D31"/>
+      </a:accent2>
+      <a:accent3>
+        <a:srgbClr val="A5A5A5"/>
+      </a:accent3>
+      <a:accent4>
+        <a:srgbClr val="FFC000"/>
+      </a:accent4>
+      <a:accent5>
+        <a:srgbClr val="4472C4"/>
+      </a:accent5>
+      <a:accent6>
+        <a:srgbClr val="70AD47"/>
+      </a:accent6>
+      <a:hlink>
+        <a:srgbClr val="0563C1"/>
+      </a:hlink>
+      <a:folHlink>
+        <a:srgbClr val="954F72"/>
+      </a:folHlink>
+    </a:clrScheme>
+    <a:fontScheme name="Office">
+      <a:majorFont>
+        <a:latin typeface="맑은 고딕" panose="020F0302020204030204"/>
+        <a:ea typeface=""/>
+        <a:cs typeface=""/>
+        <a:font script="Jpan" typeface="ＭＳ Ｐゴシック"/>
+        <a:font script="Hang" typeface="맑은 고딕"/>
+        <a:font script="Hans" typeface="宋体"/>
+        <a:font script="Hant" typeface="新細明體"/>
+        <a:font script="Arab" typeface="Times New Roman"/>
+        <a:font script="Hebr" typeface="Times New Roman"/>
+        <a:font script="Thai" typeface="Angsana New"/>
+        <a:font script="Ethi" typeface="Nyala"/>
+        <a:font script="Beng" typeface="Vrinda"/>
+        <a:font script="Gujr" typeface="Shruti"/>
+        <a:font script="Khmr" typeface="MoolBoran"/>
+        <a:font script="Knda" typeface="Tunga"/>
+        <a:font script="Guru" typeface="Raavi"/>
+        <a:font script="Cans" typeface="Euphemia"/>
+        <a:font script="Cher" typeface="Plantagenet Cherokee"/>
+        <a:font script="Yiii" typeface="Microsoft Yi Baiti"/>
+        <a:font script="Tibt" typeface="Microsoft Himalaya"/>
+        <a:font script="Thaa" typeface="MV Boli"/>
+        <a:font script="Deva" typeface="Mangal"/>
+        <a:font script="Telu" typeface="Gautami"/>
+        <a:font script="Taml" typeface="Latha"/>
+        <a:font script="Syrc" typeface="Estrangelo Edessa"/>
+        <a:font script="Orya" typeface="Kalinga"/>
+        <a:font script="Mlym" typeface="Kartika"/>
+        <a:font script="Laoo" typeface="DokChampa"/>
+        <a:font script="Sinh" typeface="Iskoola Pota"/>
+        <a:font script="Mong" typeface="Mongolian Baiti"/>
+        <a:font script="Viet" typeface="Times New Roman"/>
+        <a:font script="Uigh" typeface="Microsoft Uighur"/>
+        <a:font script="Geor" typeface="Sylfaen"/>
+      </a:majorFont>
+      <a:minorFont>
+        <a:latin typeface="맑은 고딕" panose="020F0502020204030204"/>
+        <a:ea typeface=""/>
+        <a:cs typeface=""/>
+        <a:font script="Jpan" typeface="ＭＳ Ｐゴシック"/>
+        <a:font script="Hang" typeface="맑은 고딕"/>
+        <a:font script="Hans" typeface="宋体"/>
+        <a:font script="Hant" typeface="新細明體"/>
+        <a:font script="Arab" typeface="Arial"/>
+        <a:font script="Hebr" typeface="Arial"/>
+        <a:font script="Thai" typeface="Cordia New"/>
+        <a:font script="Ethi" typeface="Nyala"/>
+        <a:font script="Beng" typeface="Vrinda"/>
+        <a:font script="Gujr" typeface="Shruti"/>
+        <a:font script="Khmr" typeface="DaunPenh"/>
+        <a:font script="Knda" typeface="Tunga"/>
+        <a:font script="Guru" typeface="Raavi"/>
+        <a:font script="Cans" typeface="Euphemia"/>
+        <a:font script="Cher" typeface="Plantagenet Cherokee"/>
+        <a:font script="Yiii" typeface="Microsoft Yi Baiti"/>
+        <a:font script="Tibt" typeface="Microsoft Himalaya"/>
+        <a:font script="Thaa" typeface="MV Boli"/>
+        <a:font script="Deva" typeface="Mangal"/>
+        <a:font script="Telu" typeface="Gautami"/>
+        <a:font script="Taml" typeface="Latha"/>
+        <a:font script="Syrc" typeface="Estrangelo Edessa"/>
+        <a:font script="Orya" typeface="Kalinga"/>
+        <a:font script="Mlym" typeface="Kartika"/>
+        <a:font script="Laoo" typeface="DokChampa"/>
+        <a:font script="Sinh" typeface="Iskoola Pota"/>
+        <a:font script="Mong" typeface="Mongolian Baiti"/>
+        <a:font script="Viet" typeface="Arial"/>
+        <a:font script="Uigh" typeface="Microsoft Uighur"/>
+        <a:font script="Geor" typeface="Sylfaen"/>
+      </a:minorFont>
+    </a:fontScheme>
+    <a:fmtScheme name="Office">
+      <a:fillStyleLst>
+        <a:solidFill>
+          <a:schemeClr val="phClr"/>
+        </a:solidFill>
+        <a:gradFill rotWithShape="1">
+          <a:gsLst>
+            <a:gs pos="0">
+              <a:schemeClr val="phClr">
+                <a:lumMod val="110000"/>
+                <a:satMod val="105000"/>
+                <a:tint val="67000"/>
+              </a:schemeClr>
+            </a:gs>
+            <a:gs pos="50000">
+              <a:schemeClr val="phClr">
+                <a:lumMod val="105000"/>
+                <a:satMod val="103000"/>
+                <a:tint val="73000"/>
+              </a:schemeClr>
+            </a:gs>
+            <a:gs pos="100000">
+              <a:schemeClr val="phClr">
+                <a:lumMod val="105000"/>
+                <a:satMod val="109000"/>
+                <a:tint val="81000"/>
+              </a:schemeClr>
+            </a:gs>
+          </a:gsLst>
+          <a:lin ang="5400000" scaled="0"/>
+        </a:gradFill>
+        <a:gradFill rotWithShape="1">
+          <a:gsLst>
+            <a:gs pos="0">
+              <a:schemeClr val="phClr">
+                <a:satMod val="103000"/>
+                <a:lumMod val="102000"/>
+                <a:tint val="94000"/>
+              </a:schemeClr>
+            </a:gs>
+            <a:gs pos="50000">
+              <a:schemeClr val="phClr">
+                <a:satMod val="110000"/>
+                <a:lumMod val="100000"/>
+                <a:shade val="100000"/>
+              </a:schemeClr>
+            </a:gs>
+            <a:gs pos="100000">
+              <a:schemeClr val="phClr">
+                <a:lumMod val="99000"/>
+                <a:satMod val="120000"/>
+                <a:shade val="78000"/>
+              </a:schemeClr>
+            </a:gs>
+          </a:gsLst>
+          <a:lin ang="5400000" scaled="0"/>
+        </a:gradFill>
+      </a:fillStyleLst>
+      <a:lnStyleLst>
+        <a:ln w="6350" cap="flat" cmpd="sng" algn="ctr">
+          <a:solidFill>
+            <a:schemeClr val="phClr"/>
+          </a:solidFill>
+          <a:prstDash val="solid"/>
+          <a:miter lim="800000"/>
+        </a:ln>
+        <a:ln w="12700" cap="flat" cmpd="sng" algn="ctr">
+          <a:solidFill>
+            <a:schemeClr val="phClr"/>
+          </a:solidFill>
+          <a:prstDash val="solid"/>
+          <a:miter lim="800000"/>
+        </a:ln>
+        <a:ln w="19050" cap="flat" cmpd="sng" algn="ctr">
+          <a:solidFill>
+            <a:schemeClr val="phClr"/>
+          </a:solidFill>
+          <a:prstDash val="solid"/>
+          <a:miter lim="800000"/>
+        </a:ln>
+      </a:lnStyleLst>
+      <a:effectStyleLst>
+        <a:effectStyle>
+          <a:effectLst/>
+        </a:effectStyle>
+        <a:effectStyle>
+          <a:effectLst/>
+        </a:effectStyle>
+        <a:effectStyle>
+          <a:effectLst>
+            <a:outerShdw blurRad="57150" dist="19050" dir="5400000" algn="ctr" rotWithShape="0">
+              <a:srgbClr val="000000">
+                <a:alpha val="63000"/>
+              </a:srgbClr>
+            </a:outerShdw>
+          </a:effectLst>
+        </a:effectStyle>
+      </a:effectStyleLst>
+      <a:bgFillStyleLst>
+        <a:solidFill>
+          <a:schemeClr val="phClr"/>
+        </a:solidFill>
+        <a:solidFill>
+          <a:schemeClr val="phClr">
+            <a:tint val="95000"/>
+            <a:satMod val="170000"/>
+          </a:schemeClr>
+        </a:solidFill>
+        <a:gradFill rotWithShape="1">
+          <a:gsLst>
+            <a:gs pos="0">
+              <a:schemeClr val="phClr">
+                <a:tint val="93000"/>
+                <a:satMod val="150000"/>
+                <a:shade val="98000"/>
+                <a:lumMod val="102000"/>
+              </a:schemeClr>
+            </a:gs>
+            <a:gs pos="50000">
+              <a:schemeClr val="phClr">
+                <a:tint val="98000"/>
+                <a:satMod val="130000"/>
+                <a:shade val="90000"/>
+                <a:lumMod val="103000"/>
+              </a:schemeClr>
+            </a:gs>
+            <a:gs pos="100000">
+              <a:schemeClr val="phClr">
+                <a:shade val="63000"/>
+                <a:satMod val="120000"/>
+              </a:schemeClr>
+            </a:gs>
+          </a:gsLst>
+          <a:lin ang="5400000" scaled="0"/>
+        </a:gradFill>
+      </a:bgFillStyleLst>
+    </a:fmtScheme>
+  </a:themeElements>
+  <a:objectDefaults/>
+  <a:extraClrSchemeLst/>
+  <a:extLst>
+    <a:ext uri="{05A4C25C-085E-4340-85A3-A5531E510DB2}">
+      <thm15:themeFamily xmlns:thm15="http://schemas.microsoft.com/office/thememl/2012/main" name="Office Theme" id="{62F939B6-93AF-4DB8-9C6B-D6C7DFDC589F}" vid="{4A3C46E8-61CC-4603-A589-7422A47A8E4A}"/>
+    </a:ext>
+  </a:extLst>
+</a:theme>
 </file>